--- a/ChatGPTを用いてゲームを作ろう！.pptx
+++ b/ChatGPTを用いてゲームを作ろう！.pptx
@@ -19,8 +19,22 @@
     <p:sldId id="269" r:id="rId13"/>
     <p:sldId id="267" r:id="rId14"/>
     <p:sldId id="266" r:id="rId15"/>
-    <p:sldId id="270" r:id="rId16"/>
-    <p:sldId id="271" r:id="rId17"/>
+    <p:sldId id="271" r:id="rId16"/>
+    <p:sldId id="272" r:id="rId17"/>
+    <p:sldId id="274" r:id="rId18"/>
+    <p:sldId id="275" r:id="rId19"/>
+    <p:sldId id="276" r:id="rId20"/>
+    <p:sldId id="277" r:id="rId21"/>
+    <p:sldId id="278" r:id="rId22"/>
+    <p:sldId id="279" r:id="rId23"/>
+    <p:sldId id="280" r:id="rId24"/>
+    <p:sldId id="281" r:id="rId25"/>
+    <p:sldId id="282" r:id="rId26"/>
+    <p:sldId id="283" r:id="rId27"/>
+    <p:sldId id="284" r:id="rId28"/>
+    <p:sldId id="285" r:id="rId29"/>
+    <p:sldId id="286" r:id="rId30"/>
+    <p:sldId id="287" r:id="rId31"/>
   </p:sldIdLst>
   <p:sldSz cx="12192000" cy="6858000"/>
   <p:notesSz cx="6858000" cy="9144000"/>
@@ -269,7 +283,7 @@
           <a:p>
             <a:fld id="{C1BBE9AA-98EA-4AE1-A054-2957872306EB}" type="datetimeFigureOut">
               <a:rPr kumimoji="1" lang="ja-JP" altLang="en-US" smtClean="0"/>
-              <a:t>2023/9/6</a:t>
+              <a:t>2023/9/20</a:t>
             </a:fld>
             <a:endParaRPr kumimoji="1" lang="ja-JP" altLang="en-US"/>
           </a:p>
@@ -471,7 +485,7 @@
           <a:p>
             <a:fld id="{C1BBE9AA-98EA-4AE1-A054-2957872306EB}" type="datetimeFigureOut">
               <a:rPr kumimoji="1" lang="ja-JP" altLang="en-US" smtClean="0"/>
-              <a:t>2023/9/6</a:t>
+              <a:t>2023/9/20</a:t>
             </a:fld>
             <a:endParaRPr kumimoji="1" lang="ja-JP" altLang="en-US"/>
           </a:p>
@@ -683,7 +697,7 @@
           <a:p>
             <a:fld id="{C1BBE9AA-98EA-4AE1-A054-2957872306EB}" type="datetimeFigureOut">
               <a:rPr kumimoji="1" lang="ja-JP" altLang="en-US" smtClean="0"/>
-              <a:t>2023/9/6</a:t>
+              <a:t>2023/9/20</a:t>
             </a:fld>
             <a:endParaRPr kumimoji="1" lang="ja-JP" altLang="en-US"/>
           </a:p>
@@ -891,7 +905,7 @@
           <a:p>
             <a:fld id="{C1BBE9AA-98EA-4AE1-A054-2957872306EB}" type="datetimeFigureOut">
               <a:rPr kumimoji="1" lang="ja-JP" altLang="en-US" smtClean="0"/>
-              <a:t>2023/9/6</a:t>
+              <a:t>2023/9/20</a:t>
             </a:fld>
             <a:endParaRPr kumimoji="1" lang="ja-JP" altLang="en-US"/>
           </a:p>
@@ -1121,7 +1135,7 @@
           <a:p>
             <a:fld id="{C1BBE9AA-98EA-4AE1-A054-2957872306EB}" type="datetimeFigureOut">
               <a:rPr kumimoji="1" lang="ja-JP" altLang="en-US" smtClean="0"/>
-              <a:t>2023/9/6</a:t>
+              <a:t>2023/9/20</a:t>
             </a:fld>
             <a:endParaRPr kumimoji="1" lang="ja-JP" altLang="en-US"/>
           </a:p>
@@ -1396,7 +1410,7 @@
           <a:p>
             <a:fld id="{C1BBE9AA-98EA-4AE1-A054-2957872306EB}" type="datetimeFigureOut">
               <a:rPr kumimoji="1" lang="ja-JP" altLang="en-US" smtClean="0"/>
-              <a:t>2023/9/6</a:t>
+              <a:t>2023/9/20</a:t>
             </a:fld>
             <a:endParaRPr kumimoji="1" lang="ja-JP" altLang="en-US"/>
           </a:p>
@@ -1725,7 +1739,7 @@
           <a:p>
             <a:fld id="{C1BBE9AA-98EA-4AE1-A054-2957872306EB}" type="datetimeFigureOut">
               <a:rPr kumimoji="1" lang="ja-JP" altLang="en-US" smtClean="0"/>
-              <a:t>2023/9/6</a:t>
+              <a:t>2023/9/20</a:t>
             </a:fld>
             <a:endParaRPr kumimoji="1" lang="ja-JP" altLang="en-US"/>
           </a:p>
@@ -2201,7 +2215,7 @@
           <a:p>
             <a:fld id="{C1BBE9AA-98EA-4AE1-A054-2957872306EB}" type="datetimeFigureOut">
               <a:rPr kumimoji="1" lang="ja-JP" altLang="en-US" smtClean="0"/>
-              <a:t>2023/9/6</a:t>
+              <a:t>2023/9/20</a:t>
             </a:fld>
             <a:endParaRPr kumimoji="1" lang="ja-JP" altLang="en-US"/>
           </a:p>
@@ -2342,7 +2356,7 @@
           <a:p>
             <a:fld id="{C1BBE9AA-98EA-4AE1-A054-2957872306EB}" type="datetimeFigureOut">
               <a:rPr kumimoji="1" lang="ja-JP" altLang="en-US" smtClean="0"/>
-              <a:t>2023/9/6</a:t>
+              <a:t>2023/9/20</a:t>
             </a:fld>
             <a:endParaRPr kumimoji="1" lang="ja-JP" altLang="en-US"/>
           </a:p>
@@ -2455,7 +2469,7 @@
           <a:p>
             <a:fld id="{C1BBE9AA-98EA-4AE1-A054-2957872306EB}" type="datetimeFigureOut">
               <a:rPr kumimoji="1" lang="ja-JP" altLang="en-US" smtClean="0"/>
-              <a:t>2023/9/6</a:t>
+              <a:t>2023/9/20</a:t>
             </a:fld>
             <a:endParaRPr kumimoji="1" lang="ja-JP" altLang="en-US"/>
           </a:p>
@@ -2798,7 +2812,7 @@
           <a:p>
             <a:fld id="{C1BBE9AA-98EA-4AE1-A054-2957872306EB}" type="datetimeFigureOut">
               <a:rPr kumimoji="1" lang="ja-JP" altLang="en-US" smtClean="0"/>
-              <a:t>2023/9/6</a:t>
+              <a:t>2023/9/20</a:t>
             </a:fld>
             <a:endParaRPr kumimoji="1" lang="ja-JP" altLang="en-US"/>
           </a:p>
@@ -3012,7 +3026,7 @@
           <a:p>
             <a:fld id="{C1BBE9AA-98EA-4AE1-A054-2957872306EB}" type="datetimeFigureOut">
               <a:rPr kumimoji="1" lang="ja-JP" altLang="en-US" smtClean="0"/>
-              <a:t>2023/9/6</a:t>
+              <a:t>2023/9/20</a:t>
             </a:fld>
             <a:endParaRPr kumimoji="1" lang="ja-JP" altLang="en-US"/>
           </a:p>
@@ -3288,7 +3302,7 @@
           <a:p>
             <a:fld id="{C1BBE9AA-98EA-4AE1-A054-2957872306EB}" type="datetimeFigureOut">
               <a:rPr kumimoji="1" lang="ja-JP" altLang="en-US" smtClean="0"/>
-              <a:t>2023/9/6</a:t>
+              <a:t>2023/9/20</a:t>
             </a:fld>
             <a:endParaRPr kumimoji="1" lang="ja-JP" altLang="en-US"/>
           </a:p>
@@ -3518,7 +3532,7 @@
           <a:p>
             <a:fld id="{C1BBE9AA-98EA-4AE1-A054-2957872306EB}" type="datetimeFigureOut">
               <a:rPr kumimoji="1" lang="ja-JP" altLang="en-US" smtClean="0"/>
-              <a:t>2023/9/6</a:t>
+              <a:t>2023/9/20</a:t>
             </a:fld>
             <a:endParaRPr kumimoji="1" lang="ja-JP" altLang="en-US"/>
           </a:p>
@@ -3758,7 +3772,7 @@
           <a:p>
             <a:fld id="{C1BBE9AA-98EA-4AE1-A054-2957872306EB}" type="datetimeFigureOut">
               <a:rPr kumimoji="1" lang="ja-JP" altLang="en-US" smtClean="0"/>
-              <a:t>2023/9/6</a:t>
+              <a:t>2023/9/20</a:t>
             </a:fld>
             <a:endParaRPr kumimoji="1" lang="ja-JP" altLang="en-US"/>
           </a:p>
@@ -4021,7 +4035,7 @@
           <a:p>
             <a:fld id="{C1BBE9AA-98EA-4AE1-A054-2957872306EB}" type="datetimeFigureOut">
               <a:rPr kumimoji="1" lang="ja-JP" altLang="en-US" smtClean="0"/>
-              <a:t>2023/9/6</a:t>
+              <a:t>2023/9/20</a:t>
             </a:fld>
             <a:endParaRPr kumimoji="1" lang="ja-JP" altLang="en-US"/>
           </a:p>
@@ -4317,7 +4331,7 @@
           <a:p>
             <a:fld id="{C1BBE9AA-98EA-4AE1-A054-2957872306EB}" type="datetimeFigureOut">
               <a:rPr kumimoji="1" lang="ja-JP" altLang="en-US" smtClean="0"/>
-              <a:t>2023/9/6</a:t>
+              <a:t>2023/9/20</a:t>
             </a:fld>
             <a:endParaRPr kumimoji="1" lang="ja-JP" altLang="en-US"/>
           </a:p>
@@ -4728,7 +4742,7 @@
           <a:p>
             <a:fld id="{C1BBE9AA-98EA-4AE1-A054-2957872306EB}" type="datetimeFigureOut">
               <a:rPr kumimoji="1" lang="ja-JP" altLang="en-US" smtClean="0"/>
-              <a:t>2023/9/6</a:t>
+              <a:t>2023/9/20</a:t>
             </a:fld>
             <a:endParaRPr kumimoji="1" lang="ja-JP" altLang="en-US"/>
           </a:p>
@@ -4846,7 +4860,7 @@
           <a:p>
             <a:fld id="{C1BBE9AA-98EA-4AE1-A054-2957872306EB}" type="datetimeFigureOut">
               <a:rPr kumimoji="1" lang="ja-JP" altLang="en-US" smtClean="0"/>
-              <a:t>2023/9/6</a:t>
+              <a:t>2023/9/20</a:t>
             </a:fld>
             <a:endParaRPr kumimoji="1" lang="ja-JP" altLang="en-US"/>
           </a:p>
@@ -4964,7 +4978,7 @@
           <a:p>
             <a:fld id="{C1BBE9AA-98EA-4AE1-A054-2957872306EB}" type="datetimeFigureOut">
               <a:rPr kumimoji="1" lang="ja-JP" altLang="en-US" smtClean="0"/>
-              <a:t>2023/9/6</a:t>
+              <a:t>2023/9/20</a:t>
             </a:fld>
             <a:endParaRPr kumimoji="1" lang="ja-JP" altLang="en-US"/>
           </a:p>
@@ -5280,7 +5294,7 @@
           <a:p>
             <a:fld id="{C1BBE9AA-98EA-4AE1-A054-2957872306EB}" type="datetimeFigureOut">
               <a:rPr kumimoji="1" lang="ja-JP" altLang="en-US" smtClean="0"/>
-              <a:t>2023/9/6</a:t>
+              <a:t>2023/9/20</a:t>
             </a:fld>
             <a:endParaRPr kumimoji="1" lang="ja-JP" altLang="en-US"/>
           </a:p>
@@ -5544,7 +5558,7 @@
           <a:p>
             <a:fld id="{C1BBE9AA-98EA-4AE1-A054-2957872306EB}" type="datetimeFigureOut">
               <a:rPr kumimoji="1" lang="ja-JP" altLang="en-US" smtClean="0"/>
-              <a:t>2023/9/6</a:t>
+              <a:t>2023/9/20</a:t>
             </a:fld>
             <a:endParaRPr kumimoji="1" lang="ja-JP" altLang="en-US"/>
           </a:p>
@@ -5790,7 +5804,7 @@
           <a:p>
             <a:fld id="{C1BBE9AA-98EA-4AE1-A054-2957872306EB}" type="datetimeFigureOut">
               <a:rPr kumimoji="1" lang="ja-JP" altLang="en-US" smtClean="0"/>
-              <a:t>2023/9/6</a:t>
+              <a:t>2023/9/20</a:t>
             </a:fld>
             <a:endParaRPr kumimoji="1" lang="ja-JP" altLang="en-US"/>
           </a:p>
@@ -6367,7 +6381,7 @@
           <a:p>
             <a:fld id="{C1BBE9AA-98EA-4AE1-A054-2957872306EB}" type="datetimeFigureOut">
               <a:rPr kumimoji="1" lang="ja-JP" altLang="en-US" smtClean="0"/>
-              <a:t>2023/9/6</a:t>
+              <a:t>2023/9/20</a:t>
             </a:fld>
             <a:endParaRPr kumimoji="1" lang="ja-JP" altLang="en-US"/>
           </a:p>
@@ -15110,8 +15124,331 @@
           <a:chExt cx="0" cy="0"/>
         </a:xfrm>
       </p:grpSpPr>
-      <mc:AlternateContent xmlns:mc="http://schemas.openxmlformats.org/markup-compatibility/2006" xmlns:we="http://schemas.microsoft.com/office/webextensions/webextension/2010/11" xmlns:pca="http://schemas.microsoft.com/office/powerpoint/2013/contentapp">
-        <mc:Choice Requires="we pca">
+      <p:sp>
+        <p:nvSpPr>
+          <p:cNvPr id="12" name="正方形/長方形 11">
+            <a:extLst>
+              <a:ext uri="{FF2B5EF4-FFF2-40B4-BE49-F238E27FC236}">
+                <a16:creationId xmlns:a16="http://schemas.microsoft.com/office/drawing/2014/main" id="{8D927366-A2BA-562F-C5A8-9F56A5989CF9}"/>
+              </a:ext>
+            </a:extLst>
+          </p:cNvPr>
+          <p:cNvSpPr/>
+          <p:nvPr/>
+        </p:nvSpPr>
+        <p:spPr>
+          <a:xfrm>
+            <a:off x="0" y="0"/>
+            <a:ext cx="12192000" cy="1261534"/>
+          </a:xfrm>
+          <a:prstGeom prst="rect">
+            <a:avLst/>
+          </a:prstGeom>
+        </p:spPr>
+        <p:style>
+          <a:lnRef idx="2">
+            <a:schemeClr val="accent1">
+              <a:shade val="15000"/>
+            </a:schemeClr>
+          </a:lnRef>
+          <a:fillRef idx="1">
+            <a:schemeClr val="accent1"/>
+          </a:fillRef>
+          <a:effectRef idx="0">
+            <a:schemeClr val="accent1"/>
+          </a:effectRef>
+          <a:fontRef idx="minor">
+            <a:schemeClr val="lt1"/>
+          </a:fontRef>
+        </p:style>
+        <p:txBody>
+          <a:bodyPr rtlCol="0" anchor="ctr"/>
+          <a:lstStyle/>
+          <a:p>
+            <a:pPr indent="355600"/>
+            <a:r>
+              <a:rPr kumimoji="1" lang="en-US" altLang="ja-JP" sz="5400" dirty="0">
+                <a:solidFill>
+                  <a:schemeClr val="tx1"/>
+                </a:solidFill>
+                <a:latin typeface="ＭＳ Ｐゴシック" panose="020B0600070205080204" pitchFamily="50" charset="-128"/>
+                <a:ea typeface="ＭＳ Ｐゴシック" panose="020B0600070205080204" pitchFamily="50" charset="-128"/>
+              </a:rPr>
+              <a:t>- </a:t>
+            </a:r>
+            <a:r>
+              <a:rPr kumimoji="1" lang="ja-JP" altLang="en-US" sz="5400" dirty="0">
+                <a:solidFill>
+                  <a:schemeClr val="tx1"/>
+                </a:solidFill>
+                <a:latin typeface="ＭＳ Ｐゴシック" panose="020B0600070205080204" pitchFamily="50" charset="-128"/>
+                <a:ea typeface="ＭＳ Ｐゴシック" panose="020B0600070205080204" pitchFamily="50" charset="-128"/>
+              </a:rPr>
+              <a:t>ゲームデザイン</a:t>
+            </a:r>
+          </a:p>
+        </p:txBody>
+      </p:sp>
+      <p:sp>
+        <p:nvSpPr>
+          <p:cNvPr id="4" name="テキスト ボックス 3">
+            <a:extLst>
+              <a:ext uri="{FF2B5EF4-FFF2-40B4-BE49-F238E27FC236}">
+                <a16:creationId xmlns:a16="http://schemas.microsoft.com/office/drawing/2014/main" id="{FEFF9B82-349E-343B-1624-46E671061878}"/>
+              </a:ext>
+            </a:extLst>
+          </p:cNvPr>
+          <p:cNvSpPr txBox="1"/>
+          <p:nvPr/>
+        </p:nvSpPr>
+        <p:spPr>
+          <a:xfrm>
+            <a:off x="372535" y="1537646"/>
+            <a:ext cx="6002866" cy="369332"/>
+          </a:xfrm>
+          <a:prstGeom prst="rect">
+            <a:avLst/>
+          </a:prstGeom>
+          <a:noFill/>
+        </p:spPr>
+        <p:txBody>
+          <a:bodyPr wrap="square" rtlCol="0">
+            <a:spAutoFit/>
+          </a:bodyPr>
+          <a:lstStyle/>
+          <a:p>
+            <a:pPr marL="285750" indent="-285750">
+              <a:buFont typeface="Wingdings" panose="05000000000000000000" pitchFamily="2" charset="2"/>
+              <a:buChar char="ü"/>
+            </a:pPr>
+            <a:r>
+              <a:rPr kumimoji="1" lang="en-US" altLang="ja-JP" dirty="0">
+                <a:latin typeface="ＭＳ Ｐゴシック" panose="020B0600070205080204" pitchFamily="50" charset="-128"/>
+                <a:ea typeface="ＭＳ Ｐゴシック" panose="020B0600070205080204" pitchFamily="50" charset="-128"/>
+              </a:rPr>
+              <a:t>ChatGPT</a:t>
+            </a:r>
+            <a:r>
+              <a:rPr kumimoji="1" lang="ja-JP" altLang="en-US" dirty="0">
+                <a:latin typeface="ＭＳ Ｐゴシック" panose="020B0600070205080204" pitchFamily="50" charset="-128"/>
+                <a:ea typeface="ＭＳ Ｐゴシック" panose="020B0600070205080204" pitchFamily="50" charset="-128"/>
+              </a:rPr>
+              <a:t>にゲームデザインの入力</a:t>
+            </a:r>
+            <a:endParaRPr kumimoji="1" lang="en-US" altLang="ja-JP" dirty="0">
+              <a:latin typeface="ＭＳ Ｐゴシック" panose="020B0600070205080204" pitchFamily="50" charset="-128"/>
+              <a:ea typeface="ＭＳ Ｐゴシック" panose="020B0600070205080204" pitchFamily="50" charset="-128"/>
+            </a:endParaRPr>
+          </a:p>
+        </p:txBody>
+      </p:sp>
+      <p:sp>
+        <p:nvSpPr>
+          <p:cNvPr id="8" name="正方形/長方形 7">
+            <a:extLst>
+              <a:ext uri="{FF2B5EF4-FFF2-40B4-BE49-F238E27FC236}">
+                <a16:creationId xmlns:a16="http://schemas.microsoft.com/office/drawing/2014/main" id="{8BB07360-382F-400B-E6F2-4EDC82D847E8}"/>
+              </a:ext>
+            </a:extLst>
+          </p:cNvPr>
+          <p:cNvSpPr/>
+          <p:nvPr/>
+        </p:nvSpPr>
+        <p:spPr>
+          <a:xfrm>
+            <a:off x="652530" y="5499445"/>
+            <a:ext cx="9372005" cy="836094"/>
+          </a:xfrm>
+          <a:prstGeom prst="rect">
+            <a:avLst/>
+          </a:prstGeom>
+          <a:solidFill>
+            <a:schemeClr val="bg1"/>
+          </a:solidFill>
+          <a:ln>
+            <a:noFill/>
+          </a:ln>
+        </p:spPr>
+        <p:style>
+          <a:lnRef idx="2">
+            <a:schemeClr val="accent1">
+              <a:shade val="15000"/>
+            </a:schemeClr>
+          </a:lnRef>
+          <a:fillRef idx="1">
+            <a:schemeClr val="accent1"/>
+          </a:fillRef>
+          <a:effectRef idx="0">
+            <a:schemeClr val="accent1"/>
+          </a:effectRef>
+          <a:fontRef idx="minor">
+            <a:schemeClr val="lt1"/>
+          </a:fontRef>
+        </p:style>
+        <p:txBody>
+          <a:bodyPr rtlCol="0" anchor="ctr"/>
+          <a:lstStyle/>
+          <a:p>
+            <a:pPr algn="ctr"/>
+            <a:endParaRPr kumimoji="1" lang="ja-JP" altLang="en-US" dirty="0"/>
+          </a:p>
+        </p:txBody>
+      </p:sp>
+      <p:sp>
+        <p:nvSpPr>
+          <p:cNvPr id="18" name="正方形/長方形 17">
+            <a:extLst>
+              <a:ext uri="{FF2B5EF4-FFF2-40B4-BE49-F238E27FC236}">
+                <a16:creationId xmlns:a16="http://schemas.microsoft.com/office/drawing/2014/main" id="{61A47339-2C22-8635-668D-B42E11A604D9}"/>
+              </a:ext>
+            </a:extLst>
+          </p:cNvPr>
+          <p:cNvSpPr/>
+          <p:nvPr/>
+        </p:nvSpPr>
+        <p:spPr>
+          <a:xfrm>
+            <a:off x="0" y="6112933"/>
+            <a:ext cx="12192000" cy="745067"/>
+          </a:xfrm>
+          <a:prstGeom prst="rect">
+            <a:avLst/>
+          </a:prstGeom>
+        </p:spPr>
+        <p:style>
+          <a:lnRef idx="2">
+            <a:schemeClr val="accent1">
+              <a:shade val="15000"/>
+            </a:schemeClr>
+          </a:lnRef>
+          <a:fillRef idx="1">
+            <a:schemeClr val="accent1"/>
+          </a:fillRef>
+          <a:effectRef idx="0">
+            <a:schemeClr val="accent1"/>
+          </a:effectRef>
+          <a:fontRef idx="minor">
+            <a:schemeClr val="lt1"/>
+          </a:fontRef>
+        </p:style>
+        <p:txBody>
+          <a:bodyPr rtlCol="0" anchor="ctr"/>
+          <a:lstStyle/>
+          <a:p>
+            <a:pPr algn="ctr"/>
+            <a:endParaRPr kumimoji="1" lang="ja-JP" altLang="en-US"/>
+          </a:p>
+        </p:txBody>
+      </p:sp>
+      <p:sp>
+        <p:nvSpPr>
+          <p:cNvPr id="6" name="正方形/長方形 5">
+            <a:extLst>
+              <a:ext uri="{FF2B5EF4-FFF2-40B4-BE49-F238E27FC236}">
+                <a16:creationId xmlns:a16="http://schemas.microsoft.com/office/drawing/2014/main" id="{333283B3-AEC3-EC1D-EBF1-BC89274B442D}"/>
+              </a:ext>
+            </a:extLst>
+          </p:cNvPr>
+          <p:cNvSpPr/>
+          <p:nvPr/>
+        </p:nvSpPr>
+        <p:spPr>
+          <a:xfrm>
+            <a:off x="758066" y="2149226"/>
+            <a:ext cx="9020934" cy="3318264"/>
+          </a:xfrm>
+          <a:prstGeom prst="rect">
+            <a:avLst/>
+          </a:prstGeom>
+          <a:noFill/>
+          <a:ln w="28575">
+            <a:solidFill>
+              <a:schemeClr val="accent1">
+                <a:lumMod val="60000"/>
+                <a:lumOff val="40000"/>
+              </a:schemeClr>
+            </a:solidFill>
+          </a:ln>
+        </p:spPr>
+        <p:style>
+          <a:lnRef idx="2">
+            <a:schemeClr val="accent1">
+              <a:shade val="15000"/>
+            </a:schemeClr>
+          </a:lnRef>
+          <a:fillRef idx="1">
+            <a:schemeClr val="accent1"/>
+          </a:fillRef>
+          <a:effectRef idx="0">
+            <a:schemeClr val="accent1"/>
+          </a:effectRef>
+          <a:fontRef idx="minor">
+            <a:schemeClr val="lt1"/>
+          </a:fontRef>
+        </p:style>
+        <p:txBody>
+          <a:bodyPr rtlCol="0" anchor="ctr"/>
+          <a:lstStyle/>
+          <a:p>
+            <a:pPr algn="ctr"/>
+            <a:endParaRPr kumimoji="1" lang="ja-JP" altLang="en-US"/>
+          </a:p>
+        </p:txBody>
+      </p:sp>
+      <p:sp>
+        <p:nvSpPr>
+          <p:cNvPr id="7" name="テキスト ボックス 6">
+            <a:extLst>
+              <a:ext uri="{FF2B5EF4-FFF2-40B4-BE49-F238E27FC236}">
+                <a16:creationId xmlns:a16="http://schemas.microsoft.com/office/drawing/2014/main" id="{25525B89-8920-D625-E11C-52DC7508FE76}"/>
+              </a:ext>
+            </a:extLst>
+          </p:cNvPr>
+          <p:cNvSpPr txBox="1"/>
+          <p:nvPr/>
+        </p:nvSpPr>
+        <p:spPr>
+          <a:xfrm>
+            <a:off x="4248299" y="1964560"/>
+            <a:ext cx="2040468" cy="369332"/>
+          </a:xfrm>
+          <a:prstGeom prst="rect">
+            <a:avLst/>
+          </a:prstGeom>
+          <a:solidFill>
+            <a:schemeClr val="bg1"/>
+          </a:solidFill>
+        </p:spPr>
+        <p:txBody>
+          <a:bodyPr wrap="square" rtlCol="0">
+            <a:spAutoFit/>
+          </a:bodyPr>
+          <a:lstStyle/>
+          <a:p>
+            <a:pPr algn="ctr"/>
+            <a:r>
+              <a:rPr kumimoji="1" lang="en-US" altLang="ja-JP" dirty="0">
+                <a:latin typeface="ＭＳ Ｐゴシック" panose="020B0600070205080204" pitchFamily="50" charset="-128"/>
+                <a:ea typeface="ＭＳ Ｐゴシック" panose="020B0600070205080204" pitchFamily="50" charset="-128"/>
+              </a:rPr>
+              <a:t>ChatGPT</a:t>
+            </a:r>
+            <a:r>
+              <a:rPr kumimoji="1" lang="ja-JP" altLang="en-US" dirty="0">
+                <a:latin typeface="ＭＳ Ｐゴシック" panose="020B0600070205080204" pitchFamily="50" charset="-128"/>
+                <a:ea typeface="ＭＳ Ｐゴシック" panose="020B0600070205080204" pitchFamily="50" charset="-128"/>
+              </a:rPr>
+              <a:t>の応答⑤</a:t>
+            </a:r>
+            <a:endParaRPr kumimoji="1" lang="en-US" altLang="ja-JP" dirty="0">
+              <a:latin typeface="ＭＳ Ｐゴシック" panose="020B0600070205080204" pitchFamily="50" charset="-128"/>
+              <a:ea typeface="ＭＳ Ｐゴシック" panose="020B0600070205080204" pitchFamily="50" charset="-128"/>
+            </a:endParaRPr>
+          </a:p>
+        </p:txBody>
+      </p:sp>
+      <mc:AlternateContent xmlns:mc="http://schemas.openxmlformats.org/markup-compatibility/2006">
+        <mc:Choice xmlns:we="http://schemas.microsoft.com/office/webextensions/webextension/2010/11" xmlns:pca="http://schemas.microsoft.com/office/powerpoint/2013/contentapp" Requires="we pca">
           <p:graphicFrame>
             <p:nvGraphicFramePr>
               <p:cNvPr id="2" name="アドイン 1" title="Web ビューアー">
@@ -15143,7 +15480,7 @@
             </a:graphic>
           </p:graphicFrame>
         </mc:Choice>
-        <mc:Fallback xmlns="">
+        <mc:Fallback>
           <p:pic>
             <p:nvPicPr>
               <p:cNvPr id="2" name="アドイン 1" title="Web ビューアー">
@@ -15176,329 +15513,6 @@
           </p:pic>
         </mc:Fallback>
       </mc:AlternateContent>
-      <p:sp>
-        <p:nvSpPr>
-          <p:cNvPr id="12" name="正方形/長方形 11">
-            <a:extLst>
-              <a:ext uri="{FF2B5EF4-FFF2-40B4-BE49-F238E27FC236}">
-                <a16:creationId xmlns:a16="http://schemas.microsoft.com/office/drawing/2014/main" id="{8D927366-A2BA-562F-C5A8-9F56A5989CF9}"/>
-              </a:ext>
-            </a:extLst>
-          </p:cNvPr>
-          <p:cNvSpPr/>
-          <p:nvPr/>
-        </p:nvSpPr>
-        <p:spPr>
-          <a:xfrm>
-            <a:off x="0" y="0"/>
-            <a:ext cx="12192000" cy="1261534"/>
-          </a:xfrm>
-          <a:prstGeom prst="rect">
-            <a:avLst/>
-          </a:prstGeom>
-        </p:spPr>
-        <p:style>
-          <a:lnRef idx="2">
-            <a:schemeClr val="accent1">
-              <a:shade val="15000"/>
-            </a:schemeClr>
-          </a:lnRef>
-          <a:fillRef idx="1">
-            <a:schemeClr val="accent1"/>
-          </a:fillRef>
-          <a:effectRef idx="0">
-            <a:schemeClr val="accent1"/>
-          </a:effectRef>
-          <a:fontRef idx="minor">
-            <a:schemeClr val="lt1"/>
-          </a:fontRef>
-        </p:style>
-        <p:txBody>
-          <a:bodyPr rtlCol="0" anchor="ctr"/>
-          <a:lstStyle/>
-          <a:p>
-            <a:pPr indent="355600"/>
-            <a:r>
-              <a:rPr kumimoji="1" lang="en-US" altLang="ja-JP" sz="5400" dirty="0">
-                <a:solidFill>
-                  <a:schemeClr val="tx1"/>
-                </a:solidFill>
-                <a:latin typeface="ＭＳ Ｐゴシック" panose="020B0600070205080204" pitchFamily="50" charset="-128"/>
-                <a:ea typeface="ＭＳ Ｐゴシック" panose="020B0600070205080204" pitchFamily="50" charset="-128"/>
-              </a:rPr>
-              <a:t>- </a:t>
-            </a:r>
-            <a:r>
-              <a:rPr kumimoji="1" lang="ja-JP" altLang="en-US" sz="5400" dirty="0">
-                <a:solidFill>
-                  <a:schemeClr val="tx1"/>
-                </a:solidFill>
-                <a:latin typeface="ＭＳ Ｐゴシック" panose="020B0600070205080204" pitchFamily="50" charset="-128"/>
-                <a:ea typeface="ＭＳ Ｐゴシック" panose="020B0600070205080204" pitchFamily="50" charset="-128"/>
-              </a:rPr>
-              <a:t>ゲームデザイン</a:t>
-            </a:r>
-          </a:p>
-        </p:txBody>
-      </p:sp>
-      <p:sp>
-        <p:nvSpPr>
-          <p:cNvPr id="4" name="テキスト ボックス 3">
-            <a:extLst>
-              <a:ext uri="{FF2B5EF4-FFF2-40B4-BE49-F238E27FC236}">
-                <a16:creationId xmlns:a16="http://schemas.microsoft.com/office/drawing/2014/main" id="{FEFF9B82-349E-343B-1624-46E671061878}"/>
-              </a:ext>
-            </a:extLst>
-          </p:cNvPr>
-          <p:cNvSpPr txBox="1"/>
-          <p:nvPr/>
-        </p:nvSpPr>
-        <p:spPr>
-          <a:xfrm>
-            <a:off x="372535" y="1537646"/>
-            <a:ext cx="6002866" cy="369332"/>
-          </a:xfrm>
-          <a:prstGeom prst="rect">
-            <a:avLst/>
-          </a:prstGeom>
-          <a:noFill/>
-        </p:spPr>
-        <p:txBody>
-          <a:bodyPr wrap="square" rtlCol="0">
-            <a:spAutoFit/>
-          </a:bodyPr>
-          <a:lstStyle/>
-          <a:p>
-            <a:pPr marL="285750" indent="-285750">
-              <a:buFont typeface="Wingdings" panose="05000000000000000000" pitchFamily="2" charset="2"/>
-              <a:buChar char="ü"/>
-            </a:pPr>
-            <a:r>
-              <a:rPr kumimoji="1" lang="en-US" altLang="ja-JP" dirty="0">
-                <a:latin typeface="ＭＳ Ｐゴシック" panose="020B0600070205080204" pitchFamily="50" charset="-128"/>
-                <a:ea typeface="ＭＳ Ｐゴシック" panose="020B0600070205080204" pitchFamily="50" charset="-128"/>
-              </a:rPr>
-              <a:t>ChatGPT</a:t>
-            </a:r>
-            <a:r>
-              <a:rPr kumimoji="1" lang="ja-JP" altLang="en-US" dirty="0">
-                <a:latin typeface="ＭＳ Ｐゴシック" panose="020B0600070205080204" pitchFamily="50" charset="-128"/>
-                <a:ea typeface="ＭＳ Ｐゴシック" panose="020B0600070205080204" pitchFamily="50" charset="-128"/>
-              </a:rPr>
-              <a:t>にゲームデザインの入力</a:t>
-            </a:r>
-            <a:endParaRPr kumimoji="1" lang="en-US" altLang="ja-JP" dirty="0">
-              <a:latin typeface="ＭＳ Ｐゴシック" panose="020B0600070205080204" pitchFamily="50" charset="-128"/>
-              <a:ea typeface="ＭＳ Ｐゴシック" panose="020B0600070205080204" pitchFamily="50" charset="-128"/>
-            </a:endParaRPr>
-          </a:p>
-        </p:txBody>
-      </p:sp>
-      <p:sp>
-        <p:nvSpPr>
-          <p:cNvPr id="8" name="正方形/長方形 7">
-            <a:extLst>
-              <a:ext uri="{FF2B5EF4-FFF2-40B4-BE49-F238E27FC236}">
-                <a16:creationId xmlns:a16="http://schemas.microsoft.com/office/drawing/2014/main" id="{8BB07360-382F-400B-E6F2-4EDC82D847E8}"/>
-              </a:ext>
-            </a:extLst>
-          </p:cNvPr>
-          <p:cNvSpPr/>
-          <p:nvPr/>
-        </p:nvSpPr>
-        <p:spPr>
-          <a:xfrm>
-            <a:off x="652530" y="5499445"/>
-            <a:ext cx="9372005" cy="836094"/>
-          </a:xfrm>
-          <a:prstGeom prst="rect">
-            <a:avLst/>
-          </a:prstGeom>
-          <a:solidFill>
-            <a:schemeClr val="bg1"/>
-          </a:solidFill>
-          <a:ln>
-            <a:noFill/>
-          </a:ln>
-        </p:spPr>
-        <p:style>
-          <a:lnRef idx="2">
-            <a:schemeClr val="accent1">
-              <a:shade val="15000"/>
-            </a:schemeClr>
-          </a:lnRef>
-          <a:fillRef idx="1">
-            <a:schemeClr val="accent1"/>
-          </a:fillRef>
-          <a:effectRef idx="0">
-            <a:schemeClr val="accent1"/>
-          </a:effectRef>
-          <a:fontRef idx="minor">
-            <a:schemeClr val="lt1"/>
-          </a:fontRef>
-        </p:style>
-        <p:txBody>
-          <a:bodyPr rtlCol="0" anchor="ctr"/>
-          <a:lstStyle/>
-          <a:p>
-            <a:pPr algn="ctr"/>
-            <a:endParaRPr kumimoji="1" lang="ja-JP" altLang="en-US" dirty="0"/>
-          </a:p>
-        </p:txBody>
-      </p:sp>
-      <p:sp>
-        <p:nvSpPr>
-          <p:cNvPr id="18" name="正方形/長方形 17">
-            <a:extLst>
-              <a:ext uri="{FF2B5EF4-FFF2-40B4-BE49-F238E27FC236}">
-                <a16:creationId xmlns:a16="http://schemas.microsoft.com/office/drawing/2014/main" id="{61A47339-2C22-8635-668D-B42E11A604D9}"/>
-              </a:ext>
-            </a:extLst>
-          </p:cNvPr>
-          <p:cNvSpPr/>
-          <p:nvPr/>
-        </p:nvSpPr>
-        <p:spPr>
-          <a:xfrm>
-            <a:off x="0" y="6112933"/>
-            <a:ext cx="12192000" cy="745067"/>
-          </a:xfrm>
-          <a:prstGeom prst="rect">
-            <a:avLst/>
-          </a:prstGeom>
-        </p:spPr>
-        <p:style>
-          <a:lnRef idx="2">
-            <a:schemeClr val="accent1">
-              <a:shade val="15000"/>
-            </a:schemeClr>
-          </a:lnRef>
-          <a:fillRef idx="1">
-            <a:schemeClr val="accent1"/>
-          </a:fillRef>
-          <a:effectRef idx="0">
-            <a:schemeClr val="accent1"/>
-          </a:effectRef>
-          <a:fontRef idx="minor">
-            <a:schemeClr val="lt1"/>
-          </a:fontRef>
-        </p:style>
-        <p:txBody>
-          <a:bodyPr rtlCol="0" anchor="ctr"/>
-          <a:lstStyle/>
-          <a:p>
-            <a:pPr algn="ctr"/>
-            <a:endParaRPr kumimoji="1" lang="ja-JP" altLang="en-US"/>
-          </a:p>
-        </p:txBody>
-      </p:sp>
-      <p:sp>
-        <p:nvSpPr>
-          <p:cNvPr id="6" name="正方形/長方形 5">
-            <a:extLst>
-              <a:ext uri="{FF2B5EF4-FFF2-40B4-BE49-F238E27FC236}">
-                <a16:creationId xmlns:a16="http://schemas.microsoft.com/office/drawing/2014/main" id="{333283B3-AEC3-EC1D-EBF1-BC89274B442D}"/>
-              </a:ext>
-            </a:extLst>
-          </p:cNvPr>
-          <p:cNvSpPr/>
-          <p:nvPr/>
-        </p:nvSpPr>
-        <p:spPr>
-          <a:xfrm>
-            <a:off x="758066" y="2149226"/>
-            <a:ext cx="9020934" cy="3318264"/>
-          </a:xfrm>
-          <a:prstGeom prst="rect">
-            <a:avLst/>
-          </a:prstGeom>
-          <a:noFill/>
-          <a:ln w="28575">
-            <a:solidFill>
-              <a:schemeClr val="accent1">
-                <a:lumMod val="60000"/>
-                <a:lumOff val="40000"/>
-              </a:schemeClr>
-            </a:solidFill>
-          </a:ln>
-        </p:spPr>
-        <p:style>
-          <a:lnRef idx="2">
-            <a:schemeClr val="accent1">
-              <a:shade val="15000"/>
-            </a:schemeClr>
-          </a:lnRef>
-          <a:fillRef idx="1">
-            <a:schemeClr val="accent1"/>
-          </a:fillRef>
-          <a:effectRef idx="0">
-            <a:schemeClr val="accent1"/>
-          </a:effectRef>
-          <a:fontRef idx="minor">
-            <a:schemeClr val="lt1"/>
-          </a:fontRef>
-        </p:style>
-        <p:txBody>
-          <a:bodyPr rtlCol="0" anchor="ctr"/>
-          <a:lstStyle/>
-          <a:p>
-            <a:pPr algn="ctr"/>
-            <a:endParaRPr kumimoji="1" lang="ja-JP" altLang="en-US"/>
-          </a:p>
-        </p:txBody>
-      </p:sp>
-      <p:sp>
-        <p:nvSpPr>
-          <p:cNvPr id="7" name="テキスト ボックス 6">
-            <a:extLst>
-              <a:ext uri="{FF2B5EF4-FFF2-40B4-BE49-F238E27FC236}">
-                <a16:creationId xmlns:a16="http://schemas.microsoft.com/office/drawing/2014/main" id="{25525B89-8920-D625-E11C-52DC7508FE76}"/>
-              </a:ext>
-            </a:extLst>
-          </p:cNvPr>
-          <p:cNvSpPr txBox="1"/>
-          <p:nvPr/>
-        </p:nvSpPr>
-        <p:spPr>
-          <a:xfrm>
-            <a:off x="4248299" y="1964560"/>
-            <a:ext cx="2040468" cy="369332"/>
-          </a:xfrm>
-          <a:prstGeom prst="rect">
-            <a:avLst/>
-          </a:prstGeom>
-          <a:solidFill>
-            <a:schemeClr val="bg1"/>
-          </a:solidFill>
-        </p:spPr>
-        <p:txBody>
-          <a:bodyPr wrap="square" rtlCol="0">
-            <a:spAutoFit/>
-          </a:bodyPr>
-          <a:lstStyle/>
-          <a:p>
-            <a:pPr algn="ctr"/>
-            <a:r>
-              <a:rPr kumimoji="1" lang="en-US" altLang="ja-JP" dirty="0">
-                <a:latin typeface="ＭＳ Ｐゴシック" panose="020B0600070205080204" pitchFamily="50" charset="-128"/>
-                <a:ea typeface="ＭＳ Ｐゴシック" panose="020B0600070205080204" pitchFamily="50" charset="-128"/>
-              </a:rPr>
-              <a:t>ChatGPT</a:t>
-            </a:r>
-            <a:r>
-              <a:rPr kumimoji="1" lang="ja-JP" altLang="en-US" dirty="0">
-                <a:latin typeface="ＭＳ Ｐゴシック" panose="020B0600070205080204" pitchFamily="50" charset="-128"/>
-                <a:ea typeface="ＭＳ Ｐゴシック" panose="020B0600070205080204" pitchFamily="50" charset="-128"/>
-              </a:rPr>
-              <a:t>の応答⑤</a:t>
-            </a:r>
-            <a:endParaRPr kumimoji="1" lang="en-US" altLang="ja-JP" dirty="0">
-              <a:latin typeface="ＭＳ Ｐゴシック" panose="020B0600070205080204" pitchFamily="50" charset="-128"/>
-              <a:ea typeface="ＭＳ Ｐゴシック" panose="020B0600070205080204" pitchFamily="50" charset="-128"/>
-            </a:endParaRPr>
-          </a:p>
-        </p:txBody>
-      </p:sp>
     </p:spTree>
     <p:extLst>
       <p:ext uri="{BB962C8B-B14F-4D97-AF65-F5344CB8AC3E}">
@@ -18825,66 +18839,6 @@
           <a:chExt cx="0" cy="0"/>
         </a:xfrm>
       </p:grpSpPr>
-      <mc:AlternateContent xmlns:mc="http://schemas.openxmlformats.org/markup-compatibility/2006">
-        <mc:Choice xmlns:we="http://schemas.microsoft.com/office/webextensions/webextension/2010/11" xmlns:pca="http://schemas.microsoft.com/office/powerpoint/2013/contentapp" Requires="we pca">
-          <p:graphicFrame>
-            <p:nvGraphicFramePr>
-              <p:cNvPr id="2" name="アドイン 1" title="Web ビューアー">
-                <a:extLst>
-                  <a:ext uri="{FF2B5EF4-FFF2-40B4-BE49-F238E27FC236}">
-                    <a16:creationId xmlns:a16="http://schemas.microsoft.com/office/drawing/2014/main" id="{FF2FF271-777A-E2D3-502E-E2278A709583}"/>
-                  </a:ext>
-                </a:extLst>
-              </p:cNvPr>
-              <p:cNvGraphicFramePr>
-                <a:graphicFrameLocks noGrp="1"/>
-              </p:cNvGraphicFramePr>
-              <p:nvPr/>
-            </p:nvGraphicFramePr>
-            <p:xfrm>
-              <a:off x="800398" y="2195837"/>
-              <a:ext cx="8906932" cy="3724812"/>
-            </p:xfrm>
-            <a:graphic>
-              <a:graphicData uri="http://schemas.microsoft.com/office/webextensions/webextension/2010/11">
-                <we:webextensionref xmlns:we="http://schemas.microsoft.com/office/webextensions/webextension/2010/11" xmlns:r="http://schemas.openxmlformats.org/officeDocument/2006/relationships" r:id="rId2"/>
-              </a:graphicData>
-            </a:graphic>
-          </p:graphicFrame>
-        </mc:Choice>
-        <mc:Fallback>
-          <p:pic>
-            <p:nvPicPr>
-              <p:cNvPr id="2" name="アドイン 1" title="Web ビューアー">
-                <a:extLst>
-                  <a:ext uri="{FF2B5EF4-FFF2-40B4-BE49-F238E27FC236}">
-                    <a16:creationId xmlns:a16="http://schemas.microsoft.com/office/drawing/2014/main" id="{FF2FF271-777A-E2D3-502E-E2278A709583}"/>
-                  </a:ext>
-                </a:extLst>
-              </p:cNvPr>
-              <p:cNvPicPr>
-                <a:picLocks noGrp="1" noRot="1" noChangeAspect="1" noMove="1" noResize="1" noEditPoints="1" noAdjustHandles="1" noChangeArrowheads="1" noChangeShapeType="1"/>
-              </p:cNvPicPr>
-              <p:nvPr/>
-            </p:nvPicPr>
-            <p:blipFill>
-              <a:blip r:embed="rId3"/>
-              <a:stretch>
-                <a:fillRect/>
-              </a:stretch>
-            </p:blipFill>
-            <p:spPr>
-              <a:xfrm>
-                <a:off x="800398" y="2195837"/>
-                <a:ext cx="8906932" cy="3724812"/>
-              </a:xfrm>
-              <a:prstGeom prst="rect">
-                <a:avLst/>
-              </a:prstGeom>
-            </p:spPr>
-          </p:pic>
-        </mc:Fallback>
-      </mc:AlternateContent>
       <p:sp>
         <p:nvSpPr>
           <p:cNvPr id="12" name="正方形/長方形 11">
@@ -18964,8 +18918,8 @@
         </p:nvSpPr>
         <p:spPr>
           <a:xfrm>
-            <a:off x="372535" y="1537646"/>
-            <a:ext cx="6002866" cy="369332"/>
+            <a:off x="372534" y="1537646"/>
+            <a:ext cx="8263466" cy="2031325"/>
           </a:xfrm>
           <a:prstGeom prst="rect">
             <a:avLst/>
@@ -18987,64 +18941,98 @@
                 <a:latin typeface="ＭＳ Ｐゴシック" panose="020B0600070205080204" pitchFamily="50" charset="-128"/>
                 <a:ea typeface="ＭＳ Ｐゴシック" panose="020B0600070205080204" pitchFamily="50" charset="-128"/>
               </a:rPr>
-              <a:t>初期画面、各数字タイル、タイル生成機能の準備</a:t>
-            </a:r>
+              <a:t>ゲーム画面</a:t>
+            </a:r>
+            <a:r>
+              <a:rPr kumimoji="1" lang="en-US" altLang="ja-JP" dirty="0">
+                <a:latin typeface="ＭＳ Ｐゴシック" panose="020B0600070205080204" pitchFamily="50" charset="-128"/>
+                <a:ea typeface="ＭＳ Ｐゴシック" panose="020B0600070205080204" pitchFamily="50" charset="-128"/>
+              </a:rPr>
+              <a:t>(</a:t>
+            </a:r>
+            <a:r>
+              <a:rPr kumimoji="1" lang="ja-JP" altLang="en-US" dirty="0">
+                <a:latin typeface="ＭＳ Ｐゴシック" panose="020B0600070205080204" pitchFamily="50" charset="-128"/>
+                <a:ea typeface="ＭＳ Ｐゴシック" panose="020B0600070205080204" pitchFamily="50" charset="-128"/>
+              </a:rPr>
+              <a:t>ゲームボード、各数字タイルやタイトルなど</a:t>
+            </a:r>
+            <a:r>
+              <a:rPr kumimoji="1" lang="en-US" altLang="ja-JP" dirty="0">
+                <a:latin typeface="ＭＳ Ｐゴシック" panose="020B0600070205080204" pitchFamily="50" charset="-128"/>
+                <a:ea typeface="ＭＳ Ｐゴシック" panose="020B0600070205080204" pitchFamily="50" charset="-128"/>
+              </a:rPr>
+              <a:t>)</a:t>
+            </a:r>
+            <a:r>
+              <a:rPr kumimoji="1" lang="ja-JP" altLang="en-US" dirty="0">
+                <a:latin typeface="ＭＳ Ｐゴシック" panose="020B0600070205080204" pitchFamily="50" charset="-128"/>
+                <a:ea typeface="ＭＳ Ｐゴシック" panose="020B0600070205080204" pitchFamily="50" charset="-128"/>
+              </a:rPr>
+              <a:t>、タイル生成機能の準備</a:t>
+            </a:r>
+            <a:br>
+              <a:rPr kumimoji="1" lang="en-US" altLang="ja-JP" dirty="0">
+                <a:latin typeface="ＭＳ Ｐゴシック" panose="020B0600070205080204" pitchFamily="50" charset="-128"/>
+                <a:ea typeface="ＭＳ Ｐゴシック" panose="020B0600070205080204" pitchFamily="50" charset="-128"/>
+              </a:rPr>
+            </a:br>
+            <a:br>
+              <a:rPr kumimoji="1" lang="en-US" altLang="ja-JP" dirty="0">
+                <a:latin typeface="ＭＳ Ｐゴシック" panose="020B0600070205080204" pitchFamily="50" charset="-128"/>
+                <a:ea typeface="ＭＳ Ｐゴシック" panose="020B0600070205080204" pitchFamily="50" charset="-128"/>
+              </a:rPr>
+            </a:br>
             <a:endParaRPr kumimoji="1" lang="en-US" altLang="ja-JP" dirty="0">
               <a:latin typeface="ＭＳ Ｐゴシック" panose="020B0600070205080204" pitchFamily="50" charset="-128"/>
               <a:ea typeface="ＭＳ Ｐゴシック" panose="020B0600070205080204" pitchFamily="50" charset="-128"/>
             </a:endParaRPr>
           </a:p>
-        </p:txBody>
-      </p:sp>
-      <p:sp>
-        <p:nvSpPr>
-          <p:cNvPr id="8" name="正方形/長方形 7">
-            <a:extLst>
-              <a:ext uri="{FF2B5EF4-FFF2-40B4-BE49-F238E27FC236}">
-                <a16:creationId xmlns:a16="http://schemas.microsoft.com/office/drawing/2014/main" id="{8BB07360-382F-400B-E6F2-4EDC82D847E8}"/>
-              </a:ext>
-            </a:extLst>
-          </p:cNvPr>
-          <p:cNvSpPr/>
-          <p:nvPr/>
-        </p:nvSpPr>
-        <p:spPr>
-          <a:xfrm>
-            <a:off x="652530" y="5499445"/>
-            <a:ext cx="9372005" cy="836094"/>
-          </a:xfrm>
-          <a:prstGeom prst="rect">
-            <a:avLst/>
-          </a:prstGeom>
-          <a:solidFill>
-            <a:schemeClr val="bg1"/>
-          </a:solidFill>
-          <a:ln>
-            <a:noFill/>
-          </a:ln>
-        </p:spPr>
-        <p:style>
-          <a:lnRef idx="2">
-            <a:schemeClr val="accent1">
-              <a:shade val="15000"/>
-            </a:schemeClr>
-          </a:lnRef>
-          <a:fillRef idx="1">
-            <a:schemeClr val="accent1"/>
-          </a:fillRef>
-          <a:effectRef idx="0">
-            <a:schemeClr val="accent1"/>
-          </a:effectRef>
-          <a:fontRef idx="minor">
-            <a:schemeClr val="lt1"/>
-          </a:fontRef>
-        </p:style>
-        <p:txBody>
-          <a:bodyPr rtlCol="0" anchor="ctr"/>
-          <a:lstStyle/>
-          <a:p>
-            <a:pPr algn="ctr"/>
-            <a:endParaRPr kumimoji="1" lang="ja-JP" altLang="en-US" dirty="0"/>
+          <a:p>
+            <a:pPr marL="285750" indent="-285750">
+              <a:buFont typeface="Wingdings" panose="05000000000000000000" pitchFamily="2" charset="2"/>
+              <a:buChar char="ü"/>
+            </a:pPr>
+            <a:r>
+              <a:rPr kumimoji="1" lang="ja-JP" altLang="en-US" dirty="0">
+                <a:latin typeface="ＭＳ Ｐゴシック" panose="020B0600070205080204" pitchFamily="50" charset="-128"/>
+                <a:ea typeface="ＭＳ Ｐゴシック" panose="020B0600070205080204" pitchFamily="50" charset="-128"/>
+              </a:rPr>
+              <a:t>実際のゲーム画面で必要なものとは？</a:t>
+            </a:r>
+            <a:br>
+              <a:rPr kumimoji="1" lang="en-US" altLang="ja-JP" dirty="0">
+                <a:latin typeface="ＭＳ Ｐゴシック" panose="020B0600070205080204" pitchFamily="50" charset="-128"/>
+                <a:ea typeface="ＭＳ Ｐゴシック" panose="020B0600070205080204" pitchFamily="50" charset="-128"/>
+              </a:rPr>
+            </a:br>
+            <a:br>
+              <a:rPr kumimoji="1" lang="en-US" altLang="ja-JP" dirty="0">
+                <a:latin typeface="ＭＳ Ｐゴシック" panose="020B0600070205080204" pitchFamily="50" charset="-128"/>
+                <a:ea typeface="ＭＳ Ｐゴシック" panose="020B0600070205080204" pitchFamily="50" charset="-128"/>
+              </a:rPr>
+            </a:br>
+            <a:endParaRPr kumimoji="1" lang="en-US" altLang="ja-JP" dirty="0">
+              <a:latin typeface="ＭＳ Ｐゴシック" panose="020B0600070205080204" pitchFamily="50" charset="-128"/>
+              <a:ea typeface="ＭＳ Ｐゴシック" panose="020B0600070205080204" pitchFamily="50" charset="-128"/>
+            </a:endParaRPr>
+          </a:p>
+          <a:p>
+            <a:pPr marL="285750" indent="-285750">
+              <a:buFont typeface="Wingdings" panose="05000000000000000000" pitchFamily="2" charset="2"/>
+              <a:buChar char="ü"/>
+            </a:pPr>
+            <a:r>
+              <a:rPr kumimoji="1" lang="ja-JP" altLang="en-US" dirty="0">
+                <a:latin typeface="ＭＳ Ｐゴシック" panose="020B0600070205080204" pitchFamily="50" charset="-128"/>
+                <a:ea typeface="ＭＳ Ｐゴシック" panose="020B0600070205080204" pitchFamily="50" charset="-128"/>
+              </a:rPr>
+              <a:t>ゲーム画面を作るうえで気を付けるべき点は？</a:t>
+            </a:r>
+            <a:endParaRPr kumimoji="1" lang="en-US" altLang="ja-JP" dirty="0">
+              <a:latin typeface="ＭＳ Ｐゴシック" panose="020B0600070205080204" pitchFamily="50" charset="-128"/>
+              <a:ea typeface="ＭＳ Ｐゴシック" panose="020B0600070205080204" pitchFamily="50" charset="-128"/>
+            </a:endParaRPr>
           </a:p>
         </p:txBody>
       </p:sp>
@@ -19094,134 +19082,10 @@
           </a:p>
         </p:txBody>
       </p:sp>
-      <p:sp>
-        <p:nvSpPr>
-          <p:cNvPr id="6" name="正方形/長方形 5">
-            <a:extLst>
-              <a:ext uri="{FF2B5EF4-FFF2-40B4-BE49-F238E27FC236}">
-                <a16:creationId xmlns:a16="http://schemas.microsoft.com/office/drawing/2014/main" id="{333283B3-AEC3-EC1D-EBF1-BC89274B442D}"/>
-              </a:ext>
-            </a:extLst>
-          </p:cNvPr>
-          <p:cNvSpPr/>
-          <p:nvPr/>
-        </p:nvSpPr>
-        <p:spPr>
-          <a:xfrm>
-            <a:off x="758066" y="2149226"/>
-            <a:ext cx="9020934" cy="3318264"/>
-          </a:xfrm>
-          <a:prstGeom prst="rect">
-            <a:avLst/>
-          </a:prstGeom>
-          <a:noFill/>
-          <a:ln w="28575">
-            <a:solidFill>
-              <a:schemeClr val="accent1">
-                <a:lumMod val="60000"/>
-                <a:lumOff val="40000"/>
-              </a:schemeClr>
-            </a:solidFill>
-          </a:ln>
-        </p:spPr>
-        <p:style>
-          <a:lnRef idx="2">
-            <a:schemeClr val="accent1">
-              <a:shade val="15000"/>
-            </a:schemeClr>
-          </a:lnRef>
-          <a:fillRef idx="1">
-            <a:schemeClr val="accent1"/>
-          </a:fillRef>
-          <a:effectRef idx="0">
-            <a:schemeClr val="accent1"/>
-          </a:effectRef>
-          <a:fontRef idx="minor">
-            <a:schemeClr val="lt1"/>
-          </a:fontRef>
-        </p:style>
-        <p:txBody>
-          <a:bodyPr rtlCol="0" anchor="ctr"/>
-          <a:lstStyle/>
-          <a:p>
-            <a:pPr algn="ctr"/>
-            <a:endParaRPr kumimoji="1" lang="ja-JP" altLang="en-US"/>
-          </a:p>
-        </p:txBody>
-      </p:sp>
-      <p:sp>
-        <p:nvSpPr>
-          <p:cNvPr id="7" name="テキスト ボックス 6">
-            <a:extLst>
-              <a:ext uri="{FF2B5EF4-FFF2-40B4-BE49-F238E27FC236}">
-                <a16:creationId xmlns:a16="http://schemas.microsoft.com/office/drawing/2014/main" id="{25525B89-8920-D625-E11C-52DC7508FE76}"/>
-              </a:ext>
-            </a:extLst>
-          </p:cNvPr>
-          <p:cNvSpPr txBox="1"/>
-          <p:nvPr/>
-        </p:nvSpPr>
-        <p:spPr>
-          <a:xfrm>
-            <a:off x="3927549" y="1964560"/>
-            <a:ext cx="2681967" cy="369332"/>
-          </a:xfrm>
-          <a:prstGeom prst="rect">
-            <a:avLst/>
-          </a:prstGeom>
-          <a:solidFill>
-            <a:schemeClr val="bg1"/>
-          </a:solidFill>
-        </p:spPr>
-        <p:txBody>
-          <a:bodyPr wrap="square" rtlCol="0">
-            <a:spAutoFit/>
-          </a:bodyPr>
-          <a:lstStyle/>
-          <a:p>
-            <a:pPr algn="ctr"/>
-            <a:r>
-              <a:rPr kumimoji="1" lang="en-US" altLang="ja-JP" dirty="0">
-                <a:latin typeface="ＭＳ Ｐゴシック" panose="020B0600070205080204" pitchFamily="50" charset="-128"/>
-                <a:ea typeface="ＭＳ Ｐゴシック" panose="020B0600070205080204" pitchFamily="50" charset="-128"/>
-              </a:rPr>
-              <a:t>ChatGPT</a:t>
-            </a:r>
-            <a:r>
-              <a:rPr kumimoji="1" lang="ja-JP" altLang="en-US" dirty="0">
-                <a:latin typeface="ＭＳ Ｐゴシック" panose="020B0600070205080204" pitchFamily="50" charset="-128"/>
-                <a:ea typeface="ＭＳ Ｐゴシック" panose="020B0600070205080204" pitchFamily="50" charset="-128"/>
-              </a:rPr>
-              <a:t>の応答⑤ </a:t>
-            </a:r>
-            <a:r>
-              <a:rPr kumimoji="1" lang="en-US" altLang="ja-JP" dirty="0">
-                <a:latin typeface="ＭＳ Ｐゴシック" panose="020B0600070205080204" pitchFamily="50" charset="-128"/>
-                <a:ea typeface="ＭＳ Ｐゴシック" panose="020B0600070205080204" pitchFamily="50" charset="-128"/>
-              </a:rPr>
-              <a:t>(</a:t>
-            </a:r>
-            <a:r>
-              <a:rPr kumimoji="1" lang="ja-JP" altLang="en-US" dirty="0">
-                <a:latin typeface="ＭＳ Ｐゴシック" panose="020B0600070205080204" pitchFamily="50" charset="-128"/>
-                <a:ea typeface="ＭＳ Ｐゴシック" panose="020B0600070205080204" pitchFamily="50" charset="-128"/>
-              </a:rPr>
-              <a:t>再掲</a:t>
-            </a:r>
-            <a:r>
-              <a:rPr kumimoji="1" lang="en-US" altLang="ja-JP" dirty="0">
-                <a:latin typeface="ＭＳ Ｐゴシック" panose="020B0600070205080204" pitchFamily="50" charset="-128"/>
-                <a:ea typeface="ＭＳ Ｐゴシック" panose="020B0600070205080204" pitchFamily="50" charset="-128"/>
-              </a:rPr>
-              <a:t>)</a:t>
-            </a:r>
-          </a:p>
-        </p:txBody>
-      </p:sp>
     </p:spTree>
     <p:extLst>
       <p:ext uri="{BB962C8B-B14F-4D97-AF65-F5344CB8AC3E}">
-        <p14:creationId xmlns:p14="http://schemas.microsoft.com/office/powerpoint/2010/main" val="3031976885"/>
+        <p14:creationId xmlns:p14="http://schemas.microsoft.com/office/powerpoint/2010/main" val="41144187"/>
       </p:ext>
     </p:extLst>
   </p:cSld>
@@ -19328,7 +19192,7 @@
         <p:spPr>
           <a:xfrm>
             <a:off x="372535" y="1537646"/>
-            <a:ext cx="6002866" cy="369332"/>
+            <a:ext cx="6883398" cy="923330"/>
           </a:xfrm>
           <a:prstGeom prst="rect">
             <a:avLst/>
@@ -19350,15 +19214,239 @@
                 <a:latin typeface="ＭＳ Ｐゴシック" panose="020B0600070205080204" pitchFamily="50" charset="-128"/>
                 <a:ea typeface="ＭＳ Ｐゴシック" panose="020B0600070205080204" pitchFamily="50" charset="-128"/>
               </a:rPr>
-              <a:t>初期画面、各数字タイル、タイル生成機能の準備</a:t>
-            </a:r>
+              <a:t>ゲーム画面</a:t>
+            </a:r>
+            <a:r>
+              <a:rPr kumimoji="1" lang="en-US" altLang="ja-JP" dirty="0">
+                <a:latin typeface="ＭＳ Ｐゴシック" panose="020B0600070205080204" pitchFamily="50" charset="-128"/>
+                <a:ea typeface="ＭＳ Ｐゴシック" panose="020B0600070205080204" pitchFamily="50" charset="-128"/>
+              </a:rPr>
+              <a:t>(</a:t>
+            </a:r>
+            <a:r>
+              <a:rPr kumimoji="1" lang="ja-JP" altLang="en-US" dirty="0">
+                <a:latin typeface="ＭＳ Ｐゴシック" panose="020B0600070205080204" pitchFamily="50" charset="-128"/>
+                <a:ea typeface="ＭＳ Ｐゴシック" panose="020B0600070205080204" pitchFamily="50" charset="-128"/>
+              </a:rPr>
+              <a:t>各数字タイルやタイトルなど</a:t>
+            </a:r>
+            <a:r>
+              <a:rPr kumimoji="1" lang="en-US" altLang="ja-JP" dirty="0">
+                <a:latin typeface="ＭＳ Ｐゴシック" panose="020B0600070205080204" pitchFamily="50" charset="-128"/>
+                <a:ea typeface="ＭＳ Ｐゴシック" panose="020B0600070205080204" pitchFamily="50" charset="-128"/>
+              </a:rPr>
+              <a:t>)</a:t>
+            </a:r>
+            <a:br>
+              <a:rPr kumimoji="1" lang="en-US" altLang="ja-JP" dirty="0">
+                <a:latin typeface="ＭＳ Ｐゴシック" panose="020B0600070205080204" pitchFamily="50" charset="-128"/>
+                <a:ea typeface="ＭＳ Ｐゴシック" panose="020B0600070205080204" pitchFamily="50" charset="-128"/>
+              </a:rPr>
+            </a:br>
             <a:endParaRPr kumimoji="1" lang="en-US" altLang="ja-JP" dirty="0">
               <a:latin typeface="ＭＳ Ｐゴシック" panose="020B0600070205080204" pitchFamily="50" charset="-128"/>
               <a:ea typeface="ＭＳ Ｐゴシック" panose="020B0600070205080204" pitchFamily="50" charset="-128"/>
             </a:endParaRPr>
           </a:p>
-        </p:txBody>
-      </p:sp>
+          <a:p>
+            <a:pPr marL="285750" indent="-285750">
+              <a:buFont typeface="Wingdings" panose="05000000000000000000" pitchFamily="2" charset="2"/>
+              <a:buChar char="ü"/>
+            </a:pPr>
+            <a:r>
+              <a:rPr kumimoji="1" lang="en-US" altLang="ja-JP" dirty="0">
+                <a:latin typeface="ＭＳ Ｐゴシック" panose="020B0600070205080204" pitchFamily="50" charset="-128"/>
+                <a:ea typeface="ＭＳ Ｐゴシック" panose="020B0600070205080204" pitchFamily="50" charset="-128"/>
+              </a:rPr>
+              <a:t>ChatGPT</a:t>
+            </a:r>
+            <a:r>
+              <a:rPr kumimoji="1" lang="ja-JP" altLang="en-US" dirty="0">
+                <a:latin typeface="ＭＳ Ｐゴシック" panose="020B0600070205080204" pitchFamily="50" charset="-128"/>
+                <a:ea typeface="ＭＳ Ｐゴシック" panose="020B0600070205080204" pitchFamily="50" charset="-128"/>
+              </a:rPr>
+              <a:t> </a:t>
+            </a:r>
+            <a:r>
+              <a:rPr kumimoji="1" lang="en-US" altLang="ja-JP" dirty="0">
+                <a:latin typeface="ＭＳ Ｐゴシック" panose="020B0600070205080204" pitchFamily="50" charset="-128"/>
+                <a:ea typeface="ＭＳ Ｐゴシック" panose="020B0600070205080204" pitchFamily="50" charset="-128"/>
+              </a:rPr>
+              <a:t>Plus</a:t>
+            </a:r>
+            <a:r>
+              <a:rPr kumimoji="1" lang="ja-JP" altLang="en-US" dirty="0">
+                <a:latin typeface="ＭＳ Ｐゴシック" panose="020B0600070205080204" pitchFamily="50" charset="-128"/>
+                <a:ea typeface="ＭＳ Ｐゴシック" panose="020B0600070205080204" pitchFamily="50" charset="-128"/>
+              </a:rPr>
+              <a:t>での画像入力を試してみる</a:t>
+            </a:r>
+            <a:endParaRPr kumimoji="1" lang="en-US" altLang="ja-JP" dirty="0">
+              <a:latin typeface="ＭＳ Ｐゴシック" panose="020B0600070205080204" pitchFamily="50" charset="-128"/>
+              <a:ea typeface="ＭＳ Ｐゴシック" panose="020B0600070205080204" pitchFamily="50" charset="-128"/>
+            </a:endParaRPr>
+          </a:p>
+        </p:txBody>
+      </p:sp>
+      <p:sp>
+        <p:nvSpPr>
+          <p:cNvPr id="2" name="テキスト ボックス 1">
+            <a:extLst>
+              <a:ext uri="{FF2B5EF4-FFF2-40B4-BE49-F238E27FC236}">
+                <a16:creationId xmlns:a16="http://schemas.microsoft.com/office/drawing/2014/main" id="{F37BEC83-6A02-C481-62D4-AEF7F12B6A98}"/>
+              </a:ext>
+            </a:extLst>
+          </p:cNvPr>
+          <p:cNvSpPr txBox="1"/>
+          <p:nvPr/>
+        </p:nvSpPr>
+        <p:spPr>
+          <a:xfrm>
+            <a:off x="9779002" y="2373574"/>
+            <a:ext cx="2412998" cy="369332"/>
+          </a:xfrm>
+          <a:prstGeom prst="rect">
+            <a:avLst/>
+          </a:prstGeom>
+          <a:noFill/>
+        </p:spPr>
+        <p:txBody>
+          <a:bodyPr wrap="square" rtlCol="0">
+            <a:spAutoFit/>
+          </a:bodyPr>
+          <a:lstStyle/>
+          <a:p>
+            <a:pPr algn="ctr"/>
+            <a:r>
+              <a:rPr kumimoji="1" lang="ja-JP" altLang="en-US" dirty="0">
+                <a:latin typeface="ＭＳ Ｐゴシック" panose="020B0600070205080204" pitchFamily="50" charset="-128"/>
+                <a:ea typeface="ＭＳ Ｐゴシック" panose="020B0600070205080204" pitchFamily="50" charset="-128"/>
+              </a:rPr>
+              <a:t>・</a:t>
+            </a:r>
+            <a:r>
+              <a:rPr kumimoji="1" lang="en-US" altLang="ja-JP" dirty="0">
+                <a:latin typeface="ＭＳ Ｐゴシック" panose="020B0600070205080204" pitchFamily="50" charset="-128"/>
+                <a:ea typeface="ＭＳ Ｐゴシック" panose="020B0600070205080204" pitchFamily="50" charset="-128"/>
+              </a:rPr>
+              <a:t>GPT</a:t>
+            </a:r>
+            <a:r>
+              <a:rPr kumimoji="1" lang="ja-JP" altLang="en-US" dirty="0">
+                <a:latin typeface="ＭＳ Ｐゴシック" panose="020B0600070205080204" pitchFamily="50" charset="-128"/>
+                <a:ea typeface="ＭＳ Ｐゴシック" panose="020B0600070205080204" pitchFamily="50" charset="-128"/>
+              </a:rPr>
+              <a:t>に入力した画像</a:t>
+            </a:r>
+            <a:endParaRPr kumimoji="1" lang="en-US" altLang="ja-JP" dirty="0">
+              <a:latin typeface="ＭＳ Ｐゴシック" panose="020B0600070205080204" pitchFamily="50" charset="-128"/>
+              <a:ea typeface="ＭＳ Ｐゴシック" panose="020B0600070205080204" pitchFamily="50" charset="-128"/>
+            </a:endParaRPr>
+          </a:p>
+        </p:txBody>
+      </p:sp>
+      <p:pic>
+        <p:nvPicPr>
+          <p:cNvPr id="7" name="図 6" descr="カレンダー&#10;&#10;自動的に生成された説明">
+            <a:extLst>
+              <a:ext uri="{FF2B5EF4-FFF2-40B4-BE49-F238E27FC236}">
+                <a16:creationId xmlns:a16="http://schemas.microsoft.com/office/drawing/2014/main" id="{A5E62C4A-22D0-4CA5-BAC4-E4D6E24B8D24}"/>
+              </a:ext>
+            </a:extLst>
+          </p:cNvPr>
+          <p:cNvPicPr>
+            <a:picLocks noChangeAspect="1"/>
+          </p:cNvPicPr>
+          <p:nvPr/>
+        </p:nvPicPr>
+        <p:blipFill>
+          <a:blip r:embed="rId2">
+            <a:extLst>
+              <a:ext uri="{28A0092B-C50C-407E-A947-70E740481C1C}">
+                <a14:useLocalDpi xmlns:a14="http://schemas.microsoft.com/office/drawing/2010/main" val="0"/>
+              </a:ext>
+            </a:extLst>
+          </a:blip>
+          <a:stretch>
+            <a:fillRect/>
+          </a:stretch>
+        </p:blipFill>
+        <p:spPr>
+          <a:xfrm>
+            <a:off x="9943026" y="2760133"/>
+            <a:ext cx="2136429" cy="2030033"/>
+          </a:xfrm>
+          <a:prstGeom prst="rect">
+            <a:avLst/>
+          </a:prstGeom>
+        </p:spPr>
+      </p:pic>
+      <mc:AlternateContent xmlns:mc="http://schemas.openxmlformats.org/markup-compatibility/2006">
+        <mc:Choice xmlns:we="http://schemas.microsoft.com/office/webextensions/webextension/2010/11" xmlns:pca="http://schemas.microsoft.com/office/powerpoint/2013/contentapp" Requires="we pca">
+          <p:graphicFrame>
+            <p:nvGraphicFramePr>
+              <p:cNvPr id="8" name="アドイン 7">
+                <a:extLst>
+                  <a:ext uri="{FF2B5EF4-FFF2-40B4-BE49-F238E27FC236}">
+                    <a16:creationId xmlns:a16="http://schemas.microsoft.com/office/drawing/2014/main" id="{D8DFEFE9-7867-D919-A1FA-A2AE808B805A}"/>
+                  </a:ext>
+                </a:extLst>
+              </p:cNvPr>
+              <p:cNvGraphicFramePr>
+                <a:graphicFrameLocks noGrp="1"/>
+              </p:cNvGraphicFramePr>
+              <p:nvPr>
+                <p:extLst>
+                  <p:ext uri="{D42A27DB-BD31-4B8C-83A1-F6EECF244321}">
+                    <p14:modId xmlns:p14="http://schemas.microsoft.com/office/powerpoint/2010/main" val="4116363078"/>
+                  </p:ext>
+                </p:extLst>
+              </p:nvPr>
+            </p:nvGraphicFramePr>
+            <p:xfrm>
+              <a:off x="372535" y="2495430"/>
+              <a:ext cx="9465732" cy="3803189"/>
+            </p:xfrm>
+            <a:graphic>
+              <a:graphicData uri="http://schemas.microsoft.com/office/webextensions/webextension/2010/11">
+                <we:webextensionref xmlns:we="http://schemas.microsoft.com/office/webextensions/webextension/2010/11" xmlns:r="http://schemas.openxmlformats.org/officeDocument/2006/relationships" r:id="rId3"/>
+              </a:graphicData>
+            </a:graphic>
+          </p:graphicFrame>
+        </mc:Choice>
+        <mc:Fallback>
+          <p:pic>
+            <p:nvPicPr>
+              <p:cNvPr id="8" name="アドイン 7">
+                <a:extLst>
+                  <a:ext uri="{FF2B5EF4-FFF2-40B4-BE49-F238E27FC236}">
+                    <a16:creationId xmlns:a16="http://schemas.microsoft.com/office/drawing/2014/main" id="{D8DFEFE9-7867-D919-A1FA-A2AE808B805A}"/>
+                  </a:ext>
+                </a:extLst>
+              </p:cNvPr>
+              <p:cNvPicPr>
+                <a:picLocks noGrp="1" noRot="1" noChangeAspect="1" noMove="1" noResize="1" noEditPoints="1" noAdjustHandles="1" noChangeArrowheads="1" noChangeShapeType="1"/>
+              </p:cNvPicPr>
+              <p:nvPr/>
+            </p:nvPicPr>
+            <p:blipFill>
+              <a:blip r:embed="rId4"/>
+              <a:stretch>
+                <a:fillRect/>
+              </a:stretch>
+            </p:blipFill>
+            <p:spPr>
+              <a:xfrm>
+                <a:off x="372535" y="2495430"/>
+                <a:ext cx="9465732" cy="3803189"/>
+              </a:xfrm>
+              <a:prstGeom prst="rect">
+                <a:avLst/>
+              </a:prstGeom>
+            </p:spPr>
+          </p:pic>
+        </mc:Fallback>
+      </mc:AlternateContent>
       <p:sp>
         <p:nvSpPr>
           <p:cNvPr id="18" name="正方形/長方形 17">
@@ -19405,12 +19493,42 @@
           </a:p>
         </p:txBody>
       </p:sp>
-      <p:sp>
-        <p:nvSpPr>
-          <p:cNvPr id="3" name="正方形/長方形 2">
-            <a:extLst>
-              <a:ext uri="{FF2B5EF4-FFF2-40B4-BE49-F238E27FC236}">
-                <a16:creationId xmlns:a16="http://schemas.microsoft.com/office/drawing/2014/main" id="{FF4F1D90-FD6C-9D5F-42E8-E653D4E12839}"/>
+    </p:spTree>
+    <p:extLst>
+      <p:ext uri="{BB962C8B-B14F-4D97-AF65-F5344CB8AC3E}">
+        <p14:creationId xmlns:p14="http://schemas.microsoft.com/office/powerpoint/2010/main" val="1751321392"/>
+      </p:ext>
+    </p:extLst>
+  </p:cSld>
+  <p:clrMapOvr>
+    <a:masterClrMapping/>
+  </p:clrMapOvr>
+</p:sld>
+</file>
+
+<file path=ppt/slides/slide16.xml><?xml version="1.0" encoding="utf-8"?>
+<p:sld xmlns:a="http://schemas.openxmlformats.org/drawingml/2006/main" xmlns:r="http://schemas.openxmlformats.org/officeDocument/2006/relationships" xmlns:p="http://schemas.openxmlformats.org/presentationml/2006/main">
+  <p:cSld>
+    <p:spTree>
+      <p:nvGrpSpPr>
+        <p:cNvPr id="1" name=""/>
+        <p:cNvGrpSpPr/>
+        <p:nvPr/>
+      </p:nvGrpSpPr>
+      <p:grpSpPr>
+        <a:xfrm>
+          <a:off x="0" y="0"/>
+          <a:ext cx="0" cy="0"/>
+          <a:chOff x="0" y="0"/>
+          <a:chExt cx="0" cy="0"/>
+        </a:xfrm>
+      </p:grpSpPr>
+      <p:sp>
+        <p:nvSpPr>
+          <p:cNvPr id="12" name="正方形/長方形 11">
+            <a:extLst>
+              <a:ext uri="{FF2B5EF4-FFF2-40B4-BE49-F238E27FC236}">
+                <a16:creationId xmlns:a16="http://schemas.microsoft.com/office/drawing/2014/main" id="{8D927366-A2BA-562F-C5A8-9F56A5989CF9}"/>
               </a:ext>
             </a:extLst>
           </p:cNvPr>
@@ -19419,17 +19537,12 @@
         </p:nvSpPr>
         <p:spPr>
           <a:xfrm>
-            <a:off x="745621" y="2041338"/>
-            <a:ext cx="3911046" cy="3674463"/>
+            <a:off x="0" y="0"/>
+            <a:ext cx="12192000" cy="1261534"/>
           </a:xfrm>
           <a:prstGeom prst="rect">
             <a:avLst/>
           </a:prstGeom>
-          <a:solidFill>
-            <a:schemeClr val="bg1">
-              <a:lumMod val="95000"/>
-            </a:schemeClr>
-          </a:solidFill>
         </p:spPr>
         <p:style>
           <a:lnRef idx="2">
@@ -19451,36 +19564,143 @@
           <a:bodyPr rtlCol="0" anchor="ctr"/>
           <a:lstStyle/>
           <a:p>
-            <a:pPr algn="ctr"/>
-            <a:endParaRPr kumimoji="1" lang="ja-JP" altLang="en-US" dirty="0"/>
-          </a:p>
-        </p:txBody>
-      </p:sp>
-      <p:sp>
-        <p:nvSpPr>
-          <p:cNvPr id="5" name="正方形/長方形 4">
-            <a:extLst>
-              <a:ext uri="{FF2B5EF4-FFF2-40B4-BE49-F238E27FC236}">
-                <a16:creationId xmlns:a16="http://schemas.microsoft.com/office/drawing/2014/main" id="{A90722BF-A6CA-B8AC-BFB4-374F00FFACCE}"/>
-              </a:ext>
-            </a:extLst>
-          </p:cNvPr>
-          <p:cNvSpPr/>
+            <a:pPr indent="355600"/>
+            <a:r>
+              <a:rPr kumimoji="1" lang="en-US" altLang="ja-JP" sz="5400" dirty="0">
+                <a:solidFill>
+                  <a:schemeClr val="tx1"/>
+                </a:solidFill>
+                <a:latin typeface="ＭＳ Ｐゴシック" panose="020B0600070205080204" pitchFamily="50" charset="-128"/>
+                <a:ea typeface="ＭＳ Ｐゴシック" panose="020B0600070205080204" pitchFamily="50" charset="-128"/>
+              </a:rPr>
+              <a:t>- </a:t>
+            </a:r>
+            <a:r>
+              <a:rPr kumimoji="1" lang="ja-JP" altLang="en-US" sz="5400" dirty="0">
+                <a:solidFill>
+                  <a:schemeClr val="tx1"/>
+                </a:solidFill>
+                <a:latin typeface="ＭＳ Ｐゴシック" panose="020B0600070205080204" pitchFamily="50" charset="-128"/>
+                <a:ea typeface="ＭＳ Ｐゴシック" panose="020B0600070205080204" pitchFamily="50" charset="-128"/>
+              </a:rPr>
+              <a:t>基本構造の実装</a:t>
+            </a:r>
+          </a:p>
+        </p:txBody>
+      </p:sp>
+      <p:sp>
+        <p:nvSpPr>
+          <p:cNvPr id="2" name="テキスト ボックス 1">
+            <a:extLst>
+              <a:ext uri="{FF2B5EF4-FFF2-40B4-BE49-F238E27FC236}">
+                <a16:creationId xmlns:a16="http://schemas.microsoft.com/office/drawing/2014/main" id="{F37BEC83-6A02-C481-62D4-AEF7F12B6A98}"/>
+              </a:ext>
+            </a:extLst>
+          </p:cNvPr>
+          <p:cNvSpPr txBox="1"/>
           <p:nvPr/>
         </p:nvSpPr>
         <p:spPr>
           <a:xfrm>
-            <a:off x="1390549" y="2999285"/>
-            <a:ext cx="2664000" cy="2664000"/>
+            <a:off x="3347492" y="3291972"/>
+            <a:ext cx="2412998" cy="369332"/>
           </a:xfrm>
           <a:prstGeom prst="rect">
             <a:avLst/>
           </a:prstGeom>
-          <a:solidFill>
-            <a:schemeClr val="bg1">
-              <a:lumMod val="85000"/>
-            </a:schemeClr>
-          </a:solidFill>
+          <a:noFill/>
+        </p:spPr>
+        <p:txBody>
+          <a:bodyPr wrap="square" rtlCol="0">
+            <a:spAutoFit/>
+          </a:bodyPr>
+          <a:lstStyle/>
+          <a:p>
+            <a:pPr algn="ctr"/>
+            <a:r>
+              <a:rPr kumimoji="1" lang="ja-JP" altLang="en-US" dirty="0">
+                <a:latin typeface="ＭＳ Ｐゴシック" panose="020B0600070205080204" pitchFamily="50" charset="-128"/>
+                <a:ea typeface="ＭＳ Ｐゴシック" panose="020B0600070205080204" pitchFamily="50" charset="-128"/>
+              </a:rPr>
+              <a:t>・</a:t>
+            </a:r>
+            <a:r>
+              <a:rPr kumimoji="1" lang="en-US" altLang="ja-JP" dirty="0">
+                <a:latin typeface="ＭＳ Ｐゴシック" panose="020B0600070205080204" pitchFamily="50" charset="-128"/>
+                <a:ea typeface="ＭＳ Ｐゴシック" panose="020B0600070205080204" pitchFamily="50" charset="-128"/>
+              </a:rPr>
+              <a:t>GPT</a:t>
+            </a:r>
+            <a:r>
+              <a:rPr kumimoji="1" lang="ja-JP" altLang="en-US" dirty="0">
+                <a:latin typeface="ＭＳ Ｐゴシック" panose="020B0600070205080204" pitchFamily="50" charset="-128"/>
+                <a:ea typeface="ＭＳ Ｐゴシック" panose="020B0600070205080204" pitchFamily="50" charset="-128"/>
+              </a:rPr>
+              <a:t>に入力した画像</a:t>
+            </a:r>
+            <a:endParaRPr kumimoji="1" lang="en-US" altLang="ja-JP" dirty="0">
+              <a:latin typeface="ＭＳ Ｐゴシック" panose="020B0600070205080204" pitchFamily="50" charset="-128"/>
+              <a:ea typeface="ＭＳ Ｐゴシック" panose="020B0600070205080204" pitchFamily="50" charset="-128"/>
+            </a:endParaRPr>
+          </a:p>
+        </p:txBody>
+      </p:sp>
+      <p:pic>
+        <p:nvPicPr>
+          <p:cNvPr id="7" name="図 6" descr="カレンダー&#10;&#10;自動的に生成された説明">
+            <a:extLst>
+              <a:ext uri="{FF2B5EF4-FFF2-40B4-BE49-F238E27FC236}">
+                <a16:creationId xmlns:a16="http://schemas.microsoft.com/office/drawing/2014/main" id="{A5E62C4A-22D0-4CA5-BAC4-E4D6E24B8D24}"/>
+              </a:ext>
+            </a:extLst>
+          </p:cNvPr>
+          <p:cNvPicPr>
+            <a:picLocks noChangeAspect="1"/>
+          </p:cNvPicPr>
+          <p:nvPr/>
+        </p:nvPicPr>
+        <p:blipFill>
+          <a:blip r:embed="rId2">
+            <a:extLst>
+              <a:ext uri="{28A0092B-C50C-407E-A947-70E740481C1C}">
+                <a14:useLocalDpi xmlns:a14="http://schemas.microsoft.com/office/drawing/2010/main" val="0"/>
+              </a:ext>
+            </a:extLst>
+          </a:blip>
+          <a:stretch>
+            <a:fillRect/>
+          </a:stretch>
+        </p:blipFill>
+        <p:spPr>
+          <a:xfrm>
+            <a:off x="3391069" y="3641738"/>
+            <a:ext cx="2468437" cy="2345507"/>
+          </a:xfrm>
+          <a:prstGeom prst="rect">
+            <a:avLst/>
+          </a:prstGeom>
+        </p:spPr>
+      </p:pic>
+      <p:sp>
+        <p:nvSpPr>
+          <p:cNvPr id="18" name="正方形/長方形 17">
+            <a:extLst>
+              <a:ext uri="{FF2B5EF4-FFF2-40B4-BE49-F238E27FC236}">
+                <a16:creationId xmlns:a16="http://schemas.microsoft.com/office/drawing/2014/main" id="{61A47339-2C22-8635-668D-B42E11A604D9}"/>
+              </a:ext>
+            </a:extLst>
+          </p:cNvPr>
+          <p:cNvSpPr/>
+          <p:nvPr/>
+        </p:nvSpPr>
+        <p:spPr>
+          <a:xfrm>
+            <a:off x="0" y="6112933"/>
+            <a:ext cx="12192000" cy="745067"/>
+          </a:xfrm>
+          <a:prstGeom prst="rect">
+            <a:avLst/>
+          </a:prstGeom>
         </p:spPr>
         <p:style>
           <a:lnRef idx="2">
@@ -19507,29 +19727,275 @@
           </a:p>
         </p:txBody>
       </p:sp>
-      <p:sp>
-        <p:nvSpPr>
-          <p:cNvPr id="9" name="正方形/長方形 8">
-            <a:extLst>
-              <a:ext uri="{FF2B5EF4-FFF2-40B4-BE49-F238E27FC236}">
-                <a16:creationId xmlns:a16="http://schemas.microsoft.com/office/drawing/2014/main" id="{4D2D2C53-37B7-4339-DD5A-6AF1F7735A14}"/>
-              </a:ext>
-            </a:extLst>
-          </p:cNvPr>
-          <p:cNvSpPr/>
+      <p:pic>
+        <p:nvPicPr>
+          <p:cNvPr id="5" name="図 4" descr="グラフィカル ユーザー インターフェイス, アプリケーション&#10;&#10;自動的に生成された説明">
+            <a:extLst>
+              <a:ext uri="{FF2B5EF4-FFF2-40B4-BE49-F238E27FC236}">
+                <a16:creationId xmlns:a16="http://schemas.microsoft.com/office/drawing/2014/main" id="{893B41EA-A60E-E403-B9B7-69622DA6906B}"/>
+              </a:ext>
+            </a:extLst>
+          </p:cNvPr>
+          <p:cNvPicPr>
+            <a:picLocks noChangeAspect="1"/>
+          </p:cNvPicPr>
           <p:nvPr/>
-        </p:nvSpPr>
+        </p:nvPicPr>
+        <p:blipFill>
+          <a:blip r:embed="rId3">
+            <a:extLst>
+              <a:ext uri="{28A0092B-C50C-407E-A947-70E740481C1C}">
+                <a14:useLocalDpi xmlns:a14="http://schemas.microsoft.com/office/drawing/2010/main" val="0"/>
+              </a:ext>
+            </a:extLst>
+          </a:blip>
+          <a:stretch>
+            <a:fillRect/>
+          </a:stretch>
+        </p:blipFill>
         <p:spPr>
           <a:xfrm>
-            <a:off x="1461578" y="3073231"/>
-            <a:ext cx="576000" cy="576000"/>
+            <a:off x="6023646" y="3775308"/>
+            <a:ext cx="3026691" cy="1880584"/>
           </a:xfrm>
           <a:prstGeom prst="rect">
             <a:avLst/>
           </a:prstGeom>
-          <a:solidFill>
-            <a:schemeClr val="bg1"/>
-          </a:solidFill>
+        </p:spPr>
+      </p:pic>
+      <p:sp>
+        <p:nvSpPr>
+          <p:cNvPr id="6" name="テキスト ボックス 5">
+            <a:extLst>
+              <a:ext uri="{FF2B5EF4-FFF2-40B4-BE49-F238E27FC236}">
+                <a16:creationId xmlns:a16="http://schemas.microsoft.com/office/drawing/2014/main" id="{1271E09A-FC05-96A6-B9C1-22FA0B54D067}"/>
+              </a:ext>
+            </a:extLst>
+          </p:cNvPr>
+          <p:cNvSpPr txBox="1"/>
+          <p:nvPr/>
+        </p:nvSpPr>
+        <p:spPr>
+          <a:xfrm>
+            <a:off x="6234458" y="3291972"/>
+            <a:ext cx="2412998" cy="369332"/>
+          </a:xfrm>
+          <a:prstGeom prst="rect">
+            <a:avLst/>
+          </a:prstGeom>
+          <a:noFill/>
+        </p:spPr>
+        <p:txBody>
+          <a:bodyPr wrap="square" rtlCol="0">
+            <a:spAutoFit/>
+          </a:bodyPr>
+          <a:lstStyle/>
+          <a:p>
+            <a:pPr algn="ctr"/>
+            <a:r>
+              <a:rPr kumimoji="1" lang="ja-JP" altLang="en-US" dirty="0">
+                <a:latin typeface="ＭＳ Ｐゴシック" panose="020B0600070205080204" pitchFamily="50" charset="-128"/>
+                <a:ea typeface="ＭＳ Ｐゴシック" panose="020B0600070205080204" pitchFamily="50" charset="-128"/>
+              </a:rPr>
+              <a:t>・作成されたページ</a:t>
+            </a:r>
+            <a:endParaRPr kumimoji="1" lang="en-US" altLang="ja-JP" dirty="0">
+              <a:latin typeface="ＭＳ Ｐゴシック" panose="020B0600070205080204" pitchFamily="50" charset="-128"/>
+              <a:ea typeface="ＭＳ Ｐゴシック" panose="020B0600070205080204" pitchFamily="50" charset="-128"/>
+            </a:endParaRPr>
+          </a:p>
+        </p:txBody>
+      </p:sp>
+      <p:sp>
+        <p:nvSpPr>
+          <p:cNvPr id="9" name="テキスト ボックス 8">
+            <a:extLst>
+              <a:ext uri="{FF2B5EF4-FFF2-40B4-BE49-F238E27FC236}">
+                <a16:creationId xmlns:a16="http://schemas.microsoft.com/office/drawing/2014/main" id="{36ABE67F-62E9-076E-2457-62D7CAD17048}"/>
+              </a:ext>
+            </a:extLst>
+          </p:cNvPr>
+          <p:cNvSpPr txBox="1"/>
+          <p:nvPr/>
+        </p:nvSpPr>
+        <p:spPr>
+          <a:xfrm>
+            <a:off x="372535" y="1537646"/>
+            <a:ext cx="9905998" cy="1754326"/>
+          </a:xfrm>
+          <a:prstGeom prst="rect">
+            <a:avLst/>
+          </a:prstGeom>
+          <a:noFill/>
+        </p:spPr>
+        <p:txBody>
+          <a:bodyPr wrap="square" rtlCol="0">
+            <a:spAutoFit/>
+          </a:bodyPr>
+          <a:lstStyle/>
+          <a:p>
+            <a:pPr marL="285750" indent="-285750">
+              <a:buFont typeface="Wingdings" panose="05000000000000000000" pitchFamily="2" charset="2"/>
+              <a:buChar char="ü"/>
+            </a:pPr>
+            <a:r>
+              <a:rPr kumimoji="1" lang="ja-JP" altLang="en-US" dirty="0">
+                <a:latin typeface="ＭＳ Ｐゴシック" panose="020B0600070205080204" pitchFamily="50" charset="-128"/>
+                <a:ea typeface="ＭＳ Ｐゴシック" panose="020B0600070205080204" pitchFamily="50" charset="-128"/>
+              </a:rPr>
+              <a:t>画像入力では情報が複雑すぎる</a:t>
+            </a:r>
+            <a:r>
+              <a:rPr kumimoji="1" lang="en-US" altLang="ja-JP" dirty="0">
+                <a:latin typeface="ＭＳ Ｐゴシック" panose="020B0600070205080204" pitchFamily="50" charset="-128"/>
+                <a:ea typeface="ＭＳ Ｐゴシック" panose="020B0600070205080204" pitchFamily="50" charset="-128"/>
+              </a:rPr>
+              <a:t>…?</a:t>
+            </a:r>
+            <a:br>
+              <a:rPr kumimoji="1" lang="en-US" altLang="ja-JP" dirty="0">
+                <a:latin typeface="ＭＳ Ｐゴシック" panose="020B0600070205080204" pitchFamily="50" charset="-128"/>
+                <a:ea typeface="ＭＳ Ｐゴシック" panose="020B0600070205080204" pitchFamily="50" charset="-128"/>
+              </a:rPr>
+            </a:br>
+            <a:endParaRPr kumimoji="1" lang="en-US" altLang="ja-JP" dirty="0">
+              <a:latin typeface="ＭＳ Ｐゴシック" panose="020B0600070205080204" pitchFamily="50" charset="-128"/>
+              <a:ea typeface="ＭＳ Ｐゴシック" panose="020B0600070205080204" pitchFamily="50" charset="-128"/>
+            </a:endParaRPr>
+          </a:p>
+          <a:p>
+            <a:pPr marL="285750" indent="-285750">
+              <a:buFont typeface="Wingdings" panose="05000000000000000000" pitchFamily="2" charset="2"/>
+              <a:buChar char="ü"/>
+            </a:pPr>
+            <a:r>
+              <a:rPr kumimoji="1" lang="ja-JP" altLang="en-US" dirty="0">
+                <a:latin typeface="ＭＳ Ｐゴシック" panose="020B0600070205080204" pitchFamily="50" charset="-128"/>
+                <a:ea typeface="ＭＳ Ｐゴシック" panose="020B0600070205080204" pitchFamily="50" charset="-128"/>
+              </a:rPr>
+              <a:t>画像認識機能はまだ研究段階</a:t>
+            </a:r>
+            <a:r>
+              <a:rPr kumimoji="1" lang="en-US" altLang="ja-JP" dirty="0">
+                <a:latin typeface="ＭＳ Ｐゴシック" panose="020B0600070205080204" pitchFamily="50" charset="-128"/>
+                <a:ea typeface="ＭＳ Ｐゴシック" panose="020B0600070205080204" pitchFamily="50" charset="-128"/>
+              </a:rPr>
+              <a:t>(</a:t>
+            </a:r>
+            <a:r>
+              <a:rPr kumimoji="1" lang="ja-JP" altLang="en-US" dirty="0">
+                <a:latin typeface="ＭＳ Ｐゴシック" panose="020B0600070205080204" pitchFamily="50" charset="-128"/>
+                <a:ea typeface="ＭＳ Ｐゴシック" panose="020B0600070205080204" pitchFamily="50" charset="-128"/>
+              </a:rPr>
+              <a:t>カラーコードの出力も不可</a:t>
+            </a:r>
+            <a:r>
+              <a:rPr kumimoji="1" lang="en-US" altLang="ja-JP" dirty="0">
+                <a:latin typeface="ＭＳ Ｐゴシック" panose="020B0600070205080204" pitchFamily="50" charset="-128"/>
+                <a:ea typeface="ＭＳ Ｐゴシック" panose="020B0600070205080204" pitchFamily="50" charset="-128"/>
+              </a:rPr>
+              <a:t>)</a:t>
+            </a:r>
+            <a:br>
+              <a:rPr kumimoji="1" lang="en-US" altLang="ja-JP" dirty="0">
+                <a:latin typeface="ＭＳ Ｐゴシック" panose="020B0600070205080204" pitchFamily="50" charset="-128"/>
+                <a:ea typeface="ＭＳ Ｐゴシック" panose="020B0600070205080204" pitchFamily="50" charset="-128"/>
+              </a:rPr>
+            </a:br>
+            <a:endParaRPr kumimoji="1" lang="en-US" altLang="ja-JP" dirty="0">
+              <a:latin typeface="ＭＳ Ｐゴシック" panose="020B0600070205080204" pitchFamily="50" charset="-128"/>
+              <a:ea typeface="ＭＳ Ｐゴシック" panose="020B0600070205080204" pitchFamily="50" charset="-128"/>
+            </a:endParaRPr>
+          </a:p>
+          <a:p>
+            <a:pPr marL="285750" indent="-285750">
+              <a:buFont typeface="Wingdings" panose="05000000000000000000" pitchFamily="2" charset="2"/>
+              <a:buChar char="ü"/>
+            </a:pPr>
+            <a:r>
+              <a:rPr kumimoji="1" lang="ja-JP" altLang="en-US" dirty="0">
+                <a:latin typeface="ＭＳ Ｐゴシック" panose="020B0600070205080204" pitchFamily="50" charset="-128"/>
+                <a:ea typeface="ＭＳ Ｐゴシック" panose="020B0600070205080204" pitchFamily="50" charset="-128"/>
+              </a:rPr>
+              <a:t>画像をテキストで認識するのみで、おそらくそのテキストから</a:t>
+            </a:r>
+            <a:r>
+              <a:rPr kumimoji="1" lang="en-US" altLang="ja-JP" dirty="0">
+                <a:latin typeface="ＭＳ Ｐゴシック" panose="020B0600070205080204" pitchFamily="50" charset="-128"/>
+                <a:ea typeface="ＭＳ Ｐゴシック" panose="020B0600070205080204" pitchFamily="50" charset="-128"/>
+              </a:rPr>
+              <a:t>web</a:t>
+            </a:r>
+            <a:r>
+              <a:rPr kumimoji="1" lang="ja-JP" altLang="en-US" dirty="0">
+                <a:latin typeface="ＭＳ Ｐゴシック" panose="020B0600070205080204" pitchFamily="50" charset="-128"/>
+                <a:ea typeface="ＭＳ Ｐゴシック" panose="020B0600070205080204" pitchFamily="50" charset="-128"/>
+              </a:rPr>
+              <a:t>ページを作成した可能性</a:t>
+            </a:r>
+            <a:br>
+              <a:rPr kumimoji="1" lang="en-US" altLang="ja-JP" dirty="0">
+                <a:latin typeface="ＭＳ Ｐゴシック" panose="020B0600070205080204" pitchFamily="50" charset="-128"/>
+                <a:ea typeface="ＭＳ Ｐゴシック" panose="020B0600070205080204" pitchFamily="50" charset="-128"/>
+              </a:rPr>
+            </a:br>
+            <a:endParaRPr kumimoji="1" lang="en-US" altLang="ja-JP" dirty="0">
+              <a:latin typeface="ＭＳ Ｐゴシック" panose="020B0600070205080204" pitchFamily="50" charset="-128"/>
+              <a:ea typeface="ＭＳ Ｐゴシック" panose="020B0600070205080204" pitchFamily="50" charset="-128"/>
+            </a:endParaRPr>
+          </a:p>
+        </p:txBody>
+      </p:sp>
+    </p:spTree>
+    <p:extLst>
+      <p:ext uri="{BB962C8B-B14F-4D97-AF65-F5344CB8AC3E}">
+        <p14:creationId xmlns:p14="http://schemas.microsoft.com/office/powerpoint/2010/main" val="2845654160"/>
+      </p:ext>
+    </p:extLst>
+  </p:cSld>
+  <p:clrMapOvr>
+    <a:masterClrMapping/>
+  </p:clrMapOvr>
+</p:sld>
+</file>
+
+<file path=ppt/slides/slide17.xml><?xml version="1.0" encoding="utf-8"?>
+<p:sld xmlns:a="http://schemas.openxmlformats.org/drawingml/2006/main" xmlns:r="http://schemas.openxmlformats.org/officeDocument/2006/relationships" xmlns:p="http://schemas.openxmlformats.org/presentationml/2006/main">
+  <p:cSld>
+    <p:spTree>
+      <p:nvGrpSpPr>
+        <p:cNvPr id="1" name=""/>
+        <p:cNvGrpSpPr/>
+        <p:nvPr/>
+      </p:nvGrpSpPr>
+      <p:grpSpPr>
+        <a:xfrm>
+          <a:off x="0" y="0"/>
+          <a:ext cx="0" cy="0"/>
+          <a:chOff x="0" y="0"/>
+          <a:chExt cx="0" cy="0"/>
+        </a:xfrm>
+      </p:grpSpPr>
+      <p:sp>
+        <p:nvSpPr>
+          <p:cNvPr id="12" name="正方形/長方形 11">
+            <a:extLst>
+              <a:ext uri="{FF2B5EF4-FFF2-40B4-BE49-F238E27FC236}">
+                <a16:creationId xmlns:a16="http://schemas.microsoft.com/office/drawing/2014/main" id="{8D927366-A2BA-562F-C5A8-9F56A5989CF9}"/>
+              </a:ext>
+            </a:extLst>
+          </p:cNvPr>
+          <p:cNvSpPr/>
+          <p:nvPr/>
+        </p:nvSpPr>
+        <p:spPr>
+          <a:xfrm>
+            <a:off x="0" y="0"/>
+            <a:ext cx="12192000" cy="1261534"/>
+          </a:xfrm>
+          <a:prstGeom prst="rect">
+            <a:avLst/>
+          </a:prstGeom>
         </p:spPr>
         <p:style>
           <a:lnRef idx="2">
@@ -19551,17 +20017,36 @@
           <a:bodyPr rtlCol="0" anchor="ctr"/>
           <a:lstStyle/>
           <a:p>
-            <a:pPr algn="ctr"/>
-            <a:endParaRPr kumimoji="1" lang="ja-JP" altLang="en-US"/>
-          </a:p>
-        </p:txBody>
-      </p:sp>
-      <p:sp>
-        <p:nvSpPr>
-          <p:cNvPr id="27" name="正方形/長方形 26">
-            <a:extLst>
-              <a:ext uri="{FF2B5EF4-FFF2-40B4-BE49-F238E27FC236}">
-                <a16:creationId xmlns:a16="http://schemas.microsoft.com/office/drawing/2014/main" id="{187B3666-C86A-05C6-75E7-1E434B9F1121}"/>
+            <a:pPr indent="355600"/>
+            <a:r>
+              <a:rPr kumimoji="1" lang="en-US" altLang="ja-JP" sz="5400" dirty="0">
+                <a:solidFill>
+                  <a:schemeClr val="tx1"/>
+                </a:solidFill>
+                <a:latin typeface="ＭＳ Ｐゴシック" panose="020B0600070205080204" pitchFamily="50" charset="-128"/>
+                <a:ea typeface="ＭＳ Ｐゴシック" panose="020B0600070205080204" pitchFamily="50" charset="-128"/>
+              </a:rPr>
+              <a:t>- </a:t>
+            </a:r>
+            <a:r>
+              <a:rPr kumimoji="1" lang="ja-JP" altLang="en-US" sz="5400" dirty="0">
+                <a:solidFill>
+                  <a:schemeClr val="tx1"/>
+                </a:solidFill>
+                <a:latin typeface="ＭＳ Ｐゴシック" panose="020B0600070205080204" pitchFamily="50" charset="-128"/>
+                <a:ea typeface="ＭＳ Ｐゴシック" panose="020B0600070205080204" pitchFamily="50" charset="-128"/>
+              </a:rPr>
+              <a:t>基本構造の実装</a:t>
+            </a:r>
+          </a:p>
+        </p:txBody>
+      </p:sp>
+      <p:sp>
+        <p:nvSpPr>
+          <p:cNvPr id="18" name="正方形/長方形 17">
+            <a:extLst>
+              <a:ext uri="{FF2B5EF4-FFF2-40B4-BE49-F238E27FC236}">
+                <a16:creationId xmlns:a16="http://schemas.microsoft.com/office/drawing/2014/main" id="{61A47339-2C22-8635-668D-B42E11A604D9}"/>
               </a:ext>
             </a:extLst>
           </p:cNvPr>
@@ -19570,16 +20055,12 @@
         </p:nvSpPr>
         <p:spPr>
           <a:xfrm>
-            <a:off x="1362754" y="3098800"/>
-            <a:ext cx="1058712" cy="397097"/>
+            <a:off x="0" y="6112933"/>
+            <a:ext cx="12192000" cy="745067"/>
           </a:xfrm>
           <a:prstGeom prst="rect">
             <a:avLst/>
           </a:prstGeom>
-          <a:noFill/>
-          <a:ln>
-            <a:noFill/>
-          </a:ln>
         </p:spPr>
         <p:style>
           <a:lnRef idx="2">
@@ -19608,10 +20089,10 @@
       </p:sp>
       <p:sp>
         <p:nvSpPr>
-          <p:cNvPr id="28" name="テキスト ボックス 27">
-            <a:extLst>
-              <a:ext uri="{FF2B5EF4-FFF2-40B4-BE49-F238E27FC236}">
-                <a16:creationId xmlns:a16="http://schemas.microsoft.com/office/drawing/2014/main" id="{5F9508F1-5D21-26E3-1F4D-5ED7A702C4EE}"/>
+          <p:cNvPr id="9" name="テキスト ボックス 8">
+            <a:extLst>
+              <a:ext uri="{FF2B5EF4-FFF2-40B4-BE49-F238E27FC236}">
+                <a16:creationId xmlns:a16="http://schemas.microsoft.com/office/drawing/2014/main" id="{36ABE67F-62E9-076E-2457-62D7CAD17048}"/>
               </a:ext>
             </a:extLst>
           </p:cNvPr>
@@ -19620,8 +20101,8 @@
         </p:nvSpPr>
         <p:spPr>
           <a:xfrm>
-            <a:off x="1292779" y="2021760"/>
-            <a:ext cx="2085832" cy="923330"/>
+            <a:off x="372535" y="1537646"/>
+            <a:ext cx="9905998" cy="369332"/>
           </a:xfrm>
           <a:prstGeom prst="rect">
             <a:avLst/>
@@ -19634,92 +20115,140 @@
           </a:bodyPr>
           <a:lstStyle/>
           <a:p>
-            <a:r>
-              <a:rPr kumimoji="1" lang="en-US" altLang="ja-JP" sz="5400" dirty="0">
-                <a:latin typeface="ＭＳ Ｐゴシック" panose="020B0600070205080204" pitchFamily="50" charset="-128"/>
-                <a:ea typeface="ＭＳ Ｐゴシック" panose="020B0600070205080204" pitchFamily="50" charset="-128"/>
-              </a:rPr>
-              <a:t>2048</a:t>
-            </a:r>
-            <a:endParaRPr kumimoji="1" lang="ja-JP" altLang="en-US" sz="5400" dirty="0">
+            <a:pPr marL="285750" indent="-285750">
+              <a:buFont typeface="Wingdings" panose="05000000000000000000" pitchFamily="2" charset="2"/>
+              <a:buChar char="ü"/>
+            </a:pPr>
+            <a:r>
+              <a:rPr kumimoji="1" lang="ja-JP" altLang="en-US" dirty="0">
+                <a:latin typeface="ＭＳ Ｐゴシック" panose="020B0600070205080204" pitchFamily="50" charset="-128"/>
+                <a:ea typeface="ＭＳ Ｐゴシック" panose="020B0600070205080204" pitchFamily="50" charset="-128"/>
+              </a:rPr>
+              <a:t>テキストでデザインを細かく指定</a:t>
+            </a:r>
+            <a:endParaRPr kumimoji="1" lang="en-US" altLang="ja-JP" dirty="0">
               <a:latin typeface="ＭＳ Ｐゴシック" panose="020B0600070205080204" pitchFamily="50" charset="-128"/>
               <a:ea typeface="ＭＳ Ｐゴシック" panose="020B0600070205080204" pitchFamily="50" charset="-128"/>
             </a:endParaRPr>
           </a:p>
         </p:txBody>
       </p:sp>
-      <p:sp>
-        <p:nvSpPr>
-          <p:cNvPr id="29" name="テキスト ボックス 28">
-            <a:extLst>
-              <a:ext uri="{FF2B5EF4-FFF2-40B4-BE49-F238E27FC236}">
-                <a16:creationId xmlns:a16="http://schemas.microsoft.com/office/drawing/2014/main" id="{BA86D6E7-BB51-AC38-15D2-756BB7D7798C}"/>
-              </a:ext>
-            </a:extLst>
-          </p:cNvPr>
-          <p:cNvSpPr txBox="1"/>
+      <mc:AlternateContent xmlns:mc="http://schemas.openxmlformats.org/markup-compatibility/2006">
+        <mc:Choice xmlns:we="http://schemas.microsoft.com/office/webextensions/webextension/2010/11" xmlns:pca="http://schemas.microsoft.com/office/powerpoint/2013/contentapp" Requires="we pca">
+          <p:graphicFrame>
+            <p:nvGraphicFramePr>
+              <p:cNvPr id="4" name="アドイン 3">
+                <a:extLst>
+                  <a:ext uri="{FF2B5EF4-FFF2-40B4-BE49-F238E27FC236}">
+                    <a16:creationId xmlns:a16="http://schemas.microsoft.com/office/drawing/2014/main" id="{03C507D9-4FCF-57C5-C1D8-FAC00ADC581E}"/>
+                  </a:ext>
+                </a:extLst>
+              </p:cNvPr>
+              <p:cNvGraphicFramePr>
+                <a:graphicFrameLocks noGrp="1"/>
+              </p:cNvGraphicFramePr>
+              <p:nvPr>
+                <p:extLst>
+                  <p:ext uri="{D42A27DB-BD31-4B8C-83A1-F6EECF244321}">
+                    <p14:modId xmlns:p14="http://schemas.microsoft.com/office/powerpoint/2010/main" val="978718592"/>
+                  </p:ext>
+                </p:extLst>
+              </p:nvPr>
+            </p:nvGraphicFramePr>
+            <p:xfrm>
+              <a:off x="694267" y="1906978"/>
+              <a:ext cx="9144000" cy="4121289"/>
+            </p:xfrm>
+            <a:graphic>
+              <a:graphicData uri="http://schemas.microsoft.com/office/webextensions/webextension/2010/11">
+                <we:webextensionref xmlns:we="http://schemas.microsoft.com/office/webextensions/webextension/2010/11" xmlns:r="http://schemas.openxmlformats.org/officeDocument/2006/relationships" r:id="rId2"/>
+              </a:graphicData>
+            </a:graphic>
+          </p:graphicFrame>
+        </mc:Choice>
+        <mc:Fallback>
+          <p:pic>
+            <p:nvPicPr>
+              <p:cNvPr id="4" name="アドイン 3">
+                <a:extLst>
+                  <a:ext uri="{FF2B5EF4-FFF2-40B4-BE49-F238E27FC236}">
+                    <a16:creationId xmlns:a16="http://schemas.microsoft.com/office/drawing/2014/main" id="{03C507D9-4FCF-57C5-C1D8-FAC00ADC581E}"/>
+                  </a:ext>
+                </a:extLst>
+              </p:cNvPr>
+              <p:cNvPicPr>
+                <a:picLocks noGrp="1" noRot="1" noChangeAspect="1" noMove="1" noResize="1" noEditPoints="1" noAdjustHandles="1" noChangeArrowheads="1" noChangeShapeType="1"/>
+              </p:cNvPicPr>
+              <p:nvPr/>
+            </p:nvPicPr>
+            <p:blipFill>
+              <a:blip r:embed="rId3"/>
+              <a:stretch>
+                <a:fillRect/>
+              </a:stretch>
+            </p:blipFill>
+            <p:spPr>
+              <a:xfrm>
+                <a:off x="694267" y="1906978"/>
+                <a:ext cx="9144000" cy="4121289"/>
+              </a:xfrm>
+              <a:prstGeom prst="rect">
+                <a:avLst/>
+              </a:prstGeom>
+            </p:spPr>
+          </p:pic>
+        </mc:Fallback>
+      </mc:AlternateContent>
+    </p:spTree>
+    <p:extLst>
+      <p:ext uri="{BB962C8B-B14F-4D97-AF65-F5344CB8AC3E}">
+        <p14:creationId xmlns:p14="http://schemas.microsoft.com/office/powerpoint/2010/main" val="2225424340"/>
+      </p:ext>
+    </p:extLst>
+  </p:cSld>
+  <p:clrMapOvr>
+    <a:masterClrMapping/>
+  </p:clrMapOvr>
+</p:sld>
+</file>
+
+<file path=ppt/slides/slide18.xml><?xml version="1.0" encoding="utf-8"?>
+<p:sld xmlns:a="http://schemas.openxmlformats.org/drawingml/2006/main" xmlns:r="http://schemas.openxmlformats.org/officeDocument/2006/relationships" xmlns:p="http://schemas.openxmlformats.org/presentationml/2006/main">
+  <p:cSld>
+    <p:spTree>
+      <p:nvGrpSpPr>
+        <p:cNvPr id="1" name=""/>
+        <p:cNvGrpSpPr/>
+        <p:nvPr/>
+      </p:nvGrpSpPr>
+      <p:grpSpPr>
+        <a:xfrm>
+          <a:off x="0" y="0"/>
+          <a:ext cx="0" cy="0"/>
+          <a:chOff x="0" y="0"/>
+          <a:chExt cx="0" cy="0"/>
+        </a:xfrm>
+      </p:grpSpPr>
+      <p:sp>
+        <p:nvSpPr>
+          <p:cNvPr id="12" name="正方形/長方形 11">
+            <a:extLst>
+              <a:ext uri="{FF2B5EF4-FFF2-40B4-BE49-F238E27FC236}">
+                <a16:creationId xmlns:a16="http://schemas.microsoft.com/office/drawing/2014/main" id="{8D927366-A2BA-562F-C5A8-9F56A5989CF9}"/>
+              </a:ext>
+            </a:extLst>
+          </p:cNvPr>
+          <p:cNvSpPr/>
           <p:nvPr/>
         </p:nvSpPr>
         <p:spPr>
           <a:xfrm>
-            <a:off x="2974770" y="2578122"/>
-            <a:ext cx="1068392" cy="369332"/>
+            <a:off x="0" y="0"/>
+            <a:ext cx="12192000" cy="1261534"/>
           </a:xfrm>
           <a:prstGeom prst="rect">
             <a:avLst/>
           </a:prstGeom>
-          <a:solidFill>
-            <a:srgbClr val="FFFF00"/>
-          </a:solidFill>
-          <a:ln>
-            <a:solidFill>
-              <a:schemeClr val="tx1"/>
-            </a:solidFill>
-          </a:ln>
-        </p:spPr>
-        <p:txBody>
-          <a:bodyPr wrap="square" rtlCol="0">
-            <a:spAutoFit/>
-          </a:bodyPr>
-          <a:lstStyle/>
-          <a:p>
-            <a:r>
-              <a:rPr kumimoji="1" lang="en-US" altLang="ja-JP" b="1" dirty="0">
-                <a:latin typeface="ＭＳ Ｐゴシック" panose="020B0600070205080204" pitchFamily="50" charset="-128"/>
-                <a:ea typeface="ＭＳ Ｐゴシック" panose="020B0600070205080204" pitchFamily="50" charset="-128"/>
-              </a:rPr>
-              <a:t>Score : 0</a:t>
-            </a:r>
-            <a:endParaRPr kumimoji="1" lang="ja-JP" altLang="en-US" b="1" dirty="0">
-              <a:latin typeface="ＭＳ Ｐゴシック" panose="020B0600070205080204" pitchFamily="50" charset="-128"/>
-              <a:ea typeface="ＭＳ Ｐゴシック" panose="020B0600070205080204" pitchFamily="50" charset="-128"/>
-            </a:endParaRPr>
-          </a:p>
-        </p:txBody>
-      </p:sp>
-      <p:sp>
-        <p:nvSpPr>
-          <p:cNvPr id="30" name="正方形/長方形 29">
-            <a:extLst>
-              <a:ext uri="{FF2B5EF4-FFF2-40B4-BE49-F238E27FC236}">
-                <a16:creationId xmlns:a16="http://schemas.microsoft.com/office/drawing/2014/main" id="{1F224F3C-056C-B1A3-0E6F-86B00612102B}"/>
-              </a:ext>
-            </a:extLst>
-          </p:cNvPr>
-          <p:cNvSpPr/>
-          <p:nvPr/>
-        </p:nvSpPr>
-        <p:spPr>
-          <a:xfrm>
-            <a:off x="2106506" y="3073231"/>
-            <a:ext cx="576000" cy="576000"/>
-          </a:xfrm>
-          <a:prstGeom prst="rect">
-            <a:avLst/>
-          </a:prstGeom>
-          <a:solidFill>
-            <a:schemeClr val="bg1"/>
-          </a:solidFill>
         </p:spPr>
         <p:style>
           <a:lnRef idx="2">
@@ -19741,17 +20270,36 @@
           <a:bodyPr rtlCol="0" anchor="ctr"/>
           <a:lstStyle/>
           <a:p>
-            <a:pPr algn="ctr"/>
-            <a:endParaRPr kumimoji="1" lang="ja-JP" altLang="en-US"/>
-          </a:p>
-        </p:txBody>
-      </p:sp>
-      <p:sp>
-        <p:nvSpPr>
-          <p:cNvPr id="31" name="正方形/長方形 30">
-            <a:extLst>
-              <a:ext uri="{FF2B5EF4-FFF2-40B4-BE49-F238E27FC236}">
-                <a16:creationId xmlns:a16="http://schemas.microsoft.com/office/drawing/2014/main" id="{CE851A1D-8ACD-D848-9E7E-947CE25D126F}"/>
+            <a:pPr indent="355600"/>
+            <a:r>
+              <a:rPr kumimoji="1" lang="en-US" altLang="ja-JP" sz="5400" dirty="0">
+                <a:solidFill>
+                  <a:schemeClr val="tx1"/>
+                </a:solidFill>
+                <a:latin typeface="ＭＳ Ｐゴシック" panose="020B0600070205080204" pitchFamily="50" charset="-128"/>
+                <a:ea typeface="ＭＳ Ｐゴシック" panose="020B0600070205080204" pitchFamily="50" charset="-128"/>
+              </a:rPr>
+              <a:t>- </a:t>
+            </a:r>
+            <a:r>
+              <a:rPr kumimoji="1" lang="ja-JP" altLang="en-US" sz="5400" dirty="0">
+                <a:solidFill>
+                  <a:schemeClr val="tx1"/>
+                </a:solidFill>
+                <a:latin typeface="ＭＳ Ｐゴシック" panose="020B0600070205080204" pitchFamily="50" charset="-128"/>
+                <a:ea typeface="ＭＳ Ｐゴシック" panose="020B0600070205080204" pitchFamily="50" charset="-128"/>
+              </a:rPr>
+              <a:t>基本構造の実装</a:t>
+            </a:r>
+          </a:p>
+        </p:txBody>
+      </p:sp>
+      <p:sp>
+        <p:nvSpPr>
+          <p:cNvPr id="18" name="正方形/長方形 17">
+            <a:extLst>
+              <a:ext uri="{FF2B5EF4-FFF2-40B4-BE49-F238E27FC236}">
+                <a16:creationId xmlns:a16="http://schemas.microsoft.com/office/drawing/2014/main" id="{61A47339-2C22-8635-668D-B42E11A604D9}"/>
               </a:ext>
             </a:extLst>
           </p:cNvPr>
@@ -19760,15 +20308,12 @@
         </p:nvSpPr>
         <p:spPr>
           <a:xfrm>
-            <a:off x="2751434" y="3073231"/>
-            <a:ext cx="576000" cy="576000"/>
+            <a:off x="0" y="6112933"/>
+            <a:ext cx="12192000" cy="745067"/>
           </a:xfrm>
           <a:prstGeom prst="rect">
             <a:avLst/>
           </a:prstGeom>
-          <a:solidFill>
-            <a:schemeClr val="bg1"/>
-          </a:solidFill>
         </p:spPr>
         <p:style>
           <a:lnRef idx="2">
@@ -19795,29 +20340,350 @@
           </a:p>
         </p:txBody>
       </p:sp>
-      <p:sp>
-        <p:nvSpPr>
-          <p:cNvPr id="32" name="正方形/長方形 31">
-            <a:extLst>
-              <a:ext uri="{FF2B5EF4-FFF2-40B4-BE49-F238E27FC236}">
-                <a16:creationId xmlns:a16="http://schemas.microsoft.com/office/drawing/2014/main" id="{A18BA455-DF67-E9A5-FC66-9DDEC7DA7039}"/>
-              </a:ext>
-            </a:extLst>
-          </p:cNvPr>
-          <p:cNvSpPr/>
+      <p:pic>
+        <p:nvPicPr>
+          <p:cNvPr id="3" name="図 2" descr="アイコン&#10;&#10;自動的に生成された説明">
+            <a:extLst>
+              <a:ext uri="{FF2B5EF4-FFF2-40B4-BE49-F238E27FC236}">
+                <a16:creationId xmlns:a16="http://schemas.microsoft.com/office/drawing/2014/main" id="{7F2E9219-1EA1-C016-E17B-48C919AE9AD8}"/>
+              </a:ext>
+            </a:extLst>
+          </p:cNvPr>
+          <p:cNvPicPr>
+            <a:picLocks noChangeAspect="1"/>
+          </p:cNvPicPr>
           <p:nvPr/>
-        </p:nvSpPr>
+        </p:nvPicPr>
+        <p:blipFill>
+          <a:blip r:embed="rId2">
+            <a:extLst>
+              <a:ext uri="{28A0092B-C50C-407E-A947-70E740481C1C}">
+                <a14:useLocalDpi xmlns:a14="http://schemas.microsoft.com/office/drawing/2010/main" val="0"/>
+              </a:ext>
+            </a:extLst>
+          </a:blip>
+          <a:stretch>
+            <a:fillRect/>
+          </a:stretch>
+        </p:blipFill>
         <p:spPr>
           <a:xfrm>
-            <a:off x="3396362" y="3073231"/>
-            <a:ext cx="576000" cy="576000"/>
+            <a:off x="6584384" y="3266543"/>
+            <a:ext cx="2225182" cy="2705737"/>
           </a:xfrm>
           <a:prstGeom prst="rect">
             <a:avLst/>
           </a:prstGeom>
-          <a:solidFill>
-            <a:schemeClr val="bg1"/>
-          </a:solidFill>
+        </p:spPr>
+      </p:pic>
+      <p:sp>
+        <p:nvSpPr>
+          <p:cNvPr id="5" name="テキスト ボックス 4">
+            <a:extLst>
+              <a:ext uri="{FF2B5EF4-FFF2-40B4-BE49-F238E27FC236}">
+                <a16:creationId xmlns:a16="http://schemas.microsoft.com/office/drawing/2014/main" id="{EAD6A5ED-A76E-A3D1-94B1-4E5874E8E465}"/>
+              </a:ext>
+            </a:extLst>
+          </p:cNvPr>
+          <p:cNvSpPr txBox="1"/>
+          <p:nvPr/>
+        </p:nvSpPr>
+        <p:spPr>
+          <a:xfrm>
+            <a:off x="6392335" y="2882953"/>
+            <a:ext cx="2412998" cy="369332"/>
+          </a:xfrm>
+          <a:prstGeom prst="rect">
+            <a:avLst/>
+          </a:prstGeom>
+          <a:noFill/>
+        </p:spPr>
+        <p:txBody>
+          <a:bodyPr wrap="square" rtlCol="0">
+            <a:spAutoFit/>
+          </a:bodyPr>
+          <a:lstStyle/>
+          <a:p>
+            <a:pPr algn="ctr"/>
+            <a:r>
+              <a:rPr kumimoji="1" lang="ja-JP" altLang="en-US" dirty="0">
+                <a:latin typeface="ＭＳ Ｐゴシック" panose="020B0600070205080204" pitchFamily="50" charset="-128"/>
+                <a:ea typeface="ＭＳ Ｐゴシック" panose="020B0600070205080204" pitchFamily="50" charset="-128"/>
+              </a:rPr>
+              <a:t>・作成された</a:t>
+            </a:r>
+            <a:r>
+              <a:rPr kumimoji="1" lang="en-US" altLang="ja-JP" dirty="0">
+                <a:latin typeface="ＭＳ Ｐゴシック" panose="020B0600070205080204" pitchFamily="50" charset="-128"/>
+                <a:ea typeface="ＭＳ Ｐゴシック" panose="020B0600070205080204" pitchFamily="50" charset="-128"/>
+              </a:rPr>
+              <a:t>UI</a:t>
+            </a:r>
+          </a:p>
+        </p:txBody>
+      </p:sp>
+      <p:sp>
+        <p:nvSpPr>
+          <p:cNvPr id="6" name="テキスト ボックス 5">
+            <a:extLst>
+              <a:ext uri="{FF2B5EF4-FFF2-40B4-BE49-F238E27FC236}">
+                <a16:creationId xmlns:a16="http://schemas.microsoft.com/office/drawing/2014/main" id="{C95E64D6-8A77-4A0B-65E7-65C3DB674238}"/>
+              </a:ext>
+            </a:extLst>
+          </p:cNvPr>
+          <p:cNvSpPr txBox="1"/>
+          <p:nvPr/>
+        </p:nvSpPr>
+        <p:spPr>
+          <a:xfrm>
+            <a:off x="372535" y="1537646"/>
+            <a:ext cx="7230532" cy="1477328"/>
+          </a:xfrm>
+          <a:prstGeom prst="rect">
+            <a:avLst/>
+          </a:prstGeom>
+          <a:noFill/>
+        </p:spPr>
+        <p:txBody>
+          <a:bodyPr wrap="square" rtlCol="0">
+            <a:spAutoFit/>
+          </a:bodyPr>
+          <a:lstStyle/>
+          <a:p>
+            <a:pPr marL="285750" indent="-285750">
+              <a:buFont typeface="Wingdings" panose="05000000000000000000" pitchFamily="2" charset="2"/>
+              <a:buChar char="ü"/>
+            </a:pPr>
+            <a:r>
+              <a:rPr kumimoji="1" lang="ja-JP" altLang="en-US" dirty="0">
+                <a:latin typeface="ＭＳ Ｐゴシック" panose="020B0600070205080204" pitchFamily="50" charset="-128"/>
+                <a:ea typeface="ＭＳ Ｐゴシック" panose="020B0600070205080204" pitchFamily="50" charset="-128"/>
+              </a:rPr>
+              <a:t>入力情報が抽象的かつ複雑</a:t>
+            </a:r>
+            <a:br>
+              <a:rPr kumimoji="1" lang="en-US" altLang="ja-JP" dirty="0">
+                <a:latin typeface="ＭＳ Ｐゴシック" panose="020B0600070205080204" pitchFamily="50" charset="-128"/>
+                <a:ea typeface="ＭＳ Ｐゴシック" panose="020B0600070205080204" pitchFamily="50" charset="-128"/>
+              </a:rPr>
+            </a:br>
+            <a:r>
+              <a:rPr kumimoji="1" lang="ja-JP" altLang="en-US" dirty="0">
+                <a:latin typeface="ＭＳ Ｐゴシック" panose="020B0600070205080204" pitchFamily="50" charset="-128"/>
+                <a:ea typeface="ＭＳ Ｐゴシック" panose="020B0600070205080204" pitchFamily="50" charset="-128"/>
+              </a:rPr>
+              <a:t>→小分けにして入力すべき</a:t>
+            </a:r>
+            <a:br>
+              <a:rPr kumimoji="1" lang="en-US" altLang="ja-JP" dirty="0">
+                <a:latin typeface="ＭＳ Ｐゴシック" panose="020B0600070205080204" pitchFamily="50" charset="-128"/>
+                <a:ea typeface="ＭＳ Ｐゴシック" panose="020B0600070205080204" pitchFamily="50" charset="-128"/>
+              </a:rPr>
+            </a:br>
+            <a:endParaRPr kumimoji="1" lang="en-US" altLang="ja-JP" dirty="0">
+              <a:latin typeface="ＭＳ Ｐゴシック" panose="020B0600070205080204" pitchFamily="50" charset="-128"/>
+              <a:ea typeface="ＭＳ Ｐゴシック" panose="020B0600070205080204" pitchFamily="50" charset="-128"/>
+            </a:endParaRPr>
+          </a:p>
+          <a:p>
+            <a:pPr marL="285750" indent="-285750">
+              <a:buFont typeface="Wingdings" panose="05000000000000000000" pitchFamily="2" charset="2"/>
+              <a:buChar char="ü"/>
+            </a:pPr>
+            <a:r>
+              <a:rPr kumimoji="1" lang="ja-JP" altLang="en-US" dirty="0">
+                <a:latin typeface="ＭＳ Ｐゴシック" panose="020B0600070205080204" pitchFamily="50" charset="-128"/>
+                <a:ea typeface="ＭＳ Ｐゴシック" panose="020B0600070205080204" pitchFamily="50" charset="-128"/>
+              </a:rPr>
+              <a:t>実際</a:t>
+            </a:r>
+            <a:r>
+              <a:rPr kumimoji="1" lang="en-US" altLang="ja-JP" dirty="0">
+                <a:latin typeface="ＭＳ Ｐゴシック" panose="020B0600070205080204" pitchFamily="50" charset="-128"/>
+                <a:ea typeface="ＭＳ Ｐゴシック" panose="020B0600070205080204" pitchFamily="50" charset="-128"/>
+              </a:rPr>
+              <a:t>(GPT</a:t>
+            </a:r>
+            <a:r>
+              <a:rPr kumimoji="1" lang="ja-JP" altLang="en-US" dirty="0">
+                <a:latin typeface="ＭＳ Ｐゴシック" panose="020B0600070205080204" pitchFamily="50" charset="-128"/>
+                <a:ea typeface="ＭＳ Ｐゴシック" panose="020B0600070205080204" pitchFamily="50" charset="-128"/>
+              </a:rPr>
+              <a:t>不使用</a:t>
+            </a:r>
+            <a:r>
+              <a:rPr kumimoji="1" lang="en-US" altLang="ja-JP" dirty="0">
+                <a:latin typeface="ＭＳ Ｐゴシック" panose="020B0600070205080204" pitchFamily="50" charset="-128"/>
+                <a:ea typeface="ＭＳ Ｐゴシック" panose="020B0600070205080204" pitchFamily="50" charset="-128"/>
+              </a:rPr>
+              <a:t>)</a:t>
+            </a:r>
+            <a:r>
+              <a:rPr kumimoji="1" lang="ja-JP" altLang="en-US" dirty="0">
+                <a:latin typeface="ＭＳ Ｐゴシック" panose="020B0600070205080204" pitchFamily="50" charset="-128"/>
+                <a:ea typeface="ＭＳ Ｐゴシック" panose="020B0600070205080204" pitchFamily="50" charset="-128"/>
+              </a:rPr>
+              <a:t>のゲーム作成における</a:t>
+            </a:r>
+            <a:r>
+              <a:rPr kumimoji="1" lang="en-US" altLang="ja-JP" dirty="0">
+                <a:latin typeface="ＭＳ Ｐゴシック" panose="020B0600070205080204" pitchFamily="50" charset="-128"/>
+                <a:ea typeface="ＭＳ Ｐゴシック" panose="020B0600070205080204" pitchFamily="50" charset="-128"/>
+              </a:rPr>
+              <a:t>UI</a:t>
+            </a:r>
+            <a:r>
+              <a:rPr kumimoji="1" lang="ja-JP" altLang="en-US" dirty="0">
+                <a:latin typeface="ＭＳ Ｐゴシック" panose="020B0600070205080204" pitchFamily="50" charset="-128"/>
+                <a:ea typeface="ＭＳ Ｐゴシック" panose="020B0600070205080204" pitchFamily="50" charset="-128"/>
+              </a:rPr>
+              <a:t>の指定方法は？</a:t>
+            </a:r>
+            <a:br>
+              <a:rPr kumimoji="1" lang="en-US" altLang="ja-JP" dirty="0">
+                <a:latin typeface="ＭＳ Ｐゴシック" panose="020B0600070205080204" pitchFamily="50" charset="-128"/>
+                <a:ea typeface="ＭＳ Ｐゴシック" panose="020B0600070205080204" pitchFamily="50" charset="-128"/>
+              </a:rPr>
+            </a:br>
+            <a:endParaRPr kumimoji="1" lang="en-US" altLang="ja-JP" dirty="0">
+              <a:latin typeface="ＭＳ Ｐゴシック" panose="020B0600070205080204" pitchFamily="50" charset="-128"/>
+              <a:ea typeface="ＭＳ Ｐゴシック" panose="020B0600070205080204" pitchFamily="50" charset="-128"/>
+            </a:endParaRPr>
+          </a:p>
+        </p:txBody>
+      </p:sp>
+      <p:sp>
+        <p:nvSpPr>
+          <p:cNvPr id="7" name="テキスト ボックス 6">
+            <a:extLst>
+              <a:ext uri="{FF2B5EF4-FFF2-40B4-BE49-F238E27FC236}">
+                <a16:creationId xmlns:a16="http://schemas.microsoft.com/office/drawing/2014/main" id="{05F586EE-28EF-56FB-5AFA-1CE2E4FEE840}"/>
+              </a:ext>
+            </a:extLst>
+          </p:cNvPr>
+          <p:cNvSpPr txBox="1"/>
+          <p:nvPr/>
+        </p:nvSpPr>
+        <p:spPr>
+          <a:xfrm>
+            <a:off x="3382435" y="2882953"/>
+            <a:ext cx="2412998" cy="369332"/>
+          </a:xfrm>
+          <a:prstGeom prst="rect">
+            <a:avLst/>
+          </a:prstGeom>
+          <a:noFill/>
+        </p:spPr>
+        <p:txBody>
+          <a:bodyPr wrap="square" rtlCol="0">
+            <a:spAutoFit/>
+          </a:bodyPr>
+          <a:lstStyle/>
+          <a:p>
+            <a:pPr algn="ctr"/>
+            <a:r>
+              <a:rPr kumimoji="1" lang="ja-JP" altLang="en-US" dirty="0">
+                <a:latin typeface="ＭＳ Ｐゴシック" panose="020B0600070205080204" pitchFamily="50" charset="-128"/>
+                <a:ea typeface="ＭＳ Ｐゴシック" panose="020B0600070205080204" pitchFamily="50" charset="-128"/>
+              </a:rPr>
+              <a:t>・作成したい</a:t>
+            </a:r>
+            <a:r>
+              <a:rPr kumimoji="1" lang="en-US" altLang="ja-JP" dirty="0">
+                <a:latin typeface="ＭＳ Ｐゴシック" panose="020B0600070205080204" pitchFamily="50" charset="-128"/>
+                <a:ea typeface="ＭＳ Ｐゴシック" panose="020B0600070205080204" pitchFamily="50" charset="-128"/>
+              </a:rPr>
+              <a:t>UI</a:t>
+            </a:r>
+          </a:p>
+        </p:txBody>
+      </p:sp>
+      <p:pic>
+        <p:nvPicPr>
+          <p:cNvPr id="8" name="図 7" descr="カレンダー&#10;&#10;自動的に生成された説明">
+            <a:extLst>
+              <a:ext uri="{FF2B5EF4-FFF2-40B4-BE49-F238E27FC236}">
+                <a16:creationId xmlns:a16="http://schemas.microsoft.com/office/drawing/2014/main" id="{67703A39-DB4E-5D18-F749-EFEF341639AD}"/>
+              </a:ext>
+            </a:extLst>
+          </p:cNvPr>
+          <p:cNvPicPr>
+            <a:picLocks noChangeAspect="1"/>
+          </p:cNvPicPr>
+          <p:nvPr/>
+        </p:nvPicPr>
+        <p:blipFill>
+          <a:blip r:embed="rId3">
+            <a:extLst>
+              <a:ext uri="{28A0092B-C50C-407E-A947-70E740481C1C}">
+                <a14:useLocalDpi xmlns:a14="http://schemas.microsoft.com/office/drawing/2010/main" val="0"/>
+              </a:ext>
+            </a:extLst>
+          </a:blip>
+          <a:stretch>
+            <a:fillRect/>
+          </a:stretch>
+        </p:blipFill>
+        <p:spPr>
+          <a:xfrm>
+            <a:off x="3085093" y="3237399"/>
+            <a:ext cx="3010907" cy="2860962"/>
+          </a:xfrm>
+          <a:prstGeom prst="rect">
+            <a:avLst/>
+          </a:prstGeom>
+        </p:spPr>
+      </p:pic>
+    </p:spTree>
+    <p:extLst>
+      <p:ext uri="{BB962C8B-B14F-4D97-AF65-F5344CB8AC3E}">
+        <p14:creationId xmlns:p14="http://schemas.microsoft.com/office/powerpoint/2010/main" val="842931508"/>
+      </p:ext>
+    </p:extLst>
+  </p:cSld>
+  <p:clrMapOvr>
+    <a:masterClrMapping/>
+  </p:clrMapOvr>
+</p:sld>
+</file>
+
+<file path=ppt/slides/slide19.xml><?xml version="1.0" encoding="utf-8"?>
+<p:sld xmlns:a="http://schemas.openxmlformats.org/drawingml/2006/main" xmlns:r="http://schemas.openxmlformats.org/officeDocument/2006/relationships" xmlns:p="http://schemas.openxmlformats.org/presentationml/2006/main">
+  <p:cSld>
+    <p:spTree>
+      <p:nvGrpSpPr>
+        <p:cNvPr id="1" name=""/>
+        <p:cNvGrpSpPr/>
+        <p:nvPr/>
+      </p:nvGrpSpPr>
+      <p:grpSpPr>
+        <a:xfrm>
+          <a:off x="0" y="0"/>
+          <a:ext cx="0" cy="0"/>
+          <a:chOff x="0" y="0"/>
+          <a:chExt cx="0" cy="0"/>
+        </a:xfrm>
+      </p:grpSpPr>
+      <p:sp>
+        <p:nvSpPr>
+          <p:cNvPr id="12" name="正方形/長方形 11">
+            <a:extLst>
+              <a:ext uri="{FF2B5EF4-FFF2-40B4-BE49-F238E27FC236}">
+                <a16:creationId xmlns:a16="http://schemas.microsoft.com/office/drawing/2014/main" id="{8D927366-A2BA-562F-C5A8-9F56A5989CF9}"/>
+              </a:ext>
+            </a:extLst>
+          </p:cNvPr>
+          <p:cNvSpPr/>
+          <p:nvPr/>
+        </p:nvSpPr>
+        <p:spPr>
+          <a:xfrm>
+            <a:off x="0" y="0"/>
+            <a:ext cx="12192000" cy="1261534"/>
+          </a:xfrm>
+          <a:prstGeom prst="rect">
+            <a:avLst/>
+          </a:prstGeom>
         </p:spPr>
         <p:style>
           <a:lnRef idx="2">
@@ -19839,17 +20705,36 @@
           <a:bodyPr rtlCol="0" anchor="ctr"/>
           <a:lstStyle/>
           <a:p>
-            <a:pPr algn="ctr"/>
-            <a:endParaRPr kumimoji="1" lang="ja-JP" altLang="en-US"/>
-          </a:p>
-        </p:txBody>
-      </p:sp>
-      <p:sp>
-        <p:nvSpPr>
-          <p:cNvPr id="33" name="正方形/長方形 32">
-            <a:extLst>
-              <a:ext uri="{FF2B5EF4-FFF2-40B4-BE49-F238E27FC236}">
-                <a16:creationId xmlns:a16="http://schemas.microsoft.com/office/drawing/2014/main" id="{D6357A7E-D885-148F-60AF-0C6B2E788F49}"/>
+            <a:pPr indent="355600"/>
+            <a:r>
+              <a:rPr kumimoji="1" lang="en-US" altLang="ja-JP" sz="5400" dirty="0">
+                <a:solidFill>
+                  <a:schemeClr val="tx1"/>
+                </a:solidFill>
+                <a:latin typeface="ＭＳ Ｐゴシック" panose="020B0600070205080204" pitchFamily="50" charset="-128"/>
+                <a:ea typeface="ＭＳ Ｐゴシック" panose="020B0600070205080204" pitchFamily="50" charset="-128"/>
+              </a:rPr>
+              <a:t>- </a:t>
+            </a:r>
+            <a:r>
+              <a:rPr kumimoji="1" lang="ja-JP" altLang="en-US" sz="5400" dirty="0">
+                <a:solidFill>
+                  <a:schemeClr val="tx1"/>
+                </a:solidFill>
+                <a:latin typeface="ＭＳ Ｐゴシック" panose="020B0600070205080204" pitchFamily="50" charset="-128"/>
+                <a:ea typeface="ＭＳ Ｐゴシック" panose="020B0600070205080204" pitchFamily="50" charset="-128"/>
+              </a:rPr>
+              <a:t>基本構造の実装</a:t>
+            </a:r>
+          </a:p>
+        </p:txBody>
+      </p:sp>
+      <p:sp>
+        <p:nvSpPr>
+          <p:cNvPr id="18" name="正方形/長方形 17">
+            <a:extLst>
+              <a:ext uri="{FF2B5EF4-FFF2-40B4-BE49-F238E27FC236}">
+                <a16:creationId xmlns:a16="http://schemas.microsoft.com/office/drawing/2014/main" id="{61A47339-2C22-8635-668D-B42E11A604D9}"/>
               </a:ext>
             </a:extLst>
           </p:cNvPr>
@@ -19858,15 +20743,12 @@
         </p:nvSpPr>
         <p:spPr>
           <a:xfrm>
-            <a:off x="1463282" y="3726082"/>
-            <a:ext cx="576000" cy="576000"/>
+            <a:off x="0" y="6112933"/>
+            <a:ext cx="12192000" cy="745067"/>
           </a:xfrm>
           <a:prstGeom prst="rect">
             <a:avLst/>
           </a:prstGeom>
-          <a:solidFill>
-            <a:schemeClr val="bg1"/>
-          </a:solidFill>
         </p:spPr>
         <p:style>
           <a:lnRef idx="2">
@@ -19895,559 +20777,20 @@
       </p:sp>
       <p:sp>
         <p:nvSpPr>
-          <p:cNvPr id="34" name="正方形/長方形 33">
-            <a:extLst>
-              <a:ext uri="{FF2B5EF4-FFF2-40B4-BE49-F238E27FC236}">
-                <a16:creationId xmlns:a16="http://schemas.microsoft.com/office/drawing/2014/main" id="{1DDB11F2-C79F-EBEC-E228-C1CFC6F7CEE6}"/>
-              </a:ext>
-            </a:extLst>
-          </p:cNvPr>
-          <p:cNvSpPr/>
+          <p:cNvPr id="9" name="テキスト ボックス 8">
+            <a:extLst>
+              <a:ext uri="{FF2B5EF4-FFF2-40B4-BE49-F238E27FC236}">
+                <a16:creationId xmlns:a16="http://schemas.microsoft.com/office/drawing/2014/main" id="{36ABE67F-62E9-076E-2457-62D7CAD17048}"/>
+              </a:ext>
+            </a:extLst>
+          </p:cNvPr>
+          <p:cNvSpPr txBox="1"/>
           <p:nvPr/>
         </p:nvSpPr>
         <p:spPr>
           <a:xfrm>
-            <a:off x="1464986" y="4378933"/>
-            <a:ext cx="576000" cy="576000"/>
-          </a:xfrm>
-          <a:prstGeom prst="rect">
-            <a:avLst/>
-          </a:prstGeom>
-          <a:solidFill>
-            <a:schemeClr val="bg1"/>
-          </a:solidFill>
-        </p:spPr>
-        <p:style>
-          <a:lnRef idx="2">
-            <a:schemeClr val="accent1">
-              <a:shade val="15000"/>
-            </a:schemeClr>
-          </a:lnRef>
-          <a:fillRef idx="1">
-            <a:schemeClr val="accent1"/>
-          </a:fillRef>
-          <a:effectRef idx="0">
-            <a:schemeClr val="accent1"/>
-          </a:effectRef>
-          <a:fontRef idx="minor">
-            <a:schemeClr val="lt1"/>
-          </a:fontRef>
-        </p:style>
-        <p:txBody>
-          <a:bodyPr rtlCol="0" anchor="ctr"/>
-          <a:lstStyle/>
-          <a:p>
-            <a:pPr algn="ctr"/>
-            <a:endParaRPr kumimoji="1" lang="ja-JP" altLang="en-US"/>
-          </a:p>
-        </p:txBody>
-      </p:sp>
-      <p:sp>
-        <p:nvSpPr>
-          <p:cNvPr id="35" name="正方形/長方形 34">
-            <a:extLst>
-              <a:ext uri="{FF2B5EF4-FFF2-40B4-BE49-F238E27FC236}">
-                <a16:creationId xmlns:a16="http://schemas.microsoft.com/office/drawing/2014/main" id="{804139A1-22EE-E47D-114C-2D34EA24F257}"/>
-              </a:ext>
-            </a:extLst>
-          </p:cNvPr>
-          <p:cNvSpPr/>
-          <p:nvPr/>
-        </p:nvSpPr>
-        <p:spPr>
-          <a:xfrm>
-            <a:off x="1466690" y="5031784"/>
-            <a:ext cx="576000" cy="576000"/>
-          </a:xfrm>
-          <a:prstGeom prst="rect">
-            <a:avLst/>
-          </a:prstGeom>
-          <a:solidFill>
-            <a:schemeClr val="bg1"/>
-          </a:solidFill>
-        </p:spPr>
-        <p:style>
-          <a:lnRef idx="2">
-            <a:schemeClr val="accent1">
-              <a:shade val="15000"/>
-            </a:schemeClr>
-          </a:lnRef>
-          <a:fillRef idx="1">
-            <a:schemeClr val="accent1"/>
-          </a:fillRef>
-          <a:effectRef idx="0">
-            <a:schemeClr val="accent1"/>
-          </a:effectRef>
-          <a:fontRef idx="minor">
-            <a:schemeClr val="lt1"/>
-          </a:fontRef>
-        </p:style>
-        <p:txBody>
-          <a:bodyPr rtlCol="0" anchor="ctr"/>
-          <a:lstStyle/>
-          <a:p>
-            <a:pPr algn="ctr"/>
-            <a:endParaRPr kumimoji="1" lang="ja-JP" altLang="en-US"/>
-          </a:p>
-        </p:txBody>
-      </p:sp>
-      <p:sp>
-        <p:nvSpPr>
-          <p:cNvPr id="36" name="正方形/長方形 35">
-            <a:extLst>
-              <a:ext uri="{FF2B5EF4-FFF2-40B4-BE49-F238E27FC236}">
-                <a16:creationId xmlns:a16="http://schemas.microsoft.com/office/drawing/2014/main" id="{7C29AD61-9E21-16F7-8231-FF619B8DD2DB}"/>
-              </a:ext>
-            </a:extLst>
-          </p:cNvPr>
-          <p:cNvSpPr/>
-          <p:nvPr/>
-        </p:nvSpPr>
-        <p:spPr>
-          <a:xfrm>
-            <a:off x="2106506" y="3726082"/>
-            <a:ext cx="576000" cy="576000"/>
-          </a:xfrm>
-          <a:prstGeom prst="rect">
-            <a:avLst/>
-          </a:prstGeom>
-          <a:solidFill>
-            <a:schemeClr val="bg1"/>
-          </a:solidFill>
-        </p:spPr>
-        <p:style>
-          <a:lnRef idx="2">
-            <a:schemeClr val="accent1">
-              <a:shade val="15000"/>
-            </a:schemeClr>
-          </a:lnRef>
-          <a:fillRef idx="1">
-            <a:schemeClr val="accent1"/>
-          </a:fillRef>
-          <a:effectRef idx="0">
-            <a:schemeClr val="accent1"/>
-          </a:effectRef>
-          <a:fontRef idx="minor">
-            <a:schemeClr val="lt1"/>
-          </a:fontRef>
-        </p:style>
-        <p:txBody>
-          <a:bodyPr rtlCol="0" anchor="ctr"/>
-          <a:lstStyle/>
-          <a:p>
-            <a:pPr algn="ctr"/>
-            <a:endParaRPr kumimoji="1" lang="ja-JP" altLang="en-US"/>
-          </a:p>
-        </p:txBody>
-      </p:sp>
-      <p:sp>
-        <p:nvSpPr>
-          <p:cNvPr id="37" name="正方形/長方形 36">
-            <a:extLst>
-              <a:ext uri="{FF2B5EF4-FFF2-40B4-BE49-F238E27FC236}">
-                <a16:creationId xmlns:a16="http://schemas.microsoft.com/office/drawing/2014/main" id="{41531C7A-BF92-CE52-048C-1D404C7B30EB}"/>
-              </a:ext>
-            </a:extLst>
-          </p:cNvPr>
-          <p:cNvSpPr/>
-          <p:nvPr/>
-        </p:nvSpPr>
-        <p:spPr>
-          <a:xfrm>
-            <a:off x="2106506" y="4378933"/>
-            <a:ext cx="576000" cy="576000"/>
-          </a:xfrm>
-          <a:prstGeom prst="rect">
-            <a:avLst/>
-          </a:prstGeom>
-          <a:solidFill>
-            <a:schemeClr val="bg1"/>
-          </a:solidFill>
-        </p:spPr>
-        <p:style>
-          <a:lnRef idx="2">
-            <a:schemeClr val="accent1">
-              <a:shade val="15000"/>
-            </a:schemeClr>
-          </a:lnRef>
-          <a:fillRef idx="1">
-            <a:schemeClr val="accent1"/>
-          </a:fillRef>
-          <a:effectRef idx="0">
-            <a:schemeClr val="accent1"/>
-          </a:effectRef>
-          <a:fontRef idx="minor">
-            <a:schemeClr val="lt1"/>
-          </a:fontRef>
-        </p:style>
-        <p:txBody>
-          <a:bodyPr rtlCol="0" anchor="ctr"/>
-          <a:lstStyle/>
-          <a:p>
-            <a:pPr algn="ctr"/>
-            <a:endParaRPr kumimoji="1" lang="ja-JP" altLang="en-US"/>
-          </a:p>
-        </p:txBody>
-      </p:sp>
-      <p:sp>
-        <p:nvSpPr>
-          <p:cNvPr id="38" name="正方形/長方形 37">
-            <a:extLst>
-              <a:ext uri="{FF2B5EF4-FFF2-40B4-BE49-F238E27FC236}">
-                <a16:creationId xmlns:a16="http://schemas.microsoft.com/office/drawing/2014/main" id="{87FF5CA3-3F54-855D-2A89-E54F685CFF6B}"/>
-              </a:ext>
-            </a:extLst>
-          </p:cNvPr>
-          <p:cNvSpPr/>
-          <p:nvPr/>
-        </p:nvSpPr>
-        <p:spPr>
-          <a:xfrm>
-            <a:off x="2106506" y="5031784"/>
-            <a:ext cx="576000" cy="576000"/>
-          </a:xfrm>
-          <a:prstGeom prst="rect">
-            <a:avLst/>
-          </a:prstGeom>
-          <a:solidFill>
-            <a:schemeClr val="bg1"/>
-          </a:solidFill>
-        </p:spPr>
-        <p:style>
-          <a:lnRef idx="2">
-            <a:schemeClr val="accent1">
-              <a:shade val="15000"/>
-            </a:schemeClr>
-          </a:lnRef>
-          <a:fillRef idx="1">
-            <a:schemeClr val="accent1"/>
-          </a:fillRef>
-          <a:effectRef idx="0">
-            <a:schemeClr val="accent1"/>
-          </a:effectRef>
-          <a:fontRef idx="minor">
-            <a:schemeClr val="lt1"/>
-          </a:fontRef>
-        </p:style>
-        <p:txBody>
-          <a:bodyPr rtlCol="0" anchor="ctr"/>
-          <a:lstStyle/>
-          <a:p>
-            <a:pPr algn="ctr"/>
-            <a:endParaRPr kumimoji="1" lang="ja-JP" altLang="en-US"/>
-          </a:p>
-        </p:txBody>
-      </p:sp>
-      <p:sp>
-        <p:nvSpPr>
-          <p:cNvPr id="39" name="正方形/長方形 38">
-            <a:extLst>
-              <a:ext uri="{FF2B5EF4-FFF2-40B4-BE49-F238E27FC236}">
-                <a16:creationId xmlns:a16="http://schemas.microsoft.com/office/drawing/2014/main" id="{2C0A8DF3-BD59-08E8-B21B-26CCA820388C}"/>
-              </a:ext>
-            </a:extLst>
-          </p:cNvPr>
-          <p:cNvSpPr/>
-          <p:nvPr/>
-        </p:nvSpPr>
-        <p:spPr>
-          <a:xfrm>
-            <a:off x="2758782" y="3723177"/>
-            <a:ext cx="576000" cy="576000"/>
-          </a:xfrm>
-          <a:prstGeom prst="rect">
-            <a:avLst/>
-          </a:prstGeom>
-          <a:solidFill>
-            <a:schemeClr val="bg1"/>
-          </a:solidFill>
-        </p:spPr>
-        <p:style>
-          <a:lnRef idx="2">
-            <a:schemeClr val="accent1">
-              <a:shade val="15000"/>
-            </a:schemeClr>
-          </a:lnRef>
-          <a:fillRef idx="1">
-            <a:schemeClr val="accent1"/>
-          </a:fillRef>
-          <a:effectRef idx="0">
-            <a:schemeClr val="accent1"/>
-          </a:effectRef>
-          <a:fontRef idx="minor">
-            <a:schemeClr val="lt1"/>
-          </a:fontRef>
-        </p:style>
-        <p:txBody>
-          <a:bodyPr rtlCol="0" anchor="ctr"/>
-          <a:lstStyle/>
-          <a:p>
-            <a:pPr algn="ctr"/>
-            <a:endParaRPr kumimoji="1" lang="ja-JP" altLang="en-US"/>
-          </a:p>
-        </p:txBody>
-      </p:sp>
-      <p:sp>
-        <p:nvSpPr>
-          <p:cNvPr id="40" name="正方形/長方形 39">
-            <a:extLst>
-              <a:ext uri="{FF2B5EF4-FFF2-40B4-BE49-F238E27FC236}">
-                <a16:creationId xmlns:a16="http://schemas.microsoft.com/office/drawing/2014/main" id="{D5529E3C-5F11-0BB0-3B00-8C41BEFBDA43}"/>
-              </a:ext>
-            </a:extLst>
-          </p:cNvPr>
-          <p:cNvSpPr/>
-          <p:nvPr/>
-        </p:nvSpPr>
-        <p:spPr>
-          <a:xfrm>
-            <a:off x="2762394" y="4376954"/>
-            <a:ext cx="576000" cy="576000"/>
-          </a:xfrm>
-          <a:prstGeom prst="rect">
-            <a:avLst/>
-          </a:prstGeom>
-          <a:solidFill>
-            <a:schemeClr val="bg1"/>
-          </a:solidFill>
-        </p:spPr>
-        <p:style>
-          <a:lnRef idx="2">
-            <a:schemeClr val="accent1">
-              <a:shade val="15000"/>
-            </a:schemeClr>
-          </a:lnRef>
-          <a:fillRef idx="1">
-            <a:schemeClr val="accent1"/>
-          </a:fillRef>
-          <a:effectRef idx="0">
-            <a:schemeClr val="accent1"/>
-          </a:effectRef>
-          <a:fontRef idx="minor">
-            <a:schemeClr val="lt1"/>
-          </a:fontRef>
-        </p:style>
-        <p:txBody>
-          <a:bodyPr rtlCol="0" anchor="ctr"/>
-          <a:lstStyle/>
-          <a:p>
-            <a:pPr algn="ctr"/>
-            <a:endParaRPr kumimoji="1" lang="ja-JP" altLang="en-US"/>
-          </a:p>
-        </p:txBody>
-      </p:sp>
-      <p:sp>
-        <p:nvSpPr>
-          <p:cNvPr id="41" name="正方形/長方形 40">
-            <a:extLst>
-              <a:ext uri="{FF2B5EF4-FFF2-40B4-BE49-F238E27FC236}">
-                <a16:creationId xmlns:a16="http://schemas.microsoft.com/office/drawing/2014/main" id="{D8D7D552-3FBE-5503-613B-FEA904DF6959}"/>
-              </a:ext>
-            </a:extLst>
-          </p:cNvPr>
-          <p:cNvSpPr/>
-          <p:nvPr/>
-        </p:nvSpPr>
-        <p:spPr>
-          <a:xfrm>
-            <a:off x="2761916" y="5031784"/>
-            <a:ext cx="576000" cy="576000"/>
-          </a:xfrm>
-          <a:prstGeom prst="rect">
-            <a:avLst/>
-          </a:prstGeom>
-          <a:solidFill>
-            <a:schemeClr val="bg1"/>
-          </a:solidFill>
-        </p:spPr>
-        <p:style>
-          <a:lnRef idx="2">
-            <a:schemeClr val="accent1">
-              <a:shade val="15000"/>
-            </a:schemeClr>
-          </a:lnRef>
-          <a:fillRef idx="1">
-            <a:schemeClr val="accent1"/>
-          </a:fillRef>
-          <a:effectRef idx="0">
-            <a:schemeClr val="accent1"/>
-          </a:effectRef>
-          <a:fontRef idx="minor">
-            <a:schemeClr val="lt1"/>
-          </a:fontRef>
-        </p:style>
-        <p:txBody>
-          <a:bodyPr rtlCol="0" anchor="ctr"/>
-          <a:lstStyle/>
-          <a:p>
-            <a:pPr algn="ctr"/>
-            <a:endParaRPr kumimoji="1" lang="ja-JP" altLang="en-US"/>
-          </a:p>
-        </p:txBody>
-      </p:sp>
-      <p:sp>
-        <p:nvSpPr>
-          <p:cNvPr id="42" name="正方形/長方形 41">
-            <a:extLst>
-              <a:ext uri="{FF2B5EF4-FFF2-40B4-BE49-F238E27FC236}">
-                <a16:creationId xmlns:a16="http://schemas.microsoft.com/office/drawing/2014/main" id="{F8C1DD8B-9A89-DF72-AE2F-4DA2E41251D0}"/>
-              </a:ext>
-            </a:extLst>
-          </p:cNvPr>
-          <p:cNvSpPr/>
-          <p:nvPr/>
-        </p:nvSpPr>
-        <p:spPr>
-          <a:xfrm>
-            <a:off x="3396296" y="3723177"/>
-            <a:ext cx="576000" cy="576000"/>
-          </a:xfrm>
-          <a:prstGeom prst="rect">
-            <a:avLst/>
-          </a:prstGeom>
-          <a:solidFill>
-            <a:schemeClr val="bg1"/>
-          </a:solidFill>
-        </p:spPr>
-        <p:style>
-          <a:lnRef idx="2">
-            <a:schemeClr val="accent1">
-              <a:shade val="15000"/>
-            </a:schemeClr>
-          </a:lnRef>
-          <a:fillRef idx="1">
-            <a:schemeClr val="accent1"/>
-          </a:fillRef>
-          <a:effectRef idx="0">
-            <a:schemeClr val="accent1"/>
-          </a:effectRef>
-          <a:fontRef idx="minor">
-            <a:schemeClr val="lt1"/>
-          </a:fontRef>
-        </p:style>
-        <p:txBody>
-          <a:bodyPr rtlCol="0" anchor="ctr"/>
-          <a:lstStyle/>
-          <a:p>
-            <a:pPr algn="ctr"/>
-            <a:endParaRPr kumimoji="1" lang="ja-JP" altLang="en-US"/>
-          </a:p>
-        </p:txBody>
-      </p:sp>
-      <p:sp>
-        <p:nvSpPr>
-          <p:cNvPr id="43" name="正方形/長方形 42">
-            <a:extLst>
-              <a:ext uri="{FF2B5EF4-FFF2-40B4-BE49-F238E27FC236}">
-                <a16:creationId xmlns:a16="http://schemas.microsoft.com/office/drawing/2014/main" id="{E37520DE-C402-9814-0003-E43E15EA59D9}"/>
-              </a:ext>
-            </a:extLst>
-          </p:cNvPr>
-          <p:cNvSpPr/>
-          <p:nvPr/>
-        </p:nvSpPr>
-        <p:spPr>
-          <a:xfrm>
-            <a:off x="3396296" y="4365979"/>
-            <a:ext cx="576000" cy="576000"/>
-          </a:xfrm>
-          <a:prstGeom prst="rect">
-            <a:avLst/>
-          </a:prstGeom>
-          <a:solidFill>
-            <a:schemeClr val="bg1"/>
-          </a:solidFill>
-        </p:spPr>
-        <p:style>
-          <a:lnRef idx="2">
-            <a:schemeClr val="accent1">
-              <a:shade val="15000"/>
-            </a:schemeClr>
-          </a:lnRef>
-          <a:fillRef idx="1">
-            <a:schemeClr val="accent1"/>
-          </a:fillRef>
-          <a:effectRef idx="0">
-            <a:schemeClr val="accent1"/>
-          </a:effectRef>
-          <a:fontRef idx="minor">
-            <a:schemeClr val="lt1"/>
-          </a:fontRef>
-        </p:style>
-        <p:txBody>
-          <a:bodyPr rtlCol="0" anchor="ctr"/>
-          <a:lstStyle/>
-          <a:p>
-            <a:pPr algn="ctr"/>
-            <a:endParaRPr kumimoji="1" lang="ja-JP" altLang="en-US"/>
-          </a:p>
-        </p:txBody>
-      </p:sp>
-      <p:sp>
-        <p:nvSpPr>
-          <p:cNvPr id="44" name="正方形/長方形 43">
-            <a:extLst>
-              <a:ext uri="{FF2B5EF4-FFF2-40B4-BE49-F238E27FC236}">
-                <a16:creationId xmlns:a16="http://schemas.microsoft.com/office/drawing/2014/main" id="{2295CAC7-9759-CF0C-6B80-8144F7C1EBCC}"/>
-              </a:ext>
-            </a:extLst>
-          </p:cNvPr>
-          <p:cNvSpPr/>
-          <p:nvPr/>
-        </p:nvSpPr>
-        <p:spPr>
-          <a:xfrm>
-            <a:off x="3396296" y="5023069"/>
-            <a:ext cx="576000" cy="576000"/>
-          </a:xfrm>
-          <a:prstGeom prst="rect">
-            <a:avLst/>
-          </a:prstGeom>
-          <a:solidFill>
-            <a:schemeClr val="bg1"/>
-          </a:solidFill>
-        </p:spPr>
-        <p:style>
-          <a:lnRef idx="2">
-            <a:schemeClr val="accent1">
-              <a:shade val="15000"/>
-            </a:schemeClr>
-          </a:lnRef>
-          <a:fillRef idx="1">
-            <a:schemeClr val="accent1"/>
-          </a:fillRef>
-          <a:effectRef idx="0">
-            <a:schemeClr val="accent1"/>
-          </a:effectRef>
-          <a:fontRef idx="minor">
-            <a:schemeClr val="lt1"/>
-          </a:fontRef>
-        </p:style>
-        <p:txBody>
-          <a:bodyPr rtlCol="0" anchor="ctr"/>
-          <a:lstStyle/>
-          <a:p>
-            <a:pPr algn="ctr"/>
-            <a:endParaRPr kumimoji="1" lang="ja-JP" altLang="en-US"/>
-          </a:p>
-        </p:txBody>
-      </p:sp>
-      <p:sp>
-        <p:nvSpPr>
-          <p:cNvPr id="2" name="テキスト ボックス 1">
-            <a:extLst>
-              <a:ext uri="{FF2B5EF4-FFF2-40B4-BE49-F238E27FC236}">
-                <a16:creationId xmlns:a16="http://schemas.microsoft.com/office/drawing/2014/main" id="{B7CA0AA6-C9AD-C4F1-5A6B-5178D8048F69}"/>
-              </a:ext>
-            </a:extLst>
-          </p:cNvPr>
-          <p:cNvSpPr txBox="1"/>
-          <p:nvPr/>
-        </p:nvSpPr>
-        <p:spPr>
-          <a:xfrm>
-            <a:off x="5811958" y="1545312"/>
-            <a:ext cx="6002866" cy="2862322"/>
+            <a:off x="372535" y="1537646"/>
+            <a:ext cx="9905998" cy="369332"/>
           </a:xfrm>
           <a:prstGeom prst="rect">
             <a:avLst/>
@@ -20460,136 +20803,105 @@
           </a:bodyPr>
           <a:lstStyle/>
           <a:p>
-            <a:r>
-              <a:rPr kumimoji="1" lang="ja-JP" altLang="en-US" dirty="0"/>
-              <a:t>次に「</a:t>
-            </a:r>
-            <a:r>
-              <a:rPr kumimoji="1" lang="en-US" altLang="ja-JP" dirty="0"/>
-              <a:t>2. </a:t>
-            </a:r>
-            <a:r>
-              <a:rPr kumimoji="1" lang="ja-JP" altLang="en-US" dirty="0"/>
-              <a:t>ゲームの基本構造の実装」をします。以下にゲームのレイアウトを記述するので、</a:t>
-            </a:r>
-            <a:r>
-              <a:rPr kumimoji="1" lang="en-US" altLang="ja-JP" dirty="0"/>
-              <a:t>HTML</a:t>
-            </a:r>
-            <a:r>
-              <a:rPr kumimoji="1" lang="ja-JP" altLang="en-US" dirty="0"/>
-              <a:t>と</a:t>
-            </a:r>
-            <a:r>
-              <a:rPr kumimoji="1" lang="en-US" altLang="ja-JP" dirty="0"/>
-              <a:t>CSS</a:t>
-            </a:r>
-            <a:r>
-              <a:rPr kumimoji="1" lang="ja-JP" altLang="en-US" dirty="0"/>
-              <a:t>を作成してください。</a:t>
-            </a:r>
-            <a:br>
-              <a:rPr kumimoji="1" lang="en-US" altLang="ja-JP" dirty="0"/>
-            </a:br>
-            <a:r>
-              <a:rPr kumimoji="1" lang="en-US" altLang="ja-JP" dirty="0"/>
-              <a:t>----</a:t>
-            </a:r>
-            <a:br>
-              <a:rPr kumimoji="1" lang="en-US" altLang="ja-JP" dirty="0"/>
-            </a:br>
-            <a:r>
-              <a:rPr kumimoji="1" lang="ja-JP" altLang="en-US" dirty="0"/>
-              <a:t>タイトル </a:t>
-            </a:r>
-            <a:r>
-              <a:rPr kumimoji="1" lang="en-US" altLang="ja-JP" dirty="0"/>
-              <a:t>: </a:t>
-            </a:r>
-            <a:r>
-              <a:rPr kumimoji="1" lang="ja-JP" altLang="en-US" dirty="0"/>
-              <a:t>左上に「</a:t>
-            </a:r>
-            <a:r>
-              <a:rPr kumimoji="1" lang="en-US" altLang="ja-JP" dirty="0"/>
-              <a:t>2048</a:t>
-            </a:r>
-            <a:r>
-              <a:rPr kumimoji="1" lang="ja-JP" altLang="en-US" dirty="0"/>
-              <a:t>」と表示。</a:t>
-            </a:r>
-            <a:br>
-              <a:rPr kumimoji="1" lang="en-US" altLang="ja-JP" dirty="0"/>
-            </a:br>
-            <a:r>
-              <a:rPr kumimoji="1" lang="ja-JP" altLang="en-US" dirty="0"/>
-              <a:t>スコアボード </a:t>
-            </a:r>
-            <a:r>
-              <a:rPr kumimoji="1" lang="en-US" altLang="ja-JP" dirty="0"/>
-              <a:t>: </a:t>
-            </a:r>
-            <a:r>
-              <a:rPr kumimoji="1" lang="ja-JP" altLang="en-US" dirty="0"/>
-              <a:t>右上に「</a:t>
-            </a:r>
-            <a:r>
-              <a:rPr kumimoji="1" lang="en-US" altLang="ja-JP" dirty="0"/>
-              <a:t>score : 0</a:t>
-            </a:r>
-            <a:r>
-              <a:rPr kumimoji="1" lang="ja-JP" altLang="en-US" dirty="0"/>
-              <a:t>」と表示。数字はゲームプレイ中に変化します。</a:t>
-            </a:r>
-            <a:br>
-              <a:rPr kumimoji="1" lang="en-US" altLang="ja-JP" dirty="0"/>
-            </a:br>
-            <a:r>
-              <a:rPr kumimoji="1" lang="ja-JP" altLang="en-US" dirty="0"/>
-              <a:t>ゲームボード </a:t>
-            </a:r>
-            <a:r>
-              <a:rPr kumimoji="1" lang="en-US" altLang="ja-JP" dirty="0"/>
-              <a:t>: </a:t>
-            </a:r>
-            <a:r>
-              <a:rPr kumimoji="1" lang="ja-JP" altLang="en-US" dirty="0"/>
-              <a:t>中央の下に</a:t>
-            </a:r>
-            <a:r>
-              <a:rPr kumimoji="1" lang="en-US" altLang="ja-JP" dirty="0"/>
-              <a:t>4×4</a:t>
-            </a:r>
-            <a:r>
-              <a:rPr kumimoji="1" lang="ja-JP" altLang="en-US" dirty="0"/>
-              <a:t>のグリッドで表示。</a:t>
-            </a:r>
-            <a:br>
-              <a:rPr kumimoji="1" lang="en-US" altLang="ja-JP" dirty="0"/>
-            </a:br>
-            <a:r>
-              <a:rPr kumimoji="1" lang="en-US" altLang="ja-JP" dirty="0"/>
-              <a:t>Retry</a:t>
-            </a:r>
-            <a:r>
-              <a:rPr kumimoji="1" lang="ja-JP" altLang="en-US" dirty="0"/>
-              <a:t>ボタン </a:t>
-            </a:r>
-            <a:r>
-              <a:rPr kumimoji="1" lang="en-US" altLang="ja-JP" dirty="0"/>
-              <a:t>: </a:t>
-            </a:r>
-            <a:r>
-              <a:rPr kumimoji="1" lang="ja-JP" altLang="en-US" dirty="0"/>
-              <a:t>ゲームボードの中央に表示。デフォルトでは非表示にする。</a:t>
-            </a:r>
-          </a:p>
-        </p:txBody>
-      </p:sp>
+            <a:pPr marL="285750" indent="-285750">
+              <a:buFont typeface="Wingdings" panose="05000000000000000000" pitchFamily="2" charset="2"/>
+              <a:buChar char="ü"/>
+            </a:pPr>
+            <a:r>
+              <a:rPr kumimoji="1" lang="ja-JP" altLang="en-US" dirty="0">
+                <a:latin typeface="ＭＳ Ｐゴシック" panose="020B0600070205080204" pitchFamily="50" charset="-128"/>
+                <a:ea typeface="ＭＳ Ｐゴシック" panose="020B0600070205080204" pitchFamily="50" charset="-128"/>
+              </a:rPr>
+              <a:t>テキストでデザインを細かく指定 </a:t>
+            </a:r>
+            <a:r>
+              <a:rPr kumimoji="1" lang="en-US" altLang="ja-JP" dirty="0">
+                <a:latin typeface="ＭＳ Ｐゴシック" panose="020B0600070205080204" pitchFamily="50" charset="-128"/>
+                <a:ea typeface="ＭＳ Ｐゴシック" panose="020B0600070205080204" pitchFamily="50" charset="-128"/>
+              </a:rPr>
+              <a:t>(</a:t>
+            </a:r>
+            <a:r>
+              <a:rPr kumimoji="1" lang="ja-JP" altLang="en-US" dirty="0">
+                <a:latin typeface="ＭＳ Ｐゴシック" panose="020B0600070205080204" pitchFamily="50" charset="-128"/>
+                <a:ea typeface="ＭＳ Ｐゴシック" panose="020B0600070205080204" pitchFamily="50" charset="-128"/>
+              </a:rPr>
+              <a:t>小分けにして入力</a:t>
+            </a:r>
+            <a:r>
+              <a:rPr kumimoji="1" lang="en-US" altLang="ja-JP" dirty="0">
+                <a:latin typeface="ＭＳ Ｐゴシック" panose="020B0600070205080204" pitchFamily="50" charset="-128"/>
+                <a:ea typeface="ＭＳ Ｐゴシック" panose="020B0600070205080204" pitchFamily="50" charset="-128"/>
+              </a:rPr>
+              <a:t>)</a:t>
+            </a:r>
+          </a:p>
+        </p:txBody>
+      </p:sp>
+      <mc:AlternateContent xmlns:mc="http://schemas.openxmlformats.org/markup-compatibility/2006">
+        <mc:Choice xmlns:we="http://schemas.microsoft.com/office/webextensions/webextension/2010/11" xmlns:pca="http://schemas.microsoft.com/office/powerpoint/2013/contentapp" Requires="we pca">
+          <p:graphicFrame>
+            <p:nvGraphicFramePr>
+              <p:cNvPr id="4" name="アドイン 3">
+                <a:extLst>
+                  <a:ext uri="{FF2B5EF4-FFF2-40B4-BE49-F238E27FC236}">
+                    <a16:creationId xmlns:a16="http://schemas.microsoft.com/office/drawing/2014/main" id="{03C507D9-4FCF-57C5-C1D8-FAC00ADC581E}"/>
+                  </a:ext>
+                </a:extLst>
+              </p:cNvPr>
+              <p:cNvGraphicFramePr>
+                <a:graphicFrameLocks noGrp="1"/>
+              </p:cNvGraphicFramePr>
+              <p:nvPr/>
+            </p:nvGraphicFramePr>
+            <p:xfrm>
+              <a:off x="694267" y="1906978"/>
+              <a:ext cx="9144000" cy="4121289"/>
+            </p:xfrm>
+            <a:graphic>
+              <a:graphicData uri="http://schemas.microsoft.com/office/webextensions/webextension/2010/11">
+                <we:webextensionref xmlns:we="http://schemas.microsoft.com/office/webextensions/webextension/2010/11" xmlns:r="http://schemas.openxmlformats.org/officeDocument/2006/relationships" r:id="rId2"/>
+              </a:graphicData>
+            </a:graphic>
+          </p:graphicFrame>
+        </mc:Choice>
+        <mc:Fallback>
+          <p:pic>
+            <p:nvPicPr>
+              <p:cNvPr id="4" name="アドイン 3">
+                <a:extLst>
+                  <a:ext uri="{FF2B5EF4-FFF2-40B4-BE49-F238E27FC236}">
+                    <a16:creationId xmlns:a16="http://schemas.microsoft.com/office/drawing/2014/main" id="{03C507D9-4FCF-57C5-C1D8-FAC00ADC581E}"/>
+                  </a:ext>
+                </a:extLst>
+              </p:cNvPr>
+              <p:cNvPicPr>
+                <a:picLocks noGrp="1" noRot="1" noChangeAspect="1" noMove="1" noResize="1" noEditPoints="1" noAdjustHandles="1" noChangeArrowheads="1" noChangeShapeType="1"/>
+              </p:cNvPicPr>
+              <p:nvPr/>
+            </p:nvPicPr>
+            <p:blipFill>
+              <a:blip r:embed="rId3"/>
+              <a:stretch>
+                <a:fillRect/>
+              </a:stretch>
+            </p:blipFill>
+            <p:spPr>
+              <a:xfrm>
+                <a:off x="694267" y="1906978"/>
+                <a:ext cx="9144000" cy="4121289"/>
+              </a:xfrm>
+              <a:prstGeom prst="rect">
+                <a:avLst/>
+              </a:prstGeom>
+            </p:spPr>
+          </p:pic>
+        </mc:Fallback>
+      </mc:AlternateContent>
     </p:spTree>
     <p:extLst>
       <p:ext uri="{BB962C8B-B14F-4D97-AF65-F5344CB8AC3E}">
-        <p14:creationId xmlns:p14="http://schemas.microsoft.com/office/powerpoint/2010/main" val="41144187"/>
+        <p14:creationId xmlns:p14="http://schemas.microsoft.com/office/powerpoint/2010/main" val="1752930266"/>
       </p:ext>
     </p:extLst>
   </p:cSld>
@@ -21421,6 +21733,3296 @@
     <p:extLst>
       <p:ext uri="{BB962C8B-B14F-4D97-AF65-F5344CB8AC3E}">
         <p14:creationId xmlns:p14="http://schemas.microsoft.com/office/powerpoint/2010/main" val="1396301701"/>
+      </p:ext>
+    </p:extLst>
+  </p:cSld>
+  <p:clrMapOvr>
+    <a:masterClrMapping/>
+  </p:clrMapOvr>
+</p:sld>
+</file>
+
+<file path=ppt/slides/slide20.xml><?xml version="1.0" encoding="utf-8"?>
+<p:sld xmlns:a="http://schemas.openxmlformats.org/drawingml/2006/main" xmlns:r="http://schemas.openxmlformats.org/officeDocument/2006/relationships" xmlns:p="http://schemas.openxmlformats.org/presentationml/2006/main">
+  <p:cSld>
+    <p:spTree>
+      <p:nvGrpSpPr>
+        <p:cNvPr id="1" name=""/>
+        <p:cNvGrpSpPr/>
+        <p:nvPr/>
+      </p:nvGrpSpPr>
+      <p:grpSpPr>
+        <a:xfrm>
+          <a:off x="0" y="0"/>
+          <a:ext cx="0" cy="0"/>
+          <a:chOff x="0" y="0"/>
+          <a:chExt cx="0" cy="0"/>
+        </a:xfrm>
+      </p:grpSpPr>
+      <p:sp>
+        <p:nvSpPr>
+          <p:cNvPr id="12" name="正方形/長方形 11">
+            <a:extLst>
+              <a:ext uri="{FF2B5EF4-FFF2-40B4-BE49-F238E27FC236}">
+                <a16:creationId xmlns:a16="http://schemas.microsoft.com/office/drawing/2014/main" id="{8D927366-A2BA-562F-C5A8-9F56A5989CF9}"/>
+              </a:ext>
+            </a:extLst>
+          </p:cNvPr>
+          <p:cNvSpPr/>
+          <p:nvPr/>
+        </p:nvSpPr>
+        <p:spPr>
+          <a:xfrm>
+            <a:off x="0" y="0"/>
+            <a:ext cx="12192000" cy="1261534"/>
+          </a:xfrm>
+          <a:prstGeom prst="rect">
+            <a:avLst/>
+          </a:prstGeom>
+        </p:spPr>
+        <p:style>
+          <a:lnRef idx="2">
+            <a:schemeClr val="accent1">
+              <a:shade val="15000"/>
+            </a:schemeClr>
+          </a:lnRef>
+          <a:fillRef idx="1">
+            <a:schemeClr val="accent1"/>
+          </a:fillRef>
+          <a:effectRef idx="0">
+            <a:schemeClr val="accent1"/>
+          </a:effectRef>
+          <a:fontRef idx="minor">
+            <a:schemeClr val="lt1"/>
+          </a:fontRef>
+        </p:style>
+        <p:txBody>
+          <a:bodyPr rtlCol="0" anchor="ctr"/>
+          <a:lstStyle/>
+          <a:p>
+            <a:pPr indent="355600"/>
+            <a:r>
+              <a:rPr kumimoji="1" lang="en-US" altLang="ja-JP" sz="5400" dirty="0">
+                <a:solidFill>
+                  <a:schemeClr val="tx1"/>
+                </a:solidFill>
+                <a:latin typeface="ＭＳ Ｐゴシック" panose="020B0600070205080204" pitchFamily="50" charset="-128"/>
+                <a:ea typeface="ＭＳ Ｐゴシック" panose="020B0600070205080204" pitchFamily="50" charset="-128"/>
+              </a:rPr>
+              <a:t>- </a:t>
+            </a:r>
+            <a:r>
+              <a:rPr kumimoji="1" lang="ja-JP" altLang="en-US" sz="5400" dirty="0">
+                <a:solidFill>
+                  <a:schemeClr val="tx1"/>
+                </a:solidFill>
+                <a:latin typeface="ＭＳ Ｐゴシック" panose="020B0600070205080204" pitchFamily="50" charset="-128"/>
+                <a:ea typeface="ＭＳ Ｐゴシック" panose="020B0600070205080204" pitchFamily="50" charset="-128"/>
+              </a:rPr>
+              <a:t>基本構造の実装</a:t>
+            </a:r>
+          </a:p>
+        </p:txBody>
+      </p:sp>
+      <p:sp>
+        <p:nvSpPr>
+          <p:cNvPr id="18" name="正方形/長方形 17">
+            <a:extLst>
+              <a:ext uri="{FF2B5EF4-FFF2-40B4-BE49-F238E27FC236}">
+                <a16:creationId xmlns:a16="http://schemas.microsoft.com/office/drawing/2014/main" id="{61A47339-2C22-8635-668D-B42E11A604D9}"/>
+              </a:ext>
+            </a:extLst>
+          </p:cNvPr>
+          <p:cNvSpPr/>
+          <p:nvPr/>
+        </p:nvSpPr>
+        <p:spPr>
+          <a:xfrm>
+            <a:off x="0" y="6112933"/>
+            <a:ext cx="12192000" cy="745067"/>
+          </a:xfrm>
+          <a:prstGeom prst="rect">
+            <a:avLst/>
+          </a:prstGeom>
+        </p:spPr>
+        <p:style>
+          <a:lnRef idx="2">
+            <a:schemeClr val="accent1">
+              <a:shade val="15000"/>
+            </a:schemeClr>
+          </a:lnRef>
+          <a:fillRef idx="1">
+            <a:schemeClr val="accent1"/>
+          </a:fillRef>
+          <a:effectRef idx="0">
+            <a:schemeClr val="accent1"/>
+          </a:effectRef>
+          <a:fontRef idx="minor">
+            <a:schemeClr val="lt1"/>
+          </a:fontRef>
+        </p:style>
+        <p:txBody>
+          <a:bodyPr rtlCol="0" anchor="ctr"/>
+          <a:lstStyle/>
+          <a:p>
+            <a:pPr algn="ctr"/>
+            <a:endParaRPr kumimoji="1" lang="ja-JP" altLang="en-US"/>
+          </a:p>
+        </p:txBody>
+      </p:sp>
+      <p:sp>
+        <p:nvSpPr>
+          <p:cNvPr id="9" name="テキスト ボックス 8">
+            <a:extLst>
+              <a:ext uri="{FF2B5EF4-FFF2-40B4-BE49-F238E27FC236}">
+                <a16:creationId xmlns:a16="http://schemas.microsoft.com/office/drawing/2014/main" id="{36ABE67F-62E9-076E-2457-62D7CAD17048}"/>
+              </a:ext>
+            </a:extLst>
+          </p:cNvPr>
+          <p:cNvSpPr txBox="1"/>
+          <p:nvPr/>
+        </p:nvSpPr>
+        <p:spPr>
+          <a:xfrm>
+            <a:off x="372535" y="1537646"/>
+            <a:ext cx="9905998" cy="369332"/>
+          </a:xfrm>
+          <a:prstGeom prst="rect">
+            <a:avLst/>
+          </a:prstGeom>
+          <a:noFill/>
+        </p:spPr>
+        <p:txBody>
+          <a:bodyPr wrap="square" rtlCol="0">
+            <a:spAutoFit/>
+          </a:bodyPr>
+          <a:lstStyle/>
+          <a:p>
+            <a:pPr marL="285750" indent="-285750">
+              <a:buFont typeface="Wingdings" panose="05000000000000000000" pitchFamily="2" charset="2"/>
+              <a:buChar char="ü"/>
+            </a:pPr>
+            <a:r>
+              <a:rPr kumimoji="1" lang="ja-JP" altLang="en-US" dirty="0">
+                <a:latin typeface="ＭＳ Ｐゴシック" panose="020B0600070205080204" pitchFamily="50" charset="-128"/>
+                <a:ea typeface="ＭＳ Ｐゴシック" panose="020B0600070205080204" pitchFamily="50" charset="-128"/>
+              </a:rPr>
+              <a:t>テキストでデザインを細かく指定 </a:t>
+            </a:r>
+            <a:r>
+              <a:rPr kumimoji="1" lang="en-US" altLang="ja-JP" dirty="0">
+                <a:latin typeface="ＭＳ Ｐゴシック" panose="020B0600070205080204" pitchFamily="50" charset="-128"/>
+                <a:ea typeface="ＭＳ Ｐゴシック" panose="020B0600070205080204" pitchFamily="50" charset="-128"/>
+              </a:rPr>
+              <a:t>(</a:t>
+            </a:r>
+            <a:r>
+              <a:rPr kumimoji="1" lang="ja-JP" altLang="en-US" dirty="0">
+                <a:latin typeface="ＭＳ Ｐゴシック" panose="020B0600070205080204" pitchFamily="50" charset="-128"/>
+                <a:ea typeface="ＭＳ Ｐゴシック" panose="020B0600070205080204" pitchFamily="50" charset="-128"/>
+              </a:rPr>
+              <a:t>小分けにして入力</a:t>
+            </a:r>
+            <a:r>
+              <a:rPr kumimoji="1" lang="en-US" altLang="ja-JP" dirty="0">
+                <a:latin typeface="ＭＳ Ｐゴシック" panose="020B0600070205080204" pitchFamily="50" charset="-128"/>
+                <a:ea typeface="ＭＳ Ｐゴシック" panose="020B0600070205080204" pitchFamily="50" charset="-128"/>
+              </a:rPr>
+              <a:t>)</a:t>
+            </a:r>
+          </a:p>
+        </p:txBody>
+      </p:sp>
+      <p:pic>
+        <p:nvPicPr>
+          <p:cNvPr id="3" name="図 2" descr="電子機器, 座る, 光, キーボード が含まれている画像&#10;&#10;自動的に生成された説明">
+            <a:extLst>
+              <a:ext uri="{FF2B5EF4-FFF2-40B4-BE49-F238E27FC236}">
+                <a16:creationId xmlns:a16="http://schemas.microsoft.com/office/drawing/2014/main" id="{C7CFE849-85CF-77FD-0F51-625CE24A11F8}"/>
+              </a:ext>
+            </a:extLst>
+          </p:cNvPr>
+          <p:cNvPicPr>
+            <a:picLocks noChangeAspect="1"/>
+          </p:cNvPicPr>
+          <p:nvPr/>
+        </p:nvPicPr>
+        <p:blipFill>
+          <a:blip r:embed="rId2">
+            <a:extLst>
+              <a:ext uri="{28A0092B-C50C-407E-A947-70E740481C1C}">
+                <a14:useLocalDpi xmlns:a14="http://schemas.microsoft.com/office/drawing/2010/main" val="0"/>
+              </a:ext>
+            </a:extLst>
+          </a:blip>
+          <a:stretch>
+            <a:fillRect/>
+          </a:stretch>
+        </p:blipFill>
+        <p:spPr>
+          <a:xfrm>
+            <a:off x="1414711" y="3258766"/>
+            <a:ext cx="2464701" cy="2435619"/>
+          </a:xfrm>
+          <a:prstGeom prst="rect">
+            <a:avLst/>
+          </a:prstGeom>
+        </p:spPr>
+      </p:pic>
+      <p:pic>
+        <p:nvPicPr>
+          <p:cNvPr id="6" name="図 5" descr="カレンダー&#10;&#10;中程度の精度で自動的に生成された説明">
+            <a:extLst>
+              <a:ext uri="{FF2B5EF4-FFF2-40B4-BE49-F238E27FC236}">
+                <a16:creationId xmlns:a16="http://schemas.microsoft.com/office/drawing/2014/main" id="{A0DA98B1-0C37-B69F-A158-3DAEAE7DC8EE}"/>
+              </a:ext>
+            </a:extLst>
+          </p:cNvPr>
+          <p:cNvPicPr>
+            <a:picLocks noChangeAspect="1"/>
+          </p:cNvPicPr>
+          <p:nvPr/>
+        </p:nvPicPr>
+        <p:blipFill>
+          <a:blip r:embed="rId3">
+            <a:extLst>
+              <a:ext uri="{28A0092B-C50C-407E-A947-70E740481C1C}">
+                <a14:useLocalDpi xmlns:a14="http://schemas.microsoft.com/office/drawing/2010/main" val="0"/>
+              </a:ext>
+            </a:extLst>
+          </a:blip>
+          <a:stretch>
+            <a:fillRect/>
+          </a:stretch>
+        </p:blipFill>
+        <p:spPr>
+          <a:xfrm>
+            <a:off x="4839379" y="2560542"/>
+            <a:ext cx="2513242" cy="3133843"/>
+          </a:xfrm>
+          <a:prstGeom prst="rect">
+            <a:avLst/>
+          </a:prstGeom>
+        </p:spPr>
+      </p:pic>
+      <p:pic>
+        <p:nvPicPr>
+          <p:cNvPr id="8" name="図 7" descr="カレンダー&#10;&#10;低い精度で自動的に生成された説明">
+            <a:extLst>
+              <a:ext uri="{FF2B5EF4-FFF2-40B4-BE49-F238E27FC236}">
+                <a16:creationId xmlns:a16="http://schemas.microsoft.com/office/drawing/2014/main" id="{10D8C281-A31C-D689-FBDA-13A5F28CB6FF}"/>
+              </a:ext>
+            </a:extLst>
+          </p:cNvPr>
+          <p:cNvPicPr>
+            <a:picLocks noChangeAspect="1"/>
+          </p:cNvPicPr>
+          <p:nvPr/>
+        </p:nvPicPr>
+        <p:blipFill>
+          <a:blip r:embed="rId4">
+            <a:extLst>
+              <a:ext uri="{28A0092B-C50C-407E-A947-70E740481C1C}">
+                <a14:useLocalDpi xmlns:a14="http://schemas.microsoft.com/office/drawing/2010/main" val="0"/>
+              </a:ext>
+            </a:extLst>
+          </a:blip>
+          <a:stretch>
+            <a:fillRect/>
+          </a:stretch>
+        </p:blipFill>
+        <p:spPr>
+          <a:xfrm>
+            <a:off x="8501488" y="2560542"/>
+            <a:ext cx="2434902" cy="3133844"/>
+          </a:xfrm>
+          <a:prstGeom prst="rect">
+            <a:avLst/>
+          </a:prstGeom>
+        </p:spPr>
+      </p:pic>
+      <p:sp>
+        <p:nvSpPr>
+          <p:cNvPr id="10" name="テキスト ボックス 9">
+            <a:extLst>
+              <a:ext uri="{FF2B5EF4-FFF2-40B4-BE49-F238E27FC236}">
+                <a16:creationId xmlns:a16="http://schemas.microsoft.com/office/drawing/2014/main" id="{9ECB5FF0-1BAB-5158-C089-603B5EA30328}"/>
+              </a:ext>
+            </a:extLst>
+          </p:cNvPr>
+          <p:cNvSpPr txBox="1"/>
+          <p:nvPr/>
+        </p:nvSpPr>
+        <p:spPr>
+          <a:xfrm>
+            <a:off x="1440562" y="2049094"/>
+            <a:ext cx="2412998" cy="369332"/>
+          </a:xfrm>
+          <a:prstGeom prst="rect">
+            <a:avLst/>
+          </a:prstGeom>
+          <a:noFill/>
+        </p:spPr>
+        <p:txBody>
+          <a:bodyPr wrap="square" rtlCol="0">
+            <a:spAutoFit/>
+          </a:bodyPr>
+          <a:lstStyle/>
+          <a:p>
+            <a:pPr algn="ctr"/>
+            <a:r>
+              <a:rPr kumimoji="1" lang="ja-JP" altLang="en-US" dirty="0">
+                <a:latin typeface="ＭＳ Ｐゴシック" panose="020B0600070205080204" pitchFamily="50" charset="-128"/>
+                <a:ea typeface="ＭＳ Ｐゴシック" panose="020B0600070205080204" pitchFamily="50" charset="-128"/>
+              </a:rPr>
+              <a:t>・ゲームボード完成</a:t>
+            </a:r>
+            <a:endParaRPr kumimoji="1" lang="en-US" altLang="ja-JP" dirty="0">
+              <a:latin typeface="ＭＳ Ｐゴシック" panose="020B0600070205080204" pitchFamily="50" charset="-128"/>
+              <a:ea typeface="ＭＳ Ｐゴシック" panose="020B0600070205080204" pitchFamily="50" charset="-128"/>
+            </a:endParaRPr>
+          </a:p>
+        </p:txBody>
+      </p:sp>
+      <p:sp>
+        <p:nvSpPr>
+          <p:cNvPr id="11" name="テキスト ボックス 10">
+            <a:extLst>
+              <a:ext uri="{FF2B5EF4-FFF2-40B4-BE49-F238E27FC236}">
+                <a16:creationId xmlns:a16="http://schemas.microsoft.com/office/drawing/2014/main" id="{1DBDEC11-E47D-C6C4-6256-F53E5FC57628}"/>
+              </a:ext>
+            </a:extLst>
+          </p:cNvPr>
+          <p:cNvSpPr txBox="1"/>
+          <p:nvPr/>
+        </p:nvSpPr>
+        <p:spPr>
+          <a:xfrm>
+            <a:off x="4889501" y="2049094"/>
+            <a:ext cx="2412998" cy="369332"/>
+          </a:xfrm>
+          <a:prstGeom prst="rect">
+            <a:avLst/>
+          </a:prstGeom>
+          <a:noFill/>
+        </p:spPr>
+        <p:txBody>
+          <a:bodyPr wrap="square" rtlCol="0">
+            <a:spAutoFit/>
+          </a:bodyPr>
+          <a:lstStyle/>
+          <a:p>
+            <a:pPr algn="ctr"/>
+            <a:r>
+              <a:rPr kumimoji="1" lang="ja-JP" altLang="en-US" dirty="0">
+                <a:latin typeface="ＭＳ Ｐゴシック" panose="020B0600070205080204" pitchFamily="50" charset="-128"/>
+                <a:ea typeface="ＭＳ Ｐゴシック" panose="020B0600070205080204" pitchFamily="50" charset="-128"/>
+              </a:rPr>
+              <a:t>・タイトル完成</a:t>
+            </a:r>
+            <a:endParaRPr kumimoji="1" lang="en-US" altLang="ja-JP" dirty="0">
+              <a:latin typeface="ＭＳ Ｐゴシック" panose="020B0600070205080204" pitchFamily="50" charset="-128"/>
+              <a:ea typeface="ＭＳ Ｐゴシック" panose="020B0600070205080204" pitchFamily="50" charset="-128"/>
+            </a:endParaRPr>
+          </a:p>
+        </p:txBody>
+      </p:sp>
+      <p:sp>
+        <p:nvSpPr>
+          <p:cNvPr id="13" name="テキスト ボックス 12">
+            <a:extLst>
+              <a:ext uri="{FF2B5EF4-FFF2-40B4-BE49-F238E27FC236}">
+                <a16:creationId xmlns:a16="http://schemas.microsoft.com/office/drawing/2014/main" id="{DAC766DE-4B1A-4DC1-353D-948FBB844987}"/>
+              </a:ext>
+            </a:extLst>
+          </p:cNvPr>
+          <p:cNvSpPr txBox="1"/>
+          <p:nvPr/>
+        </p:nvSpPr>
+        <p:spPr>
+          <a:xfrm>
+            <a:off x="8501488" y="2045968"/>
+            <a:ext cx="2412998" cy="369332"/>
+          </a:xfrm>
+          <a:prstGeom prst="rect">
+            <a:avLst/>
+          </a:prstGeom>
+          <a:noFill/>
+        </p:spPr>
+        <p:txBody>
+          <a:bodyPr wrap="square" rtlCol="0">
+            <a:spAutoFit/>
+          </a:bodyPr>
+          <a:lstStyle/>
+          <a:p>
+            <a:pPr algn="ctr"/>
+            <a:r>
+              <a:rPr kumimoji="1" lang="ja-JP" altLang="en-US" dirty="0">
+                <a:latin typeface="ＭＳ Ｐゴシック" panose="020B0600070205080204" pitchFamily="50" charset="-128"/>
+                <a:ea typeface="ＭＳ Ｐゴシック" panose="020B0600070205080204" pitchFamily="50" charset="-128"/>
+              </a:rPr>
+              <a:t>・スコア完成</a:t>
+            </a:r>
+            <a:endParaRPr kumimoji="1" lang="en-US" altLang="ja-JP" dirty="0">
+              <a:latin typeface="ＭＳ Ｐゴシック" panose="020B0600070205080204" pitchFamily="50" charset="-128"/>
+              <a:ea typeface="ＭＳ Ｐゴシック" panose="020B0600070205080204" pitchFamily="50" charset="-128"/>
+            </a:endParaRPr>
+          </a:p>
+        </p:txBody>
+      </p:sp>
+      <p:sp>
+        <p:nvSpPr>
+          <p:cNvPr id="14" name="正方形/長方形 13">
+            <a:extLst>
+              <a:ext uri="{FF2B5EF4-FFF2-40B4-BE49-F238E27FC236}">
+                <a16:creationId xmlns:a16="http://schemas.microsoft.com/office/drawing/2014/main" id="{4A823A71-92CB-89A1-8047-55BD20C6EC5C}"/>
+              </a:ext>
+            </a:extLst>
+          </p:cNvPr>
+          <p:cNvSpPr/>
+          <p:nvPr/>
+        </p:nvSpPr>
+        <p:spPr>
+          <a:xfrm>
+            <a:off x="1277514" y="2045968"/>
+            <a:ext cx="9771486" cy="3745232"/>
+          </a:xfrm>
+          <a:prstGeom prst="rect">
+            <a:avLst/>
+          </a:prstGeom>
+          <a:noFill/>
+          <a:ln w="28575">
+            <a:solidFill>
+              <a:schemeClr val="accent1">
+                <a:lumMod val="60000"/>
+                <a:lumOff val="40000"/>
+              </a:schemeClr>
+            </a:solidFill>
+          </a:ln>
+        </p:spPr>
+        <p:style>
+          <a:lnRef idx="2">
+            <a:schemeClr val="accent1">
+              <a:shade val="15000"/>
+            </a:schemeClr>
+          </a:lnRef>
+          <a:fillRef idx="1">
+            <a:schemeClr val="accent1"/>
+          </a:fillRef>
+          <a:effectRef idx="0">
+            <a:schemeClr val="accent1"/>
+          </a:effectRef>
+          <a:fontRef idx="minor">
+            <a:schemeClr val="lt1"/>
+          </a:fontRef>
+        </p:style>
+        <p:txBody>
+          <a:bodyPr rtlCol="0" anchor="ctr"/>
+          <a:lstStyle/>
+          <a:p>
+            <a:pPr algn="ctr"/>
+            <a:endParaRPr kumimoji="1" lang="ja-JP" altLang="en-US"/>
+          </a:p>
+        </p:txBody>
+      </p:sp>
+      <p:sp>
+        <p:nvSpPr>
+          <p:cNvPr id="15" name="矢印: 右 14">
+            <a:extLst>
+              <a:ext uri="{FF2B5EF4-FFF2-40B4-BE49-F238E27FC236}">
+                <a16:creationId xmlns:a16="http://schemas.microsoft.com/office/drawing/2014/main" id="{54C23BF9-0ECF-CD20-7516-E02E312A65DF}"/>
+              </a:ext>
+            </a:extLst>
+          </p:cNvPr>
+          <p:cNvSpPr/>
+          <p:nvPr/>
+        </p:nvSpPr>
+        <p:spPr>
+          <a:xfrm>
+            <a:off x="4114800" y="3733800"/>
+            <a:ext cx="611969" cy="287867"/>
+          </a:xfrm>
+          <a:prstGeom prst="rightArrow">
+            <a:avLst/>
+          </a:prstGeom>
+        </p:spPr>
+        <p:style>
+          <a:lnRef idx="2">
+            <a:schemeClr val="accent1">
+              <a:shade val="15000"/>
+            </a:schemeClr>
+          </a:lnRef>
+          <a:fillRef idx="1">
+            <a:schemeClr val="accent1"/>
+          </a:fillRef>
+          <a:effectRef idx="0">
+            <a:schemeClr val="accent1"/>
+          </a:effectRef>
+          <a:fontRef idx="minor">
+            <a:schemeClr val="lt1"/>
+          </a:fontRef>
+        </p:style>
+        <p:txBody>
+          <a:bodyPr rtlCol="0" anchor="ctr"/>
+          <a:lstStyle/>
+          <a:p>
+            <a:pPr algn="ctr"/>
+            <a:endParaRPr kumimoji="1" lang="ja-JP" altLang="en-US"/>
+          </a:p>
+        </p:txBody>
+      </p:sp>
+      <p:sp>
+        <p:nvSpPr>
+          <p:cNvPr id="16" name="矢印: 右 15">
+            <a:extLst>
+              <a:ext uri="{FF2B5EF4-FFF2-40B4-BE49-F238E27FC236}">
+                <a16:creationId xmlns:a16="http://schemas.microsoft.com/office/drawing/2014/main" id="{6096360B-500A-96CC-E0E3-B209F601BEF8}"/>
+              </a:ext>
+            </a:extLst>
+          </p:cNvPr>
+          <p:cNvSpPr/>
+          <p:nvPr/>
+        </p:nvSpPr>
+        <p:spPr>
+          <a:xfrm>
+            <a:off x="7640372" y="3742266"/>
+            <a:ext cx="611969" cy="287867"/>
+          </a:xfrm>
+          <a:prstGeom prst="rightArrow">
+            <a:avLst/>
+          </a:prstGeom>
+        </p:spPr>
+        <p:style>
+          <a:lnRef idx="2">
+            <a:schemeClr val="accent1">
+              <a:shade val="15000"/>
+            </a:schemeClr>
+          </a:lnRef>
+          <a:fillRef idx="1">
+            <a:schemeClr val="accent1"/>
+          </a:fillRef>
+          <a:effectRef idx="0">
+            <a:schemeClr val="accent1"/>
+          </a:effectRef>
+          <a:fontRef idx="minor">
+            <a:schemeClr val="lt1"/>
+          </a:fontRef>
+        </p:style>
+        <p:txBody>
+          <a:bodyPr rtlCol="0" anchor="ctr"/>
+          <a:lstStyle/>
+          <a:p>
+            <a:pPr algn="ctr"/>
+            <a:endParaRPr kumimoji="1" lang="ja-JP" altLang="en-US"/>
+          </a:p>
+        </p:txBody>
+      </p:sp>
+    </p:spTree>
+    <p:extLst>
+      <p:ext uri="{BB962C8B-B14F-4D97-AF65-F5344CB8AC3E}">
+        <p14:creationId xmlns:p14="http://schemas.microsoft.com/office/powerpoint/2010/main" val="3739739320"/>
+      </p:ext>
+    </p:extLst>
+  </p:cSld>
+  <p:clrMapOvr>
+    <a:masterClrMapping/>
+  </p:clrMapOvr>
+</p:sld>
+</file>
+
+<file path=ppt/slides/slide21.xml><?xml version="1.0" encoding="utf-8"?>
+<p:sld xmlns:a="http://schemas.openxmlformats.org/drawingml/2006/main" xmlns:r="http://schemas.openxmlformats.org/officeDocument/2006/relationships" xmlns:p="http://schemas.openxmlformats.org/presentationml/2006/main">
+  <p:cSld>
+    <p:spTree>
+      <p:nvGrpSpPr>
+        <p:cNvPr id="1" name=""/>
+        <p:cNvGrpSpPr/>
+        <p:nvPr/>
+      </p:nvGrpSpPr>
+      <p:grpSpPr>
+        <a:xfrm>
+          <a:off x="0" y="0"/>
+          <a:ext cx="0" cy="0"/>
+          <a:chOff x="0" y="0"/>
+          <a:chExt cx="0" cy="0"/>
+        </a:xfrm>
+      </p:grpSpPr>
+      <p:sp>
+        <p:nvSpPr>
+          <p:cNvPr id="12" name="正方形/長方形 11">
+            <a:extLst>
+              <a:ext uri="{FF2B5EF4-FFF2-40B4-BE49-F238E27FC236}">
+                <a16:creationId xmlns:a16="http://schemas.microsoft.com/office/drawing/2014/main" id="{8D927366-A2BA-562F-C5A8-9F56A5989CF9}"/>
+              </a:ext>
+            </a:extLst>
+          </p:cNvPr>
+          <p:cNvSpPr/>
+          <p:nvPr/>
+        </p:nvSpPr>
+        <p:spPr>
+          <a:xfrm>
+            <a:off x="0" y="0"/>
+            <a:ext cx="12192000" cy="1261534"/>
+          </a:xfrm>
+          <a:prstGeom prst="rect">
+            <a:avLst/>
+          </a:prstGeom>
+        </p:spPr>
+        <p:style>
+          <a:lnRef idx="2">
+            <a:schemeClr val="accent1">
+              <a:shade val="15000"/>
+            </a:schemeClr>
+          </a:lnRef>
+          <a:fillRef idx="1">
+            <a:schemeClr val="accent1"/>
+          </a:fillRef>
+          <a:effectRef idx="0">
+            <a:schemeClr val="accent1"/>
+          </a:effectRef>
+          <a:fontRef idx="minor">
+            <a:schemeClr val="lt1"/>
+          </a:fontRef>
+        </p:style>
+        <p:txBody>
+          <a:bodyPr rtlCol="0" anchor="ctr"/>
+          <a:lstStyle/>
+          <a:p>
+            <a:pPr indent="355600"/>
+            <a:r>
+              <a:rPr kumimoji="1" lang="en-US" altLang="ja-JP" sz="5400" dirty="0">
+                <a:solidFill>
+                  <a:schemeClr val="tx1"/>
+                </a:solidFill>
+                <a:latin typeface="ＭＳ Ｐゴシック" panose="020B0600070205080204" pitchFamily="50" charset="-128"/>
+                <a:ea typeface="ＭＳ Ｐゴシック" panose="020B0600070205080204" pitchFamily="50" charset="-128"/>
+              </a:rPr>
+              <a:t>- </a:t>
+            </a:r>
+            <a:r>
+              <a:rPr kumimoji="1" lang="ja-JP" altLang="en-US" sz="5400" dirty="0">
+                <a:solidFill>
+                  <a:schemeClr val="tx1"/>
+                </a:solidFill>
+                <a:latin typeface="ＭＳ Ｐゴシック" panose="020B0600070205080204" pitchFamily="50" charset="-128"/>
+                <a:ea typeface="ＭＳ Ｐゴシック" panose="020B0600070205080204" pitchFamily="50" charset="-128"/>
+              </a:rPr>
+              <a:t>基本構造の実装</a:t>
+            </a:r>
+          </a:p>
+        </p:txBody>
+      </p:sp>
+      <p:sp>
+        <p:nvSpPr>
+          <p:cNvPr id="18" name="正方形/長方形 17">
+            <a:extLst>
+              <a:ext uri="{FF2B5EF4-FFF2-40B4-BE49-F238E27FC236}">
+                <a16:creationId xmlns:a16="http://schemas.microsoft.com/office/drawing/2014/main" id="{61A47339-2C22-8635-668D-B42E11A604D9}"/>
+              </a:ext>
+            </a:extLst>
+          </p:cNvPr>
+          <p:cNvSpPr/>
+          <p:nvPr/>
+        </p:nvSpPr>
+        <p:spPr>
+          <a:xfrm>
+            <a:off x="0" y="6112933"/>
+            <a:ext cx="12192000" cy="745067"/>
+          </a:xfrm>
+          <a:prstGeom prst="rect">
+            <a:avLst/>
+          </a:prstGeom>
+        </p:spPr>
+        <p:style>
+          <a:lnRef idx="2">
+            <a:schemeClr val="accent1">
+              <a:shade val="15000"/>
+            </a:schemeClr>
+          </a:lnRef>
+          <a:fillRef idx="1">
+            <a:schemeClr val="accent1"/>
+          </a:fillRef>
+          <a:effectRef idx="0">
+            <a:schemeClr val="accent1"/>
+          </a:effectRef>
+          <a:fontRef idx="minor">
+            <a:schemeClr val="lt1"/>
+          </a:fontRef>
+        </p:style>
+        <p:txBody>
+          <a:bodyPr rtlCol="0" anchor="ctr"/>
+          <a:lstStyle/>
+          <a:p>
+            <a:pPr algn="ctr"/>
+            <a:endParaRPr kumimoji="1" lang="ja-JP" altLang="en-US"/>
+          </a:p>
+        </p:txBody>
+      </p:sp>
+      <p:sp>
+        <p:nvSpPr>
+          <p:cNvPr id="9" name="テキスト ボックス 8">
+            <a:extLst>
+              <a:ext uri="{FF2B5EF4-FFF2-40B4-BE49-F238E27FC236}">
+                <a16:creationId xmlns:a16="http://schemas.microsoft.com/office/drawing/2014/main" id="{36ABE67F-62E9-076E-2457-62D7CAD17048}"/>
+              </a:ext>
+            </a:extLst>
+          </p:cNvPr>
+          <p:cNvSpPr txBox="1"/>
+          <p:nvPr/>
+        </p:nvSpPr>
+        <p:spPr>
+          <a:xfrm>
+            <a:off x="372535" y="1537646"/>
+            <a:ext cx="9905998" cy="369332"/>
+          </a:xfrm>
+          <a:prstGeom prst="rect">
+            <a:avLst/>
+          </a:prstGeom>
+          <a:noFill/>
+        </p:spPr>
+        <p:txBody>
+          <a:bodyPr wrap="square" rtlCol="0">
+            <a:spAutoFit/>
+          </a:bodyPr>
+          <a:lstStyle/>
+          <a:p>
+            <a:pPr marL="285750" indent="-285750">
+              <a:buFont typeface="Wingdings" panose="05000000000000000000" pitchFamily="2" charset="2"/>
+              <a:buChar char="ü"/>
+            </a:pPr>
+            <a:r>
+              <a:rPr kumimoji="1" lang="ja-JP" altLang="en-US" dirty="0">
+                <a:latin typeface="ＭＳ Ｐゴシック" panose="020B0600070205080204" pitchFamily="50" charset="-128"/>
+                <a:ea typeface="ＭＳ Ｐゴシック" panose="020B0600070205080204" pitchFamily="50" charset="-128"/>
+              </a:rPr>
+              <a:t>各数字タイルの実装</a:t>
+            </a:r>
+            <a:endParaRPr kumimoji="1" lang="en-US" altLang="ja-JP" dirty="0">
+              <a:latin typeface="ＭＳ Ｐゴシック" panose="020B0600070205080204" pitchFamily="50" charset="-128"/>
+              <a:ea typeface="ＭＳ Ｐゴシック" panose="020B0600070205080204" pitchFamily="50" charset="-128"/>
+            </a:endParaRPr>
+          </a:p>
+        </p:txBody>
+      </p:sp>
+      <mc:AlternateContent xmlns:mc="http://schemas.openxmlformats.org/markup-compatibility/2006">
+        <mc:Choice xmlns:we="http://schemas.microsoft.com/office/webextensions/webextension/2010/11" xmlns:pca="http://schemas.microsoft.com/office/powerpoint/2013/contentapp" Requires="we pca">
+          <p:graphicFrame>
+            <p:nvGraphicFramePr>
+              <p:cNvPr id="19" name="アドイン 18">
+                <a:extLst>
+                  <a:ext uri="{FF2B5EF4-FFF2-40B4-BE49-F238E27FC236}">
+                    <a16:creationId xmlns:a16="http://schemas.microsoft.com/office/drawing/2014/main" id="{117794A0-E154-9A0C-008E-340E68ACAD23}"/>
+                  </a:ext>
+                </a:extLst>
+              </p:cNvPr>
+              <p:cNvGraphicFramePr>
+                <a:graphicFrameLocks noGrp="1"/>
+              </p:cNvGraphicFramePr>
+              <p:nvPr/>
+            </p:nvGraphicFramePr>
+            <p:xfrm>
+              <a:off x="694267" y="1906978"/>
+              <a:ext cx="9144000" cy="4121289"/>
+            </p:xfrm>
+            <a:graphic>
+              <a:graphicData uri="http://schemas.microsoft.com/office/webextensions/webextension/2010/11">
+                <we:webextensionref xmlns:we="http://schemas.microsoft.com/office/webextensions/webextension/2010/11" xmlns:r="http://schemas.openxmlformats.org/officeDocument/2006/relationships" r:id="rId2"/>
+              </a:graphicData>
+            </a:graphic>
+          </p:graphicFrame>
+        </mc:Choice>
+        <mc:Fallback>
+          <p:pic>
+            <p:nvPicPr>
+              <p:cNvPr id="19" name="アドイン 18">
+                <a:extLst>
+                  <a:ext uri="{FF2B5EF4-FFF2-40B4-BE49-F238E27FC236}">
+                    <a16:creationId xmlns:a16="http://schemas.microsoft.com/office/drawing/2014/main" id="{117794A0-E154-9A0C-008E-340E68ACAD23}"/>
+                  </a:ext>
+                </a:extLst>
+              </p:cNvPr>
+              <p:cNvPicPr>
+                <a:picLocks noGrp="1" noRot="1" noChangeAspect="1" noMove="1" noResize="1" noEditPoints="1" noAdjustHandles="1" noChangeArrowheads="1" noChangeShapeType="1"/>
+              </p:cNvPicPr>
+              <p:nvPr/>
+            </p:nvPicPr>
+            <p:blipFill>
+              <a:blip r:embed="rId3"/>
+              <a:stretch>
+                <a:fillRect/>
+              </a:stretch>
+            </p:blipFill>
+            <p:spPr>
+              <a:xfrm>
+                <a:off x="694267" y="1906978"/>
+                <a:ext cx="9144000" cy="4121289"/>
+              </a:xfrm>
+              <a:prstGeom prst="rect">
+                <a:avLst/>
+              </a:prstGeom>
+            </p:spPr>
+          </p:pic>
+        </mc:Fallback>
+      </mc:AlternateContent>
+    </p:spTree>
+    <p:extLst>
+      <p:ext uri="{BB962C8B-B14F-4D97-AF65-F5344CB8AC3E}">
+        <p14:creationId xmlns:p14="http://schemas.microsoft.com/office/powerpoint/2010/main" val="1039297274"/>
+      </p:ext>
+    </p:extLst>
+  </p:cSld>
+  <p:clrMapOvr>
+    <a:masterClrMapping/>
+  </p:clrMapOvr>
+</p:sld>
+</file>
+
+<file path=ppt/slides/slide22.xml><?xml version="1.0" encoding="utf-8"?>
+<p:sld xmlns:a="http://schemas.openxmlformats.org/drawingml/2006/main" xmlns:r="http://schemas.openxmlformats.org/officeDocument/2006/relationships" xmlns:p="http://schemas.openxmlformats.org/presentationml/2006/main">
+  <p:cSld>
+    <p:spTree>
+      <p:nvGrpSpPr>
+        <p:cNvPr id="1" name=""/>
+        <p:cNvGrpSpPr/>
+        <p:nvPr/>
+      </p:nvGrpSpPr>
+      <p:grpSpPr>
+        <a:xfrm>
+          <a:off x="0" y="0"/>
+          <a:ext cx="0" cy="0"/>
+          <a:chOff x="0" y="0"/>
+          <a:chExt cx="0" cy="0"/>
+        </a:xfrm>
+      </p:grpSpPr>
+      <p:sp>
+        <p:nvSpPr>
+          <p:cNvPr id="12" name="正方形/長方形 11">
+            <a:extLst>
+              <a:ext uri="{FF2B5EF4-FFF2-40B4-BE49-F238E27FC236}">
+                <a16:creationId xmlns:a16="http://schemas.microsoft.com/office/drawing/2014/main" id="{8D927366-A2BA-562F-C5A8-9F56A5989CF9}"/>
+              </a:ext>
+            </a:extLst>
+          </p:cNvPr>
+          <p:cNvSpPr/>
+          <p:nvPr/>
+        </p:nvSpPr>
+        <p:spPr>
+          <a:xfrm>
+            <a:off x="0" y="0"/>
+            <a:ext cx="12192000" cy="1261534"/>
+          </a:xfrm>
+          <a:prstGeom prst="rect">
+            <a:avLst/>
+          </a:prstGeom>
+        </p:spPr>
+        <p:style>
+          <a:lnRef idx="2">
+            <a:schemeClr val="accent1">
+              <a:shade val="15000"/>
+            </a:schemeClr>
+          </a:lnRef>
+          <a:fillRef idx="1">
+            <a:schemeClr val="accent1"/>
+          </a:fillRef>
+          <a:effectRef idx="0">
+            <a:schemeClr val="accent1"/>
+          </a:effectRef>
+          <a:fontRef idx="minor">
+            <a:schemeClr val="lt1"/>
+          </a:fontRef>
+        </p:style>
+        <p:txBody>
+          <a:bodyPr rtlCol="0" anchor="ctr"/>
+          <a:lstStyle/>
+          <a:p>
+            <a:pPr indent="355600"/>
+            <a:r>
+              <a:rPr kumimoji="1" lang="en-US" altLang="ja-JP" sz="5400" dirty="0">
+                <a:solidFill>
+                  <a:schemeClr val="tx1"/>
+                </a:solidFill>
+                <a:latin typeface="ＭＳ Ｐゴシック" panose="020B0600070205080204" pitchFamily="50" charset="-128"/>
+                <a:ea typeface="ＭＳ Ｐゴシック" panose="020B0600070205080204" pitchFamily="50" charset="-128"/>
+              </a:rPr>
+              <a:t>- </a:t>
+            </a:r>
+            <a:r>
+              <a:rPr kumimoji="1" lang="ja-JP" altLang="en-US" sz="5400" dirty="0">
+                <a:solidFill>
+                  <a:schemeClr val="tx1"/>
+                </a:solidFill>
+                <a:latin typeface="ＭＳ Ｐゴシック" panose="020B0600070205080204" pitchFamily="50" charset="-128"/>
+                <a:ea typeface="ＭＳ Ｐゴシック" panose="020B0600070205080204" pitchFamily="50" charset="-128"/>
+              </a:rPr>
+              <a:t>基本構造の実装</a:t>
+            </a:r>
+          </a:p>
+        </p:txBody>
+      </p:sp>
+      <p:sp>
+        <p:nvSpPr>
+          <p:cNvPr id="18" name="正方形/長方形 17">
+            <a:extLst>
+              <a:ext uri="{FF2B5EF4-FFF2-40B4-BE49-F238E27FC236}">
+                <a16:creationId xmlns:a16="http://schemas.microsoft.com/office/drawing/2014/main" id="{61A47339-2C22-8635-668D-B42E11A604D9}"/>
+              </a:ext>
+            </a:extLst>
+          </p:cNvPr>
+          <p:cNvSpPr/>
+          <p:nvPr/>
+        </p:nvSpPr>
+        <p:spPr>
+          <a:xfrm>
+            <a:off x="0" y="6112933"/>
+            <a:ext cx="12192000" cy="745067"/>
+          </a:xfrm>
+          <a:prstGeom prst="rect">
+            <a:avLst/>
+          </a:prstGeom>
+        </p:spPr>
+        <p:style>
+          <a:lnRef idx="2">
+            <a:schemeClr val="accent1">
+              <a:shade val="15000"/>
+            </a:schemeClr>
+          </a:lnRef>
+          <a:fillRef idx="1">
+            <a:schemeClr val="accent1"/>
+          </a:fillRef>
+          <a:effectRef idx="0">
+            <a:schemeClr val="accent1"/>
+          </a:effectRef>
+          <a:fontRef idx="minor">
+            <a:schemeClr val="lt1"/>
+          </a:fontRef>
+        </p:style>
+        <p:txBody>
+          <a:bodyPr rtlCol="0" anchor="ctr"/>
+          <a:lstStyle/>
+          <a:p>
+            <a:pPr algn="ctr"/>
+            <a:endParaRPr kumimoji="1" lang="ja-JP" altLang="en-US"/>
+          </a:p>
+        </p:txBody>
+      </p:sp>
+      <p:sp>
+        <p:nvSpPr>
+          <p:cNvPr id="9" name="テキスト ボックス 8">
+            <a:extLst>
+              <a:ext uri="{FF2B5EF4-FFF2-40B4-BE49-F238E27FC236}">
+                <a16:creationId xmlns:a16="http://schemas.microsoft.com/office/drawing/2014/main" id="{36ABE67F-62E9-076E-2457-62D7CAD17048}"/>
+              </a:ext>
+            </a:extLst>
+          </p:cNvPr>
+          <p:cNvSpPr txBox="1"/>
+          <p:nvPr/>
+        </p:nvSpPr>
+        <p:spPr>
+          <a:xfrm>
+            <a:off x="372535" y="1537646"/>
+            <a:ext cx="9905998" cy="369332"/>
+          </a:xfrm>
+          <a:prstGeom prst="rect">
+            <a:avLst/>
+          </a:prstGeom>
+          <a:noFill/>
+        </p:spPr>
+        <p:txBody>
+          <a:bodyPr wrap="square" rtlCol="0">
+            <a:spAutoFit/>
+          </a:bodyPr>
+          <a:lstStyle/>
+          <a:p>
+            <a:pPr marL="285750" indent="-285750">
+              <a:buFont typeface="Wingdings" panose="05000000000000000000" pitchFamily="2" charset="2"/>
+              <a:buChar char="ü"/>
+            </a:pPr>
+            <a:r>
+              <a:rPr kumimoji="1" lang="ja-JP" altLang="en-US" dirty="0">
+                <a:latin typeface="ＭＳ Ｐゴシック" panose="020B0600070205080204" pitchFamily="50" charset="-128"/>
+                <a:ea typeface="ＭＳ Ｐゴシック" panose="020B0600070205080204" pitchFamily="50" charset="-128"/>
+              </a:rPr>
+              <a:t>これまでに出力されたものとの重複</a:t>
+            </a:r>
+            <a:endParaRPr kumimoji="1" lang="en-US" altLang="ja-JP" dirty="0">
+              <a:latin typeface="ＭＳ Ｐゴシック" panose="020B0600070205080204" pitchFamily="50" charset="-128"/>
+              <a:ea typeface="ＭＳ Ｐゴシック" panose="020B0600070205080204" pitchFamily="50" charset="-128"/>
+            </a:endParaRPr>
+          </a:p>
+        </p:txBody>
+      </p:sp>
+      <p:pic>
+        <p:nvPicPr>
+          <p:cNvPr id="5" name="図 4" descr="モニター画面に映る文字のスクリーンショット&#10;&#10;自動的に生成された説明">
+            <a:extLst>
+              <a:ext uri="{FF2B5EF4-FFF2-40B4-BE49-F238E27FC236}">
+                <a16:creationId xmlns:a16="http://schemas.microsoft.com/office/drawing/2014/main" id="{109029E4-8D78-3EE9-EBFD-81FB38DA4756}"/>
+              </a:ext>
+            </a:extLst>
+          </p:cNvPr>
+          <p:cNvPicPr>
+            <a:picLocks noChangeAspect="1"/>
+          </p:cNvPicPr>
+          <p:nvPr/>
+        </p:nvPicPr>
+        <p:blipFill>
+          <a:blip r:embed="rId2">
+            <a:extLst>
+              <a:ext uri="{28A0092B-C50C-407E-A947-70E740481C1C}">
+                <a14:useLocalDpi xmlns:a14="http://schemas.microsoft.com/office/drawing/2010/main" val="0"/>
+              </a:ext>
+            </a:extLst>
+          </a:blip>
+          <a:stretch>
+            <a:fillRect/>
+          </a:stretch>
+        </p:blipFill>
+        <p:spPr>
+          <a:xfrm>
+            <a:off x="719756" y="2440164"/>
+            <a:ext cx="5841911" cy="2678644"/>
+          </a:xfrm>
+          <a:prstGeom prst="rect">
+            <a:avLst/>
+          </a:prstGeom>
+        </p:spPr>
+      </p:pic>
+      <p:pic>
+        <p:nvPicPr>
+          <p:cNvPr id="10" name="図 9" descr="テキスト&#10;&#10;自動的に生成された説明">
+            <a:extLst>
+              <a:ext uri="{FF2B5EF4-FFF2-40B4-BE49-F238E27FC236}">
+                <a16:creationId xmlns:a16="http://schemas.microsoft.com/office/drawing/2014/main" id="{813C0471-6D50-F27B-3186-BC6A667E4AB5}"/>
+              </a:ext>
+            </a:extLst>
+          </p:cNvPr>
+          <p:cNvPicPr>
+            <a:picLocks noChangeAspect="1"/>
+          </p:cNvPicPr>
+          <p:nvPr/>
+        </p:nvPicPr>
+        <p:blipFill>
+          <a:blip r:embed="rId3">
+            <a:extLst>
+              <a:ext uri="{28A0092B-C50C-407E-A947-70E740481C1C}">
+                <a14:useLocalDpi xmlns:a14="http://schemas.microsoft.com/office/drawing/2010/main" val="0"/>
+              </a:ext>
+            </a:extLst>
+          </a:blip>
+          <a:stretch>
+            <a:fillRect/>
+          </a:stretch>
+        </p:blipFill>
+        <p:spPr>
+          <a:xfrm>
+            <a:off x="6681465" y="2751666"/>
+            <a:ext cx="5359148" cy="2367141"/>
+          </a:xfrm>
+          <a:prstGeom prst="rect">
+            <a:avLst/>
+          </a:prstGeom>
+        </p:spPr>
+      </p:pic>
+      <p:sp>
+        <p:nvSpPr>
+          <p:cNvPr id="11" name="テキスト ボックス 10">
+            <a:extLst>
+              <a:ext uri="{FF2B5EF4-FFF2-40B4-BE49-F238E27FC236}">
+                <a16:creationId xmlns:a16="http://schemas.microsoft.com/office/drawing/2014/main" id="{E842BCCA-6CAB-3062-AA1F-544D3153A335}"/>
+              </a:ext>
+            </a:extLst>
+          </p:cNvPr>
+          <p:cNvSpPr txBox="1"/>
+          <p:nvPr/>
+        </p:nvSpPr>
+        <p:spPr>
+          <a:xfrm>
+            <a:off x="2084939" y="1998424"/>
+            <a:ext cx="3111543" cy="369332"/>
+          </a:xfrm>
+          <a:prstGeom prst="rect">
+            <a:avLst/>
+          </a:prstGeom>
+          <a:noFill/>
+        </p:spPr>
+        <p:txBody>
+          <a:bodyPr wrap="square" rtlCol="0">
+            <a:spAutoFit/>
+          </a:bodyPr>
+          <a:lstStyle/>
+          <a:p>
+            <a:pPr algn="ctr"/>
+            <a:r>
+              <a:rPr kumimoji="1" lang="ja-JP" altLang="en-US" dirty="0">
+                <a:latin typeface="ＭＳ Ｐゴシック" panose="020B0600070205080204" pitchFamily="50" charset="-128"/>
+                <a:ea typeface="ＭＳ Ｐゴシック" panose="020B0600070205080204" pitchFamily="50" charset="-128"/>
+              </a:rPr>
+              <a:t>・数字タイル作成の際の出力</a:t>
+            </a:r>
+            <a:endParaRPr kumimoji="1" lang="en-US" altLang="ja-JP" dirty="0">
+              <a:latin typeface="ＭＳ Ｐゴシック" panose="020B0600070205080204" pitchFamily="50" charset="-128"/>
+              <a:ea typeface="ＭＳ Ｐゴシック" panose="020B0600070205080204" pitchFamily="50" charset="-128"/>
+            </a:endParaRPr>
+          </a:p>
+        </p:txBody>
+      </p:sp>
+      <p:sp>
+        <p:nvSpPr>
+          <p:cNvPr id="13" name="テキスト ボックス 12">
+            <a:extLst>
+              <a:ext uri="{FF2B5EF4-FFF2-40B4-BE49-F238E27FC236}">
+                <a16:creationId xmlns:a16="http://schemas.microsoft.com/office/drawing/2014/main" id="{FD70E068-CE16-BDEA-919A-28678E36E68A}"/>
+              </a:ext>
+            </a:extLst>
+          </p:cNvPr>
+          <p:cNvSpPr txBox="1"/>
+          <p:nvPr/>
+        </p:nvSpPr>
+        <p:spPr>
+          <a:xfrm>
+            <a:off x="7751872" y="1998424"/>
+            <a:ext cx="3218333" cy="369332"/>
+          </a:xfrm>
+          <a:prstGeom prst="rect">
+            <a:avLst/>
+          </a:prstGeom>
+          <a:noFill/>
+        </p:spPr>
+        <p:txBody>
+          <a:bodyPr wrap="square" rtlCol="0">
+            <a:spAutoFit/>
+          </a:bodyPr>
+          <a:lstStyle/>
+          <a:p>
+            <a:pPr algn="ctr"/>
+            <a:r>
+              <a:rPr kumimoji="1" lang="ja-JP" altLang="en-US" dirty="0">
+                <a:latin typeface="ＭＳ Ｐゴシック" panose="020B0600070205080204" pitchFamily="50" charset="-128"/>
+                <a:ea typeface="ＭＳ Ｐゴシック" panose="020B0600070205080204" pitchFamily="50" charset="-128"/>
+              </a:rPr>
+              <a:t>・ゲームボード作成の際の出力</a:t>
+            </a:r>
+            <a:endParaRPr kumimoji="1" lang="en-US" altLang="ja-JP" dirty="0">
+              <a:latin typeface="ＭＳ Ｐゴシック" panose="020B0600070205080204" pitchFamily="50" charset="-128"/>
+              <a:ea typeface="ＭＳ Ｐゴシック" panose="020B0600070205080204" pitchFamily="50" charset="-128"/>
+            </a:endParaRPr>
+          </a:p>
+        </p:txBody>
+      </p:sp>
+    </p:spTree>
+    <p:extLst>
+      <p:ext uri="{BB962C8B-B14F-4D97-AF65-F5344CB8AC3E}">
+        <p14:creationId xmlns:p14="http://schemas.microsoft.com/office/powerpoint/2010/main" val="4192533657"/>
+      </p:ext>
+    </p:extLst>
+  </p:cSld>
+  <p:clrMapOvr>
+    <a:masterClrMapping/>
+  </p:clrMapOvr>
+</p:sld>
+</file>
+
+<file path=ppt/slides/slide23.xml><?xml version="1.0" encoding="utf-8"?>
+<p:sld xmlns:a="http://schemas.openxmlformats.org/drawingml/2006/main" xmlns:r="http://schemas.openxmlformats.org/officeDocument/2006/relationships" xmlns:p="http://schemas.openxmlformats.org/presentationml/2006/main">
+  <p:cSld>
+    <p:spTree>
+      <p:nvGrpSpPr>
+        <p:cNvPr id="1" name=""/>
+        <p:cNvGrpSpPr/>
+        <p:nvPr/>
+      </p:nvGrpSpPr>
+      <p:grpSpPr>
+        <a:xfrm>
+          <a:off x="0" y="0"/>
+          <a:ext cx="0" cy="0"/>
+          <a:chOff x="0" y="0"/>
+          <a:chExt cx="0" cy="0"/>
+        </a:xfrm>
+      </p:grpSpPr>
+      <p:sp>
+        <p:nvSpPr>
+          <p:cNvPr id="12" name="正方形/長方形 11">
+            <a:extLst>
+              <a:ext uri="{FF2B5EF4-FFF2-40B4-BE49-F238E27FC236}">
+                <a16:creationId xmlns:a16="http://schemas.microsoft.com/office/drawing/2014/main" id="{8D927366-A2BA-562F-C5A8-9F56A5989CF9}"/>
+              </a:ext>
+            </a:extLst>
+          </p:cNvPr>
+          <p:cNvSpPr/>
+          <p:nvPr/>
+        </p:nvSpPr>
+        <p:spPr>
+          <a:xfrm>
+            <a:off x="0" y="0"/>
+            <a:ext cx="12192000" cy="1261534"/>
+          </a:xfrm>
+          <a:prstGeom prst="rect">
+            <a:avLst/>
+          </a:prstGeom>
+        </p:spPr>
+        <p:style>
+          <a:lnRef idx="2">
+            <a:schemeClr val="accent1">
+              <a:shade val="15000"/>
+            </a:schemeClr>
+          </a:lnRef>
+          <a:fillRef idx="1">
+            <a:schemeClr val="accent1"/>
+          </a:fillRef>
+          <a:effectRef idx="0">
+            <a:schemeClr val="accent1"/>
+          </a:effectRef>
+          <a:fontRef idx="minor">
+            <a:schemeClr val="lt1"/>
+          </a:fontRef>
+        </p:style>
+        <p:txBody>
+          <a:bodyPr rtlCol="0" anchor="ctr"/>
+          <a:lstStyle/>
+          <a:p>
+            <a:pPr indent="355600"/>
+            <a:r>
+              <a:rPr kumimoji="1" lang="en-US" altLang="ja-JP" sz="5400" dirty="0">
+                <a:solidFill>
+                  <a:schemeClr val="tx1"/>
+                </a:solidFill>
+                <a:latin typeface="ＭＳ Ｐゴシック" panose="020B0600070205080204" pitchFamily="50" charset="-128"/>
+                <a:ea typeface="ＭＳ Ｐゴシック" panose="020B0600070205080204" pitchFamily="50" charset="-128"/>
+              </a:rPr>
+              <a:t>- </a:t>
+            </a:r>
+            <a:r>
+              <a:rPr kumimoji="1" lang="ja-JP" altLang="en-US" sz="5400" dirty="0">
+                <a:solidFill>
+                  <a:schemeClr val="tx1"/>
+                </a:solidFill>
+                <a:latin typeface="ＭＳ Ｐゴシック" panose="020B0600070205080204" pitchFamily="50" charset="-128"/>
+                <a:ea typeface="ＭＳ Ｐゴシック" panose="020B0600070205080204" pitchFamily="50" charset="-128"/>
+              </a:rPr>
+              <a:t>基本構造の実装</a:t>
+            </a:r>
+          </a:p>
+        </p:txBody>
+      </p:sp>
+      <p:sp>
+        <p:nvSpPr>
+          <p:cNvPr id="9" name="テキスト ボックス 8">
+            <a:extLst>
+              <a:ext uri="{FF2B5EF4-FFF2-40B4-BE49-F238E27FC236}">
+                <a16:creationId xmlns:a16="http://schemas.microsoft.com/office/drawing/2014/main" id="{36ABE67F-62E9-076E-2457-62D7CAD17048}"/>
+              </a:ext>
+            </a:extLst>
+          </p:cNvPr>
+          <p:cNvSpPr txBox="1"/>
+          <p:nvPr/>
+        </p:nvSpPr>
+        <p:spPr>
+          <a:xfrm>
+            <a:off x="372535" y="1537646"/>
+            <a:ext cx="9905998" cy="1200329"/>
+          </a:xfrm>
+          <a:prstGeom prst="rect">
+            <a:avLst/>
+          </a:prstGeom>
+          <a:noFill/>
+        </p:spPr>
+        <p:txBody>
+          <a:bodyPr wrap="square" rtlCol="0">
+            <a:spAutoFit/>
+          </a:bodyPr>
+          <a:lstStyle/>
+          <a:p>
+            <a:pPr marL="285750" indent="-285750">
+              <a:buFont typeface="Wingdings" panose="05000000000000000000" pitchFamily="2" charset="2"/>
+              <a:buChar char="ü"/>
+            </a:pPr>
+            <a:r>
+              <a:rPr kumimoji="1" lang="en-US" altLang="ja-JP" dirty="0">
+                <a:latin typeface="ＭＳ Ｐゴシック" panose="020B0600070205080204" pitchFamily="50" charset="-128"/>
+                <a:ea typeface="ＭＳ Ｐゴシック" panose="020B0600070205080204" pitchFamily="50" charset="-128"/>
+              </a:rPr>
+              <a:t>ChatGPT</a:t>
+            </a:r>
+            <a:r>
+              <a:rPr kumimoji="1" lang="ja-JP" altLang="en-US" dirty="0">
+                <a:latin typeface="ＭＳ Ｐゴシック" panose="020B0600070205080204" pitchFamily="50" charset="-128"/>
+                <a:ea typeface="ＭＳ Ｐゴシック" panose="020B0600070205080204" pitchFamily="50" charset="-128"/>
+              </a:rPr>
+              <a:t>のものではゲームボードのタイルを変更</a:t>
+            </a:r>
+            <a:r>
+              <a:rPr kumimoji="1" lang="en-US" altLang="ja-JP" dirty="0">
+                <a:latin typeface="ＭＳ Ｐゴシック" panose="020B0600070205080204" pitchFamily="50" charset="-128"/>
+                <a:ea typeface="ＭＳ Ｐゴシック" panose="020B0600070205080204" pitchFamily="50" charset="-128"/>
+              </a:rPr>
+              <a:t>(</a:t>
+            </a:r>
+            <a:r>
+              <a:rPr kumimoji="1" lang="ja-JP" altLang="en-US" dirty="0">
+                <a:latin typeface="ＭＳ Ｐゴシック" panose="020B0600070205080204" pitchFamily="50" charset="-128"/>
+                <a:ea typeface="ＭＳ Ｐゴシック" panose="020B0600070205080204" pitchFamily="50" charset="-128"/>
+              </a:rPr>
+              <a:t>クラスを追加</a:t>
+            </a:r>
+            <a:r>
+              <a:rPr kumimoji="1" lang="en-US" altLang="ja-JP" dirty="0">
+                <a:latin typeface="ＭＳ Ｐゴシック" panose="020B0600070205080204" pitchFamily="50" charset="-128"/>
+                <a:ea typeface="ＭＳ Ｐゴシック" panose="020B0600070205080204" pitchFamily="50" charset="-128"/>
+              </a:rPr>
+              <a:t>)</a:t>
+            </a:r>
+            <a:r>
+              <a:rPr kumimoji="1" lang="ja-JP" altLang="en-US" dirty="0">
+                <a:latin typeface="ＭＳ Ｐゴシック" panose="020B0600070205080204" pitchFamily="50" charset="-128"/>
+                <a:ea typeface="ＭＳ Ｐゴシック" panose="020B0600070205080204" pitchFamily="50" charset="-128"/>
+              </a:rPr>
+              <a:t>して数字タイルにする意図</a:t>
+            </a:r>
+            <a:br>
+              <a:rPr kumimoji="1" lang="en-US" altLang="ja-JP" dirty="0">
+                <a:latin typeface="ＭＳ Ｐゴシック" panose="020B0600070205080204" pitchFamily="50" charset="-128"/>
+                <a:ea typeface="ＭＳ Ｐゴシック" panose="020B0600070205080204" pitchFamily="50" charset="-128"/>
+              </a:rPr>
+            </a:br>
+            <a:r>
+              <a:rPr kumimoji="1" lang="ja-JP" altLang="en-US" dirty="0">
+                <a:latin typeface="ＭＳ Ｐゴシック" panose="020B0600070205080204" pitchFamily="50" charset="-128"/>
+                <a:ea typeface="ＭＳ Ｐゴシック" panose="020B0600070205080204" pitchFamily="50" charset="-128"/>
+              </a:rPr>
+              <a:t>→ 以前の</a:t>
+            </a:r>
+            <a:r>
+              <a:rPr kumimoji="1" lang="en-US" altLang="ja-JP" dirty="0">
+                <a:latin typeface="ＭＳ Ｐゴシック" panose="020B0600070205080204" pitchFamily="50" charset="-128"/>
+                <a:ea typeface="ＭＳ Ｐゴシック" panose="020B0600070205080204" pitchFamily="50" charset="-128"/>
+              </a:rPr>
+              <a:t>tile</a:t>
+            </a:r>
+            <a:r>
+              <a:rPr kumimoji="1" lang="ja-JP" altLang="en-US" dirty="0">
+                <a:latin typeface="ＭＳ Ｐゴシック" panose="020B0600070205080204" pitchFamily="50" charset="-128"/>
+                <a:ea typeface="ＭＳ Ｐゴシック" panose="020B0600070205080204" pitchFamily="50" charset="-128"/>
+              </a:rPr>
+              <a:t>クラスに内容を追加</a:t>
+            </a:r>
+            <a:br>
+              <a:rPr kumimoji="1" lang="en-US" altLang="ja-JP" dirty="0">
+                <a:latin typeface="ＭＳ Ｐゴシック" panose="020B0600070205080204" pitchFamily="50" charset="-128"/>
+                <a:ea typeface="ＭＳ Ｐゴシック" panose="020B0600070205080204" pitchFamily="50" charset="-128"/>
+              </a:rPr>
+            </a:br>
+            <a:endParaRPr kumimoji="1" lang="en-US" altLang="ja-JP" dirty="0">
+              <a:latin typeface="ＭＳ Ｐゴシック" panose="020B0600070205080204" pitchFamily="50" charset="-128"/>
+              <a:ea typeface="ＭＳ Ｐゴシック" panose="020B0600070205080204" pitchFamily="50" charset="-128"/>
+            </a:endParaRPr>
+          </a:p>
+          <a:p>
+            <a:pPr marL="285750" indent="-285750">
+              <a:buFont typeface="Wingdings" panose="05000000000000000000" pitchFamily="2" charset="2"/>
+              <a:buChar char="ü"/>
+            </a:pPr>
+            <a:r>
+              <a:rPr kumimoji="1" lang="ja-JP" altLang="en-US" dirty="0">
+                <a:latin typeface="ＭＳ Ｐゴシック" panose="020B0600070205080204" pitchFamily="50" charset="-128"/>
+                <a:ea typeface="ＭＳ Ｐゴシック" panose="020B0600070205080204" pitchFamily="50" charset="-128"/>
+              </a:rPr>
+              <a:t>ゲームボードのタイルに数字タイルを被せると想定していた</a:t>
+            </a:r>
+            <a:endParaRPr kumimoji="1" lang="en-US" altLang="ja-JP" dirty="0">
+              <a:latin typeface="ＭＳ Ｐゴシック" panose="020B0600070205080204" pitchFamily="50" charset="-128"/>
+              <a:ea typeface="ＭＳ Ｐゴシック" panose="020B0600070205080204" pitchFamily="50" charset="-128"/>
+            </a:endParaRPr>
+          </a:p>
+        </p:txBody>
+      </p:sp>
+      <mc:AlternateContent xmlns:mc="http://schemas.openxmlformats.org/markup-compatibility/2006">
+        <mc:Choice xmlns:we="http://schemas.microsoft.com/office/webextensions/webextension/2010/11" xmlns:pca="http://schemas.microsoft.com/office/powerpoint/2013/contentapp" Requires="we pca">
+          <p:graphicFrame>
+            <p:nvGraphicFramePr>
+              <p:cNvPr id="2" name="アドイン 1">
+                <a:extLst>
+                  <a:ext uri="{FF2B5EF4-FFF2-40B4-BE49-F238E27FC236}">
+                    <a16:creationId xmlns:a16="http://schemas.microsoft.com/office/drawing/2014/main" id="{FC09E584-2260-1562-2711-B1B8557E17CA}"/>
+                  </a:ext>
+                </a:extLst>
+              </p:cNvPr>
+              <p:cNvGraphicFramePr>
+                <a:graphicFrameLocks noGrp="1"/>
+              </p:cNvGraphicFramePr>
+              <p:nvPr>
+                <p:extLst>
+                  <p:ext uri="{D42A27DB-BD31-4B8C-83A1-F6EECF244321}">
+                    <p14:modId xmlns:p14="http://schemas.microsoft.com/office/powerpoint/2010/main" val="2070800623"/>
+                  </p:ext>
+                </p:extLst>
+              </p:nvPr>
+            </p:nvGraphicFramePr>
+            <p:xfrm>
+              <a:off x="829734" y="2737975"/>
+              <a:ext cx="9144000" cy="4121289"/>
+            </p:xfrm>
+            <a:graphic>
+              <a:graphicData uri="http://schemas.microsoft.com/office/webextensions/webextension/2010/11">
+                <we:webextensionref xmlns:we="http://schemas.microsoft.com/office/webextensions/webextension/2010/11" xmlns:r="http://schemas.openxmlformats.org/officeDocument/2006/relationships" r:id="rId2"/>
+              </a:graphicData>
+            </a:graphic>
+          </p:graphicFrame>
+        </mc:Choice>
+        <mc:Fallback>
+          <p:pic>
+            <p:nvPicPr>
+              <p:cNvPr id="2" name="アドイン 1">
+                <a:extLst>
+                  <a:ext uri="{FF2B5EF4-FFF2-40B4-BE49-F238E27FC236}">
+                    <a16:creationId xmlns:a16="http://schemas.microsoft.com/office/drawing/2014/main" id="{FC09E584-2260-1562-2711-B1B8557E17CA}"/>
+                  </a:ext>
+                </a:extLst>
+              </p:cNvPr>
+              <p:cNvPicPr>
+                <a:picLocks noGrp="1" noRot="1" noChangeAspect="1" noMove="1" noResize="1" noEditPoints="1" noAdjustHandles="1" noChangeArrowheads="1" noChangeShapeType="1"/>
+              </p:cNvPicPr>
+              <p:nvPr/>
+            </p:nvPicPr>
+            <p:blipFill>
+              <a:blip r:embed="rId3"/>
+              <a:stretch>
+                <a:fillRect/>
+              </a:stretch>
+            </p:blipFill>
+            <p:spPr>
+              <a:xfrm>
+                <a:off x="829734" y="2737975"/>
+                <a:ext cx="9144000" cy="4121289"/>
+              </a:xfrm>
+              <a:prstGeom prst="rect">
+                <a:avLst/>
+              </a:prstGeom>
+            </p:spPr>
+          </p:pic>
+        </mc:Fallback>
+      </mc:AlternateContent>
+      <p:sp>
+        <p:nvSpPr>
+          <p:cNvPr id="18" name="正方形/長方形 17">
+            <a:extLst>
+              <a:ext uri="{FF2B5EF4-FFF2-40B4-BE49-F238E27FC236}">
+                <a16:creationId xmlns:a16="http://schemas.microsoft.com/office/drawing/2014/main" id="{61A47339-2C22-8635-668D-B42E11A604D9}"/>
+              </a:ext>
+            </a:extLst>
+          </p:cNvPr>
+          <p:cNvSpPr/>
+          <p:nvPr/>
+        </p:nvSpPr>
+        <p:spPr>
+          <a:xfrm>
+            <a:off x="0" y="6112933"/>
+            <a:ext cx="12192000" cy="745067"/>
+          </a:xfrm>
+          <a:prstGeom prst="rect">
+            <a:avLst/>
+          </a:prstGeom>
+        </p:spPr>
+        <p:style>
+          <a:lnRef idx="2">
+            <a:schemeClr val="accent1">
+              <a:shade val="15000"/>
+            </a:schemeClr>
+          </a:lnRef>
+          <a:fillRef idx="1">
+            <a:schemeClr val="accent1"/>
+          </a:fillRef>
+          <a:effectRef idx="0">
+            <a:schemeClr val="accent1"/>
+          </a:effectRef>
+          <a:fontRef idx="minor">
+            <a:schemeClr val="lt1"/>
+          </a:fontRef>
+        </p:style>
+        <p:txBody>
+          <a:bodyPr rtlCol="0" anchor="ctr"/>
+          <a:lstStyle/>
+          <a:p>
+            <a:pPr algn="ctr"/>
+            <a:endParaRPr kumimoji="1" lang="ja-JP" altLang="en-US"/>
+          </a:p>
+        </p:txBody>
+      </p:sp>
+    </p:spTree>
+    <p:extLst>
+      <p:ext uri="{BB962C8B-B14F-4D97-AF65-F5344CB8AC3E}">
+        <p14:creationId xmlns:p14="http://schemas.microsoft.com/office/powerpoint/2010/main" val="4213685975"/>
+      </p:ext>
+    </p:extLst>
+  </p:cSld>
+  <p:clrMapOvr>
+    <a:masterClrMapping/>
+  </p:clrMapOvr>
+</p:sld>
+</file>
+
+<file path=ppt/slides/slide24.xml><?xml version="1.0" encoding="utf-8"?>
+<p:sld xmlns:a="http://schemas.openxmlformats.org/drawingml/2006/main" xmlns:r="http://schemas.openxmlformats.org/officeDocument/2006/relationships" xmlns:p="http://schemas.openxmlformats.org/presentationml/2006/main">
+  <p:cSld>
+    <p:spTree>
+      <p:nvGrpSpPr>
+        <p:cNvPr id="1" name=""/>
+        <p:cNvGrpSpPr/>
+        <p:nvPr/>
+      </p:nvGrpSpPr>
+      <p:grpSpPr>
+        <a:xfrm>
+          <a:off x="0" y="0"/>
+          <a:ext cx="0" cy="0"/>
+          <a:chOff x="0" y="0"/>
+          <a:chExt cx="0" cy="0"/>
+        </a:xfrm>
+      </p:grpSpPr>
+      <p:sp>
+        <p:nvSpPr>
+          <p:cNvPr id="12" name="正方形/長方形 11">
+            <a:extLst>
+              <a:ext uri="{FF2B5EF4-FFF2-40B4-BE49-F238E27FC236}">
+                <a16:creationId xmlns:a16="http://schemas.microsoft.com/office/drawing/2014/main" id="{8D927366-A2BA-562F-C5A8-9F56A5989CF9}"/>
+              </a:ext>
+            </a:extLst>
+          </p:cNvPr>
+          <p:cNvSpPr/>
+          <p:nvPr/>
+        </p:nvSpPr>
+        <p:spPr>
+          <a:xfrm>
+            <a:off x="0" y="0"/>
+            <a:ext cx="12192000" cy="1261534"/>
+          </a:xfrm>
+          <a:prstGeom prst="rect">
+            <a:avLst/>
+          </a:prstGeom>
+        </p:spPr>
+        <p:style>
+          <a:lnRef idx="2">
+            <a:schemeClr val="accent1">
+              <a:shade val="15000"/>
+            </a:schemeClr>
+          </a:lnRef>
+          <a:fillRef idx="1">
+            <a:schemeClr val="accent1"/>
+          </a:fillRef>
+          <a:effectRef idx="0">
+            <a:schemeClr val="accent1"/>
+          </a:effectRef>
+          <a:fontRef idx="minor">
+            <a:schemeClr val="lt1"/>
+          </a:fontRef>
+        </p:style>
+        <p:txBody>
+          <a:bodyPr rtlCol="0" anchor="ctr"/>
+          <a:lstStyle/>
+          <a:p>
+            <a:pPr indent="355600"/>
+            <a:r>
+              <a:rPr kumimoji="1" lang="en-US" altLang="ja-JP" sz="5400" dirty="0">
+                <a:solidFill>
+                  <a:schemeClr val="tx1"/>
+                </a:solidFill>
+                <a:latin typeface="ＭＳ Ｐゴシック" panose="020B0600070205080204" pitchFamily="50" charset="-128"/>
+                <a:ea typeface="ＭＳ Ｐゴシック" panose="020B0600070205080204" pitchFamily="50" charset="-128"/>
+              </a:rPr>
+              <a:t>- </a:t>
+            </a:r>
+            <a:r>
+              <a:rPr kumimoji="1" lang="ja-JP" altLang="en-US" sz="5400" dirty="0">
+                <a:solidFill>
+                  <a:schemeClr val="tx1"/>
+                </a:solidFill>
+                <a:latin typeface="ＭＳ Ｐゴシック" panose="020B0600070205080204" pitchFamily="50" charset="-128"/>
+                <a:ea typeface="ＭＳ Ｐゴシック" panose="020B0600070205080204" pitchFamily="50" charset="-128"/>
+              </a:rPr>
+              <a:t>基本構造の実装</a:t>
+            </a:r>
+          </a:p>
+        </p:txBody>
+      </p:sp>
+      <p:sp>
+        <p:nvSpPr>
+          <p:cNvPr id="18" name="正方形/長方形 17">
+            <a:extLst>
+              <a:ext uri="{FF2B5EF4-FFF2-40B4-BE49-F238E27FC236}">
+                <a16:creationId xmlns:a16="http://schemas.microsoft.com/office/drawing/2014/main" id="{61A47339-2C22-8635-668D-B42E11A604D9}"/>
+              </a:ext>
+            </a:extLst>
+          </p:cNvPr>
+          <p:cNvSpPr/>
+          <p:nvPr/>
+        </p:nvSpPr>
+        <p:spPr>
+          <a:xfrm>
+            <a:off x="0" y="6112933"/>
+            <a:ext cx="12192000" cy="745067"/>
+          </a:xfrm>
+          <a:prstGeom prst="rect">
+            <a:avLst/>
+          </a:prstGeom>
+        </p:spPr>
+        <p:style>
+          <a:lnRef idx="2">
+            <a:schemeClr val="accent1">
+              <a:shade val="15000"/>
+            </a:schemeClr>
+          </a:lnRef>
+          <a:fillRef idx="1">
+            <a:schemeClr val="accent1"/>
+          </a:fillRef>
+          <a:effectRef idx="0">
+            <a:schemeClr val="accent1"/>
+          </a:effectRef>
+          <a:fontRef idx="minor">
+            <a:schemeClr val="lt1"/>
+          </a:fontRef>
+        </p:style>
+        <p:txBody>
+          <a:bodyPr rtlCol="0" anchor="ctr"/>
+          <a:lstStyle/>
+          <a:p>
+            <a:pPr algn="ctr"/>
+            <a:endParaRPr kumimoji="1" lang="ja-JP" altLang="en-US"/>
+          </a:p>
+        </p:txBody>
+      </p:sp>
+      <mc:AlternateContent xmlns:mc="http://schemas.openxmlformats.org/markup-compatibility/2006">
+        <mc:Choice xmlns:we="http://schemas.microsoft.com/office/webextensions/webextension/2010/11" xmlns:pca="http://schemas.microsoft.com/office/powerpoint/2013/contentapp" Requires="we pca">
+          <p:graphicFrame>
+            <p:nvGraphicFramePr>
+              <p:cNvPr id="2" name="アドイン 1">
+                <a:extLst>
+                  <a:ext uri="{FF2B5EF4-FFF2-40B4-BE49-F238E27FC236}">
+                    <a16:creationId xmlns:a16="http://schemas.microsoft.com/office/drawing/2014/main" id="{FC09E584-2260-1562-2711-B1B8557E17CA}"/>
+                  </a:ext>
+                </a:extLst>
+              </p:cNvPr>
+              <p:cNvGraphicFramePr>
+                <a:graphicFrameLocks noGrp="1"/>
+              </p:cNvGraphicFramePr>
+              <p:nvPr>
+                <p:extLst>
+                  <p:ext uri="{D42A27DB-BD31-4B8C-83A1-F6EECF244321}">
+                    <p14:modId xmlns:p14="http://schemas.microsoft.com/office/powerpoint/2010/main" val="444429206"/>
+                  </p:ext>
+                </p:extLst>
+              </p:nvPr>
+            </p:nvGraphicFramePr>
+            <p:xfrm>
+              <a:off x="753534" y="1949311"/>
+              <a:ext cx="9144000" cy="4121289"/>
+            </p:xfrm>
+            <a:graphic>
+              <a:graphicData uri="http://schemas.microsoft.com/office/webextensions/webextension/2010/11">
+                <we:webextensionref xmlns:we="http://schemas.microsoft.com/office/webextensions/webextension/2010/11" xmlns:r="http://schemas.openxmlformats.org/officeDocument/2006/relationships" r:id="rId2"/>
+              </a:graphicData>
+            </a:graphic>
+          </p:graphicFrame>
+        </mc:Choice>
+        <mc:Fallback>
+          <p:pic>
+            <p:nvPicPr>
+              <p:cNvPr id="2" name="アドイン 1">
+                <a:extLst>
+                  <a:ext uri="{FF2B5EF4-FFF2-40B4-BE49-F238E27FC236}">
+                    <a16:creationId xmlns:a16="http://schemas.microsoft.com/office/drawing/2014/main" id="{FC09E584-2260-1562-2711-B1B8557E17CA}"/>
+                  </a:ext>
+                </a:extLst>
+              </p:cNvPr>
+              <p:cNvPicPr>
+                <a:picLocks noGrp="1" noRot="1" noChangeAspect="1" noMove="1" noResize="1" noEditPoints="1" noAdjustHandles="1" noChangeArrowheads="1" noChangeShapeType="1"/>
+              </p:cNvPicPr>
+              <p:nvPr/>
+            </p:nvPicPr>
+            <p:blipFill>
+              <a:blip r:embed="rId3"/>
+              <a:stretch>
+                <a:fillRect/>
+              </a:stretch>
+            </p:blipFill>
+            <p:spPr>
+              <a:xfrm>
+                <a:off x="753534" y="1949311"/>
+                <a:ext cx="9144000" cy="4121289"/>
+              </a:xfrm>
+              <a:prstGeom prst="rect">
+                <a:avLst/>
+              </a:prstGeom>
+            </p:spPr>
+          </p:pic>
+        </mc:Fallback>
+      </mc:AlternateContent>
+      <p:sp>
+        <p:nvSpPr>
+          <p:cNvPr id="3" name="テキスト ボックス 2">
+            <a:extLst>
+              <a:ext uri="{FF2B5EF4-FFF2-40B4-BE49-F238E27FC236}">
+                <a16:creationId xmlns:a16="http://schemas.microsoft.com/office/drawing/2014/main" id="{0D86314C-6A21-3246-E730-F8887C9ECA40}"/>
+              </a:ext>
+            </a:extLst>
+          </p:cNvPr>
+          <p:cNvSpPr txBox="1"/>
+          <p:nvPr/>
+        </p:nvSpPr>
+        <p:spPr>
+          <a:xfrm>
+            <a:off x="372535" y="1537646"/>
+            <a:ext cx="9905998" cy="369332"/>
+          </a:xfrm>
+          <a:prstGeom prst="rect">
+            <a:avLst/>
+          </a:prstGeom>
+          <a:noFill/>
+        </p:spPr>
+        <p:txBody>
+          <a:bodyPr wrap="square" rtlCol="0">
+            <a:spAutoFit/>
+          </a:bodyPr>
+          <a:lstStyle/>
+          <a:p>
+            <a:pPr marL="285750" indent="-285750">
+              <a:buFont typeface="Wingdings" panose="05000000000000000000" pitchFamily="2" charset="2"/>
+              <a:buChar char="ü"/>
+            </a:pPr>
+            <a:r>
+              <a:rPr kumimoji="1" lang="ja-JP" altLang="en-US" dirty="0">
+                <a:latin typeface="ＭＳ Ｐゴシック" panose="020B0600070205080204" pitchFamily="50" charset="-128"/>
+                <a:ea typeface="ＭＳ Ｐゴシック" panose="020B0600070205080204" pitchFamily="50" charset="-128"/>
+              </a:rPr>
+              <a:t>タイル生成機能の準備</a:t>
+            </a:r>
+            <a:endParaRPr kumimoji="1" lang="en-US" altLang="ja-JP" dirty="0">
+              <a:latin typeface="ＭＳ Ｐゴシック" panose="020B0600070205080204" pitchFamily="50" charset="-128"/>
+              <a:ea typeface="ＭＳ Ｐゴシック" panose="020B0600070205080204" pitchFamily="50" charset="-128"/>
+            </a:endParaRPr>
+          </a:p>
+        </p:txBody>
+      </p:sp>
+    </p:spTree>
+    <p:extLst>
+      <p:ext uri="{BB962C8B-B14F-4D97-AF65-F5344CB8AC3E}">
+        <p14:creationId xmlns:p14="http://schemas.microsoft.com/office/powerpoint/2010/main" val="3064661401"/>
+      </p:ext>
+    </p:extLst>
+  </p:cSld>
+  <p:clrMapOvr>
+    <a:masterClrMapping/>
+  </p:clrMapOvr>
+</p:sld>
+</file>
+
+<file path=ppt/slides/slide25.xml><?xml version="1.0" encoding="utf-8"?>
+<p:sld xmlns:a="http://schemas.openxmlformats.org/drawingml/2006/main" xmlns:r="http://schemas.openxmlformats.org/officeDocument/2006/relationships" xmlns:p="http://schemas.openxmlformats.org/presentationml/2006/main">
+  <p:cSld>
+    <p:spTree>
+      <p:nvGrpSpPr>
+        <p:cNvPr id="1" name=""/>
+        <p:cNvGrpSpPr/>
+        <p:nvPr/>
+      </p:nvGrpSpPr>
+      <p:grpSpPr>
+        <a:xfrm>
+          <a:off x="0" y="0"/>
+          <a:ext cx="0" cy="0"/>
+          <a:chOff x="0" y="0"/>
+          <a:chExt cx="0" cy="0"/>
+        </a:xfrm>
+      </p:grpSpPr>
+      <p:sp>
+        <p:nvSpPr>
+          <p:cNvPr id="12" name="正方形/長方形 11">
+            <a:extLst>
+              <a:ext uri="{FF2B5EF4-FFF2-40B4-BE49-F238E27FC236}">
+                <a16:creationId xmlns:a16="http://schemas.microsoft.com/office/drawing/2014/main" id="{8D927366-A2BA-562F-C5A8-9F56A5989CF9}"/>
+              </a:ext>
+            </a:extLst>
+          </p:cNvPr>
+          <p:cNvSpPr/>
+          <p:nvPr/>
+        </p:nvSpPr>
+        <p:spPr>
+          <a:xfrm>
+            <a:off x="0" y="0"/>
+            <a:ext cx="12192000" cy="1261534"/>
+          </a:xfrm>
+          <a:prstGeom prst="rect">
+            <a:avLst/>
+          </a:prstGeom>
+        </p:spPr>
+        <p:style>
+          <a:lnRef idx="2">
+            <a:schemeClr val="accent1">
+              <a:shade val="15000"/>
+            </a:schemeClr>
+          </a:lnRef>
+          <a:fillRef idx="1">
+            <a:schemeClr val="accent1"/>
+          </a:fillRef>
+          <a:effectRef idx="0">
+            <a:schemeClr val="accent1"/>
+          </a:effectRef>
+          <a:fontRef idx="minor">
+            <a:schemeClr val="lt1"/>
+          </a:fontRef>
+        </p:style>
+        <p:txBody>
+          <a:bodyPr rtlCol="0" anchor="ctr"/>
+          <a:lstStyle/>
+          <a:p>
+            <a:pPr indent="355600"/>
+            <a:r>
+              <a:rPr kumimoji="1" lang="en-US" altLang="ja-JP" sz="5400" dirty="0">
+                <a:solidFill>
+                  <a:schemeClr val="tx1"/>
+                </a:solidFill>
+                <a:latin typeface="ＭＳ Ｐゴシック" panose="020B0600070205080204" pitchFamily="50" charset="-128"/>
+                <a:ea typeface="ＭＳ Ｐゴシック" panose="020B0600070205080204" pitchFamily="50" charset="-128"/>
+              </a:rPr>
+              <a:t>- </a:t>
+            </a:r>
+            <a:r>
+              <a:rPr kumimoji="1" lang="ja-JP" altLang="en-US" sz="5400" dirty="0">
+                <a:solidFill>
+                  <a:schemeClr val="tx1"/>
+                </a:solidFill>
+                <a:latin typeface="ＭＳ Ｐゴシック" panose="020B0600070205080204" pitchFamily="50" charset="-128"/>
+                <a:ea typeface="ＭＳ Ｐゴシック" panose="020B0600070205080204" pitchFamily="50" charset="-128"/>
+              </a:rPr>
+              <a:t>基本構造の実装</a:t>
+            </a:r>
+          </a:p>
+        </p:txBody>
+      </p:sp>
+      <p:sp>
+        <p:nvSpPr>
+          <p:cNvPr id="18" name="正方形/長方形 17">
+            <a:extLst>
+              <a:ext uri="{FF2B5EF4-FFF2-40B4-BE49-F238E27FC236}">
+                <a16:creationId xmlns:a16="http://schemas.microsoft.com/office/drawing/2014/main" id="{61A47339-2C22-8635-668D-B42E11A604D9}"/>
+              </a:ext>
+            </a:extLst>
+          </p:cNvPr>
+          <p:cNvSpPr/>
+          <p:nvPr/>
+        </p:nvSpPr>
+        <p:spPr>
+          <a:xfrm>
+            <a:off x="0" y="6112933"/>
+            <a:ext cx="12192000" cy="745067"/>
+          </a:xfrm>
+          <a:prstGeom prst="rect">
+            <a:avLst/>
+          </a:prstGeom>
+        </p:spPr>
+        <p:style>
+          <a:lnRef idx="2">
+            <a:schemeClr val="accent1">
+              <a:shade val="15000"/>
+            </a:schemeClr>
+          </a:lnRef>
+          <a:fillRef idx="1">
+            <a:schemeClr val="accent1"/>
+          </a:fillRef>
+          <a:effectRef idx="0">
+            <a:schemeClr val="accent1"/>
+          </a:effectRef>
+          <a:fontRef idx="minor">
+            <a:schemeClr val="lt1"/>
+          </a:fontRef>
+        </p:style>
+        <p:txBody>
+          <a:bodyPr rtlCol="0" anchor="ctr"/>
+          <a:lstStyle/>
+          <a:p>
+            <a:pPr algn="ctr"/>
+            <a:endParaRPr kumimoji="1" lang="ja-JP" altLang="en-US"/>
+          </a:p>
+        </p:txBody>
+      </p:sp>
+      <p:sp>
+        <p:nvSpPr>
+          <p:cNvPr id="3" name="テキスト ボックス 2">
+            <a:extLst>
+              <a:ext uri="{FF2B5EF4-FFF2-40B4-BE49-F238E27FC236}">
+                <a16:creationId xmlns:a16="http://schemas.microsoft.com/office/drawing/2014/main" id="{0D86314C-6A21-3246-E730-F8887C9ECA40}"/>
+              </a:ext>
+            </a:extLst>
+          </p:cNvPr>
+          <p:cNvSpPr txBox="1"/>
+          <p:nvPr/>
+        </p:nvSpPr>
+        <p:spPr>
+          <a:xfrm>
+            <a:off x="372535" y="1537646"/>
+            <a:ext cx="9905998" cy="369332"/>
+          </a:xfrm>
+          <a:prstGeom prst="rect">
+            <a:avLst/>
+          </a:prstGeom>
+          <a:noFill/>
+        </p:spPr>
+        <p:txBody>
+          <a:bodyPr wrap="square" rtlCol="0">
+            <a:spAutoFit/>
+          </a:bodyPr>
+          <a:lstStyle/>
+          <a:p>
+            <a:pPr marL="285750" indent="-285750">
+              <a:buFont typeface="Wingdings" panose="05000000000000000000" pitchFamily="2" charset="2"/>
+              <a:buChar char="ü"/>
+            </a:pPr>
+            <a:r>
+              <a:rPr kumimoji="1" lang="ja-JP" altLang="en-US" dirty="0">
+                <a:latin typeface="ＭＳ Ｐゴシック" panose="020B0600070205080204" pitchFamily="50" charset="-128"/>
+                <a:ea typeface="ＭＳ Ｐゴシック" panose="020B0600070205080204" pitchFamily="50" charset="-128"/>
+              </a:rPr>
+              <a:t>エラー① </a:t>
+            </a:r>
+            <a:r>
+              <a:rPr kumimoji="1" lang="en-US" altLang="ja-JP" dirty="0">
+                <a:latin typeface="ＭＳ Ｐゴシック" panose="020B0600070205080204" pitchFamily="50" charset="-128"/>
+                <a:ea typeface="ＭＳ Ｐゴシック" panose="020B0600070205080204" pitchFamily="50" charset="-128"/>
+              </a:rPr>
+              <a:t>(</a:t>
+            </a:r>
+            <a:r>
+              <a:rPr kumimoji="1" lang="ja-JP" altLang="en-US" dirty="0">
+                <a:latin typeface="ＭＳ Ｐゴシック" panose="020B0600070205080204" pitchFamily="50" charset="-128"/>
+                <a:ea typeface="ＭＳ Ｐゴシック" panose="020B0600070205080204" pitchFamily="50" charset="-128"/>
+              </a:rPr>
+              <a:t>ページを読み込んだ時に数字タイルが出現しない</a:t>
+            </a:r>
+            <a:r>
+              <a:rPr kumimoji="1" lang="en-US" altLang="ja-JP" dirty="0">
+                <a:latin typeface="ＭＳ Ｐゴシック" panose="020B0600070205080204" pitchFamily="50" charset="-128"/>
+                <a:ea typeface="ＭＳ Ｐゴシック" panose="020B0600070205080204" pitchFamily="50" charset="-128"/>
+              </a:rPr>
+              <a:t>)</a:t>
+            </a:r>
+          </a:p>
+        </p:txBody>
+      </p:sp>
+      <p:pic>
+        <p:nvPicPr>
+          <p:cNvPr id="5" name="図 4" descr="カレンダー が含まれている画像&#10;&#10;自動的に生成された説明">
+            <a:extLst>
+              <a:ext uri="{FF2B5EF4-FFF2-40B4-BE49-F238E27FC236}">
+                <a16:creationId xmlns:a16="http://schemas.microsoft.com/office/drawing/2014/main" id="{11CB25F3-E9AA-06C2-4FD8-AED864020F0A}"/>
+              </a:ext>
+            </a:extLst>
+          </p:cNvPr>
+          <p:cNvPicPr>
+            <a:picLocks noChangeAspect="1"/>
+          </p:cNvPicPr>
+          <p:nvPr/>
+        </p:nvPicPr>
+        <p:blipFill>
+          <a:blip r:embed="rId2">
+            <a:extLst>
+              <a:ext uri="{28A0092B-C50C-407E-A947-70E740481C1C}">
+                <a14:useLocalDpi xmlns:a14="http://schemas.microsoft.com/office/drawing/2010/main" val="0"/>
+              </a:ext>
+            </a:extLst>
+          </a:blip>
+          <a:stretch>
+            <a:fillRect/>
+          </a:stretch>
+        </p:blipFill>
+        <p:spPr>
+          <a:xfrm>
+            <a:off x="964174" y="2617189"/>
+            <a:ext cx="2158191" cy="2785533"/>
+          </a:xfrm>
+          <a:prstGeom prst="rect">
+            <a:avLst/>
+          </a:prstGeom>
+        </p:spPr>
+      </p:pic>
+      <p:pic>
+        <p:nvPicPr>
+          <p:cNvPr id="7" name="図 6" descr="グラフ&#10;&#10;自動的に生成された説明">
+            <a:extLst>
+              <a:ext uri="{FF2B5EF4-FFF2-40B4-BE49-F238E27FC236}">
+                <a16:creationId xmlns:a16="http://schemas.microsoft.com/office/drawing/2014/main" id="{501C9961-913C-3CE5-3CD6-970D72C3F3E3}"/>
+              </a:ext>
+            </a:extLst>
+          </p:cNvPr>
+          <p:cNvPicPr>
+            <a:picLocks noChangeAspect="1"/>
+          </p:cNvPicPr>
+          <p:nvPr/>
+        </p:nvPicPr>
+        <p:blipFill>
+          <a:blip r:embed="rId3">
+            <a:extLst>
+              <a:ext uri="{28A0092B-C50C-407E-A947-70E740481C1C}">
+                <a14:useLocalDpi xmlns:a14="http://schemas.microsoft.com/office/drawing/2010/main" val="0"/>
+              </a:ext>
+            </a:extLst>
+          </a:blip>
+          <a:stretch>
+            <a:fillRect/>
+          </a:stretch>
+        </p:blipFill>
+        <p:spPr>
+          <a:xfrm>
+            <a:off x="4092650" y="2617189"/>
+            <a:ext cx="2194248" cy="2785533"/>
+          </a:xfrm>
+          <a:prstGeom prst="rect">
+            <a:avLst/>
+          </a:prstGeom>
+        </p:spPr>
+      </p:pic>
+      <p:sp>
+        <p:nvSpPr>
+          <p:cNvPr id="8" name="テキスト ボックス 7">
+            <a:extLst>
+              <a:ext uri="{FF2B5EF4-FFF2-40B4-BE49-F238E27FC236}">
+                <a16:creationId xmlns:a16="http://schemas.microsoft.com/office/drawing/2014/main" id="{91418FD4-21C5-6C51-F908-7F8AEA4B7BC2}"/>
+              </a:ext>
+            </a:extLst>
+          </p:cNvPr>
+          <p:cNvSpPr txBox="1"/>
+          <p:nvPr/>
+        </p:nvSpPr>
+        <p:spPr>
+          <a:xfrm>
+            <a:off x="487497" y="2183090"/>
+            <a:ext cx="3111543" cy="369332"/>
+          </a:xfrm>
+          <a:prstGeom prst="rect">
+            <a:avLst/>
+          </a:prstGeom>
+          <a:noFill/>
+        </p:spPr>
+        <p:txBody>
+          <a:bodyPr wrap="square" rtlCol="0">
+            <a:spAutoFit/>
+          </a:bodyPr>
+          <a:lstStyle/>
+          <a:p>
+            <a:pPr algn="ctr"/>
+            <a:r>
+              <a:rPr kumimoji="1" lang="ja-JP" altLang="en-US" dirty="0">
+                <a:latin typeface="ＭＳ Ｐゴシック" panose="020B0600070205080204" pitchFamily="50" charset="-128"/>
+                <a:ea typeface="ＭＳ Ｐゴシック" panose="020B0600070205080204" pitchFamily="50" charset="-128"/>
+              </a:rPr>
+              <a:t>・現段階の初期画面 </a:t>
+            </a:r>
+            <a:r>
+              <a:rPr kumimoji="1" lang="en-US" altLang="ja-JP" dirty="0">
+                <a:latin typeface="ＭＳ Ｐゴシック" panose="020B0600070205080204" pitchFamily="50" charset="-128"/>
+                <a:ea typeface="ＭＳ Ｐゴシック" panose="020B0600070205080204" pitchFamily="50" charset="-128"/>
+              </a:rPr>
+              <a:t>(</a:t>
+            </a:r>
+            <a:r>
+              <a:rPr kumimoji="1" lang="ja-JP" altLang="en-US" dirty="0">
+                <a:latin typeface="ＭＳ Ｐゴシック" panose="020B0600070205080204" pitchFamily="50" charset="-128"/>
+                <a:ea typeface="ＭＳ Ｐゴシック" panose="020B0600070205080204" pitchFamily="50" charset="-128"/>
+              </a:rPr>
+              <a:t>エラー</a:t>
+            </a:r>
+            <a:r>
+              <a:rPr kumimoji="1" lang="en-US" altLang="ja-JP" dirty="0">
+                <a:latin typeface="ＭＳ Ｐゴシック" panose="020B0600070205080204" pitchFamily="50" charset="-128"/>
+                <a:ea typeface="ＭＳ Ｐゴシック" panose="020B0600070205080204" pitchFamily="50" charset="-128"/>
+              </a:rPr>
+              <a:t>)</a:t>
+            </a:r>
+          </a:p>
+        </p:txBody>
+      </p:sp>
+      <p:sp>
+        <p:nvSpPr>
+          <p:cNvPr id="9" name="テキスト ボックス 8">
+            <a:extLst>
+              <a:ext uri="{FF2B5EF4-FFF2-40B4-BE49-F238E27FC236}">
+                <a16:creationId xmlns:a16="http://schemas.microsoft.com/office/drawing/2014/main" id="{99345FC0-BDF7-A3D7-821A-941DC2C41EE2}"/>
+              </a:ext>
+            </a:extLst>
+          </p:cNvPr>
+          <p:cNvSpPr txBox="1"/>
+          <p:nvPr/>
+        </p:nvSpPr>
+        <p:spPr>
+          <a:xfrm>
+            <a:off x="3599040" y="2183090"/>
+            <a:ext cx="3111543" cy="369332"/>
+          </a:xfrm>
+          <a:prstGeom prst="rect">
+            <a:avLst/>
+          </a:prstGeom>
+          <a:noFill/>
+        </p:spPr>
+        <p:txBody>
+          <a:bodyPr wrap="square" rtlCol="0">
+            <a:spAutoFit/>
+          </a:bodyPr>
+          <a:lstStyle/>
+          <a:p>
+            <a:pPr algn="ctr"/>
+            <a:r>
+              <a:rPr kumimoji="1" lang="ja-JP" altLang="en-US" dirty="0">
+                <a:latin typeface="ＭＳ Ｐゴシック" panose="020B0600070205080204" pitchFamily="50" charset="-128"/>
+                <a:ea typeface="ＭＳ Ｐゴシック" panose="020B0600070205080204" pitchFamily="50" charset="-128"/>
+              </a:rPr>
+              <a:t>・作りたい初期画面</a:t>
+            </a:r>
+            <a:endParaRPr kumimoji="1" lang="en-US" altLang="ja-JP" dirty="0">
+              <a:latin typeface="ＭＳ Ｐゴシック" panose="020B0600070205080204" pitchFamily="50" charset="-128"/>
+              <a:ea typeface="ＭＳ Ｐゴシック" panose="020B0600070205080204" pitchFamily="50" charset="-128"/>
+            </a:endParaRPr>
+          </a:p>
+        </p:txBody>
+      </p:sp>
+    </p:spTree>
+    <p:extLst>
+      <p:ext uri="{BB962C8B-B14F-4D97-AF65-F5344CB8AC3E}">
+        <p14:creationId xmlns:p14="http://schemas.microsoft.com/office/powerpoint/2010/main" val="179526904"/>
+      </p:ext>
+    </p:extLst>
+  </p:cSld>
+  <p:clrMapOvr>
+    <a:masterClrMapping/>
+  </p:clrMapOvr>
+</p:sld>
+</file>
+
+<file path=ppt/slides/slide26.xml><?xml version="1.0" encoding="utf-8"?>
+<p:sld xmlns:a="http://schemas.openxmlformats.org/drawingml/2006/main" xmlns:r="http://schemas.openxmlformats.org/officeDocument/2006/relationships" xmlns:p="http://schemas.openxmlformats.org/presentationml/2006/main">
+  <p:cSld>
+    <p:spTree>
+      <p:nvGrpSpPr>
+        <p:cNvPr id="1" name=""/>
+        <p:cNvGrpSpPr/>
+        <p:nvPr/>
+      </p:nvGrpSpPr>
+      <p:grpSpPr>
+        <a:xfrm>
+          <a:off x="0" y="0"/>
+          <a:ext cx="0" cy="0"/>
+          <a:chOff x="0" y="0"/>
+          <a:chExt cx="0" cy="0"/>
+        </a:xfrm>
+      </p:grpSpPr>
+      <p:sp>
+        <p:nvSpPr>
+          <p:cNvPr id="12" name="正方形/長方形 11">
+            <a:extLst>
+              <a:ext uri="{FF2B5EF4-FFF2-40B4-BE49-F238E27FC236}">
+                <a16:creationId xmlns:a16="http://schemas.microsoft.com/office/drawing/2014/main" id="{8D927366-A2BA-562F-C5A8-9F56A5989CF9}"/>
+              </a:ext>
+            </a:extLst>
+          </p:cNvPr>
+          <p:cNvSpPr/>
+          <p:nvPr/>
+        </p:nvSpPr>
+        <p:spPr>
+          <a:xfrm>
+            <a:off x="0" y="0"/>
+            <a:ext cx="12192000" cy="1261534"/>
+          </a:xfrm>
+          <a:prstGeom prst="rect">
+            <a:avLst/>
+          </a:prstGeom>
+        </p:spPr>
+        <p:style>
+          <a:lnRef idx="2">
+            <a:schemeClr val="accent1">
+              <a:shade val="15000"/>
+            </a:schemeClr>
+          </a:lnRef>
+          <a:fillRef idx="1">
+            <a:schemeClr val="accent1"/>
+          </a:fillRef>
+          <a:effectRef idx="0">
+            <a:schemeClr val="accent1"/>
+          </a:effectRef>
+          <a:fontRef idx="minor">
+            <a:schemeClr val="lt1"/>
+          </a:fontRef>
+        </p:style>
+        <p:txBody>
+          <a:bodyPr rtlCol="0" anchor="ctr"/>
+          <a:lstStyle/>
+          <a:p>
+            <a:pPr indent="355600"/>
+            <a:r>
+              <a:rPr kumimoji="1" lang="en-US" altLang="ja-JP" sz="5400" dirty="0">
+                <a:solidFill>
+                  <a:schemeClr val="tx1"/>
+                </a:solidFill>
+                <a:latin typeface="ＭＳ Ｐゴシック" panose="020B0600070205080204" pitchFamily="50" charset="-128"/>
+                <a:ea typeface="ＭＳ Ｐゴシック" panose="020B0600070205080204" pitchFamily="50" charset="-128"/>
+              </a:rPr>
+              <a:t>- </a:t>
+            </a:r>
+            <a:r>
+              <a:rPr kumimoji="1" lang="ja-JP" altLang="en-US" sz="5400" dirty="0">
+                <a:solidFill>
+                  <a:schemeClr val="tx1"/>
+                </a:solidFill>
+                <a:latin typeface="ＭＳ Ｐゴシック" panose="020B0600070205080204" pitchFamily="50" charset="-128"/>
+                <a:ea typeface="ＭＳ Ｐゴシック" panose="020B0600070205080204" pitchFamily="50" charset="-128"/>
+              </a:rPr>
+              <a:t>基本構造の実装</a:t>
+            </a:r>
+          </a:p>
+        </p:txBody>
+      </p:sp>
+      <p:sp>
+        <p:nvSpPr>
+          <p:cNvPr id="18" name="正方形/長方形 17">
+            <a:extLst>
+              <a:ext uri="{FF2B5EF4-FFF2-40B4-BE49-F238E27FC236}">
+                <a16:creationId xmlns:a16="http://schemas.microsoft.com/office/drawing/2014/main" id="{61A47339-2C22-8635-668D-B42E11A604D9}"/>
+              </a:ext>
+            </a:extLst>
+          </p:cNvPr>
+          <p:cNvSpPr/>
+          <p:nvPr/>
+        </p:nvSpPr>
+        <p:spPr>
+          <a:xfrm>
+            <a:off x="0" y="6112933"/>
+            <a:ext cx="12192000" cy="745067"/>
+          </a:xfrm>
+          <a:prstGeom prst="rect">
+            <a:avLst/>
+          </a:prstGeom>
+        </p:spPr>
+        <p:style>
+          <a:lnRef idx="2">
+            <a:schemeClr val="accent1">
+              <a:shade val="15000"/>
+            </a:schemeClr>
+          </a:lnRef>
+          <a:fillRef idx="1">
+            <a:schemeClr val="accent1"/>
+          </a:fillRef>
+          <a:effectRef idx="0">
+            <a:schemeClr val="accent1"/>
+          </a:effectRef>
+          <a:fontRef idx="minor">
+            <a:schemeClr val="lt1"/>
+          </a:fontRef>
+        </p:style>
+        <p:txBody>
+          <a:bodyPr rtlCol="0" anchor="ctr"/>
+          <a:lstStyle/>
+          <a:p>
+            <a:pPr algn="ctr"/>
+            <a:endParaRPr kumimoji="1" lang="ja-JP" altLang="en-US"/>
+          </a:p>
+        </p:txBody>
+      </p:sp>
+      <mc:AlternateContent xmlns:mc="http://schemas.openxmlformats.org/markup-compatibility/2006">
+        <mc:Choice xmlns:we="http://schemas.microsoft.com/office/webextensions/webextension/2010/11" xmlns:pca="http://schemas.microsoft.com/office/powerpoint/2013/contentapp" Requires="we pca">
+          <p:graphicFrame>
+            <p:nvGraphicFramePr>
+              <p:cNvPr id="2" name="アドイン 1">
+                <a:extLst>
+                  <a:ext uri="{FF2B5EF4-FFF2-40B4-BE49-F238E27FC236}">
+                    <a16:creationId xmlns:a16="http://schemas.microsoft.com/office/drawing/2014/main" id="{FC09E584-2260-1562-2711-B1B8557E17CA}"/>
+                  </a:ext>
+                </a:extLst>
+              </p:cNvPr>
+              <p:cNvGraphicFramePr>
+                <a:graphicFrameLocks noGrp="1"/>
+              </p:cNvGraphicFramePr>
+              <p:nvPr/>
+            </p:nvGraphicFramePr>
+            <p:xfrm>
+              <a:off x="753534" y="1949311"/>
+              <a:ext cx="9144000" cy="4121289"/>
+            </p:xfrm>
+            <a:graphic>
+              <a:graphicData uri="http://schemas.microsoft.com/office/webextensions/webextension/2010/11">
+                <we:webextensionref xmlns:we="http://schemas.microsoft.com/office/webextensions/webextension/2010/11" xmlns:r="http://schemas.openxmlformats.org/officeDocument/2006/relationships" r:id="rId2"/>
+              </a:graphicData>
+            </a:graphic>
+          </p:graphicFrame>
+        </mc:Choice>
+        <mc:Fallback>
+          <p:pic>
+            <p:nvPicPr>
+              <p:cNvPr id="2" name="アドイン 1">
+                <a:extLst>
+                  <a:ext uri="{FF2B5EF4-FFF2-40B4-BE49-F238E27FC236}">
+                    <a16:creationId xmlns:a16="http://schemas.microsoft.com/office/drawing/2014/main" id="{FC09E584-2260-1562-2711-B1B8557E17CA}"/>
+                  </a:ext>
+                </a:extLst>
+              </p:cNvPr>
+              <p:cNvPicPr>
+                <a:picLocks noGrp="1" noRot="1" noChangeAspect="1" noMove="1" noResize="1" noEditPoints="1" noAdjustHandles="1" noChangeArrowheads="1" noChangeShapeType="1"/>
+              </p:cNvPicPr>
+              <p:nvPr/>
+            </p:nvPicPr>
+            <p:blipFill>
+              <a:blip r:embed="rId3"/>
+              <a:stretch>
+                <a:fillRect/>
+              </a:stretch>
+            </p:blipFill>
+            <p:spPr>
+              <a:xfrm>
+                <a:off x="753534" y="1949311"/>
+                <a:ext cx="9144000" cy="4121289"/>
+              </a:xfrm>
+              <a:prstGeom prst="rect">
+                <a:avLst/>
+              </a:prstGeom>
+            </p:spPr>
+          </p:pic>
+        </mc:Fallback>
+      </mc:AlternateContent>
+      <p:sp>
+        <p:nvSpPr>
+          <p:cNvPr id="3" name="テキスト ボックス 2">
+            <a:extLst>
+              <a:ext uri="{FF2B5EF4-FFF2-40B4-BE49-F238E27FC236}">
+                <a16:creationId xmlns:a16="http://schemas.microsoft.com/office/drawing/2014/main" id="{0D86314C-6A21-3246-E730-F8887C9ECA40}"/>
+              </a:ext>
+            </a:extLst>
+          </p:cNvPr>
+          <p:cNvSpPr txBox="1"/>
+          <p:nvPr/>
+        </p:nvSpPr>
+        <p:spPr>
+          <a:xfrm>
+            <a:off x="372535" y="1537646"/>
+            <a:ext cx="9905998" cy="369332"/>
+          </a:xfrm>
+          <a:prstGeom prst="rect">
+            <a:avLst/>
+          </a:prstGeom>
+          <a:noFill/>
+        </p:spPr>
+        <p:txBody>
+          <a:bodyPr wrap="square" rtlCol="0">
+            <a:spAutoFit/>
+          </a:bodyPr>
+          <a:lstStyle/>
+          <a:p>
+            <a:pPr marL="285750" indent="-285750">
+              <a:buFont typeface="Wingdings" panose="05000000000000000000" pitchFamily="2" charset="2"/>
+              <a:buChar char="ü"/>
+            </a:pPr>
+            <a:r>
+              <a:rPr kumimoji="1" lang="ja-JP" altLang="en-US" dirty="0">
+                <a:latin typeface="ＭＳ Ｐゴシック" panose="020B0600070205080204" pitchFamily="50" charset="-128"/>
+                <a:ea typeface="ＭＳ Ｐゴシック" panose="020B0600070205080204" pitchFamily="50" charset="-128"/>
+              </a:rPr>
+              <a:t>エラー①の対処</a:t>
+            </a:r>
+            <a:endParaRPr kumimoji="1" lang="en-US" altLang="ja-JP" dirty="0">
+              <a:latin typeface="ＭＳ Ｐゴシック" panose="020B0600070205080204" pitchFamily="50" charset="-128"/>
+              <a:ea typeface="ＭＳ Ｐゴシック" panose="020B0600070205080204" pitchFamily="50" charset="-128"/>
+            </a:endParaRPr>
+          </a:p>
+        </p:txBody>
+      </p:sp>
+    </p:spTree>
+    <p:extLst>
+      <p:ext uri="{BB962C8B-B14F-4D97-AF65-F5344CB8AC3E}">
+        <p14:creationId xmlns:p14="http://schemas.microsoft.com/office/powerpoint/2010/main" val="800918476"/>
+      </p:ext>
+    </p:extLst>
+  </p:cSld>
+  <p:clrMapOvr>
+    <a:masterClrMapping/>
+  </p:clrMapOvr>
+</p:sld>
+</file>
+
+<file path=ppt/slides/slide27.xml><?xml version="1.0" encoding="utf-8"?>
+<p:sld xmlns:a="http://schemas.openxmlformats.org/drawingml/2006/main" xmlns:r="http://schemas.openxmlformats.org/officeDocument/2006/relationships" xmlns:p="http://schemas.openxmlformats.org/presentationml/2006/main">
+  <p:cSld>
+    <p:spTree>
+      <p:nvGrpSpPr>
+        <p:cNvPr id="1" name=""/>
+        <p:cNvGrpSpPr/>
+        <p:nvPr/>
+      </p:nvGrpSpPr>
+      <p:grpSpPr>
+        <a:xfrm>
+          <a:off x="0" y="0"/>
+          <a:ext cx="0" cy="0"/>
+          <a:chOff x="0" y="0"/>
+          <a:chExt cx="0" cy="0"/>
+        </a:xfrm>
+      </p:grpSpPr>
+      <p:sp>
+        <p:nvSpPr>
+          <p:cNvPr id="12" name="正方形/長方形 11">
+            <a:extLst>
+              <a:ext uri="{FF2B5EF4-FFF2-40B4-BE49-F238E27FC236}">
+                <a16:creationId xmlns:a16="http://schemas.microsoft.com/office/drawing/2014/main" id="{8D927366-A2BA-562F-C5A8-9F56A5989CF9}"/>
+              </a:ext>
+            </a:extLst>
+          </p:cNvPr>
+          <p:cNvSpPr/>
+          <p:nvPr/>
+        </p:nvSpPr>
+        <p:spPr>
+          <a:xfrm>
+            <a:off x="0" y="0"/>
+            <a:ext cx="12192000" cy="1261534"/>
+          </a:xfrm>
+          <a:prstGeom prst="rect">
+            <a:avLst/>
+          </a:prstGeom>
+        </p:spPr>
+        <p:style>
+          <a:lnRef idx="2">
+            <a:schemeClr val="accent1">
+              <a:shade val="15000"/>
+            </a:schemeClr>
+          </a:lnRef>
+          <a:fillRef idx="1">
+            <a:schemeClr val="accent1"/>
+          </a:fillRef>
+          <a:effectRef idx="0">
+            <a:schemeClr val="accent1"/>
+          </a:effectRef>
+          <a:fontRef idx="minor">
+            <a:schemeClr val="lt1"/>
+          </a:fontRef>
+        </p:style>
+        <p:txBody>
+          <a:bodyPr rtlCol="0" anchor="ctr"/>
+          <a:lstStyle/>
+          <a:p>
+            <a:pPr indent="355600"/>
+            <a:r>
+              <a:rPr kumimoji="1" lang="en-US" altLang="ja-JP" sz="5400" dirty="0">
+                <a:solidFill>
+                  <a:schemeClr val="tx1"/>
+                </a:solidFill>
+                <a:latin typeface="ＭＳ Ｐゴシック" panose="020B0600070205080204" pitchFamily="50" charset="-128"/>
+                <a:ea typeface="ＭＳ Ｐゴシック" panose="020B0600070205080204" pitchFamily="50" charset="-128"/>
+              </a:rPr>
+              <a:t>- </a:t>
+            </a:r>
+            <a:r>
+              <a:rPr kumimoji="1" lang="ja-JP" altLang="en-US" sz="5400" dirty="0">
+                <a:solidFill>
+                  <a:schemeClr val="tx1"/>
+                </a:solidFill>
+                <a:latin typeface="ＭＳ Ｐゴシック" panose="020B0600070205080204" pitchFamily="50" charset="-128"/>
+                <a:ea typeface="ＭＳ Ｐゴシック" panose="020B0600070205080204" pitchFamily="50" charset="-128"/>
+              </a:rPr>
+              <a:t>基本構造の実装</a:t>
+            </a:r>
+          </a:p>
+        </p:txBody>
+      </p:sp>
+      <p:sp>
+        <p:nvSpPr>
+          <p:cNvPr id="18" name="正方形/長方形 17">
+            <a:extLst>
+              <a:ext uri="{FF2B5EF4-FFF2-40B4-BE49-F238E27FC236}">
+                <a16:creationId xmlns:a16="http://schemas.microsoft.com/office/drawing/2014/main" id="{61A47339-2C22-8635-668D-B42E11A604D9}"/>
+              </a:ext>
+            </a:extLst>
+          </p:cNvPr>
+          <p:cNvSpPr/>
+          <p:nvPr/>
+        </p:nvSpPr>
+        <p:spPr>
+          <a:xfrm>
+            <a:off x="0" y="6112933"/>
+            <a:ext cx="12192000" cy="745067"/>
+          </a:xfrm>
+          <a:prstGeom prst="rect">
+            <a:avLst/>
+          </a:prstGeom>
+        </p:spPr>
+        <p:style>
+          <a:lnRef idx="2">
+            <a:schemeClr val="accent1">
+              <a:shade val="15000"/>
+            </a:schemeClr>
+          </a:lnRef>
+          <a:fillRef idx="1">
+            <a:schemeClr val="accent1"/>
+          </a:fillRef>
+          <a:effectRef idx="0">
+            <a:schemeClr val="accent1"/>
+          </a:effectRef>
+          <a:fontRef idx="minor">
+            <a:schemeClr val="lt1"/>
+          </a:fontRef>
+        </p:style>
+        <p:txBody>
+          <a:bodyPr rtlCol="0" anchor="ctr"/>
+          <a:lstStyle/>
+          <a:p>
+            <a:pPr algn="ctr"/>
+            <a:endParaRPr kumimoji="1" lang="ja-JP" altLang="en-US"/>
+          </a:p>
+        </p:txBody>
+      </p:sp>
+      <p:sp>
+        <p:nvSpPr>
+          <p:cNvPr id="3" name="テキスト ボックス 2">
+            <a:extLst>
+              <a:ext uri="{FF2B5EF4-FFF2-40B4-BE49-F238E27FC236}">
+                <a16:creationId xmlns:a16="http://schemas.microsoft.com/office/drawing/2014/main" id="{0D86314C-6A21-3246-E730-F8887C9ECA40}"/>
+              </a:ext>
+            </a:extLst>
+          </p:cNvPr>
+          <p:cNvSpPr txBox="1"/>
+          <p:nvPr/>
+        </p:nvSpPr>
+        <p:spPr>
+          <a:xfrm>
+            <a:off x="372535" y="1537646"/>
+            <a:ext cx="9905998" cy="369332"/>
+          </a:xfrm>
+          <a:prstGeom prst="rect">
+            <a:avLst/>
+          </a:prstGeom>
+          <a:noFill/>
+        </p:spPr>
+        <p:txBody>
+          <a:bodyPr wrap="square" rtlCol="0">
+            <a:spAutoFit/>
+          </a:bodyPr>
+          <a:lstStyle/>
+          <a:p>
+            <a:pPr marL="285750" indent="-285750">
+              <a:buFont typeface="Wingdings" panose="05000000000000000000" pitchFamily="2" charset="2"/>
+              <a:buChar char="ü"/>
+            </a:pPr>
+            <a:r>
+              <a:rPr kumimoji="1" lang="ja-JP" altLang="en-US" dirty="0">
+                <a:latin typeface="ＭＳ Ｐゴシック" panose="020B0600070205080204" pitchFamily="50" charset="-128"/>
+                <a:ea typeface="ＭＳ Ｐゴシック" panose="020B0600070205080204" pitchFamily="50" charset="-128"/>
+              </a:rPr>
+              <a:t>エラー② </a:t>
+            </a:r>
+            <a:r>
+              <a:rPr kumimoji="1" lang="en-US" altLang="ja-JP" dirty="0">
+                <a:latin typeface="ＭＳ Ｐゴシック" panose="020B0600070205080204" pitchFamily="50" charset="-128"/>
+                <a:ea typeface="ＭＳ Ｐゴシック" panose="020B0600070205080204" pitchFamily="50" charset="-128"/>
+              </a:rPr>
+              <a:t>(</a:t>
+            </a:r>
+            <a:r>
+              <a:rPr kumimoji="1" lang="ja-JP" altLang="en-US" dirty="0">
+                <a:latin typeface="ＭＳ Ｐゴシック" panose="020B0600070205080204" pitchFamily="50" charset="-128"/>
+                <a:ea typeface="ＭＳ Ｐゴシック" panose="020B0600070205080204" pitchFamily="50" charset="-128"/>
+              </a:rPr>
+              <a:t>数字タイルがゲームボードのタイルとサイズが違う</a:t>
+            </a:r>
+            <a:r>
+              <a:rPr kumimoji="1" lang="en-US" altLang="ja-JP" dirty="0">
+                <a:latin typeface="ＭＳ Ｐゴシック" panose="020B0600070205080204" pitchFamily="50" charset="-128"/>
+                <a:ea typeface="ＭＳ Ｐゴシック" panose="020B0600070205080204" pitchFamily="50" charset="-128"/>
+              </a:rPr>
+              <a:t>)</a:t>
+            </a:r>
+          </a:p>
+        </p:txBody>
+      </p:sp>
+      <p:pic>
+        <p:nvPicPr>
+          <p:cNvPr id="4" name="図 3" descr="グラフ&#10;&#10;自動的に生成された説明">
+            <a:extLst>
+              <a:ext uri="{FF2B5EF4-FFF2-40B4-BE49-F238E27FC236}">
+                <a16:creationId xmlns:a16="http://schemas.microsoft.com/office/drawing/2014/main" id="{B8EB37DC-C18B-98A0-B421-FE8B2520E42D}"/>
+              </a:ext>
+            </a:extLst>
+          </p:cNvPr>
+          <p:cNvPicPr>
+            <a:picLocks noChangeAspect="1"/>
+          </p:cNvPicPr>
+          <p:nvPr/>
+        </p:nvPicPr>
+        <p:blipFill>
+          <a:blip r:embed="rId2">
+            <a:extLst>
+              <a:ext uri="{28A0092B-C50C-407E-A947-70E740481C1C}">
+                <a14:useLocalDpi xmlns:a14="http://schemas.microsoft.com/office/drawing/2010/main" val="0"/>
+              </a:ext>
+            </a:extLst>
+          </a:blip>
+          <a:stretch>
+            <a:fillRect/>
+          </a:stretch>
+        </p:blipFill>
+        <p:spPr>
+          <a:xfrm>
+            <a:off x="4092650" y="2617189"/>
+            <a:ext cx="2194248" cy="2785533"/>
+          </a:xfrm>
+          <a:prstGeom prst="rect">
+            <a:avLst/>
+          </a:prstGeom>
+        </p:spPr>
+      </p:pic>
+      <p:sp>
+        <p:nvSpPr>
+          <p:cNvPr id="5" name="テキスト ボックス 4">
+            <a:extLst>
+              <a:ext uri="{FF2B5EF4-FFF2-40B4-BE49-F238E27FC236}">
+                <a16:creationId xmlns:a16="http://schemas.microsoft.com/office/drawing/2014/main" id="{DAEDCF6C-8F13-87F6-09B4-FABD7B922CFF}"/>
+              </a:ext>
+            </a:extLst>
+          </p:cNvPr>
+          <p:cNvSpPr txBox="1"/>
+          <p:nvPr/>
+        </p:nvSpPr>
+        <p:spPr>
+          <a:xfrm>
+            <a:off x="3599040" y="2183090"/>
+            <a:ext cx="3111543" cy="369332"/>
+          </a:xfrm>
+          <a:prstGeom prst="rect">
+            <a:avLst/>
+          </a:prstGeom>
+          <a:noFill/>
+        </p:spPr>
+        <p:txBody>
+          <a:bodyPr wrap="square" rtlCol="0">
+            <a:spAutoFit/>
+          </a:bodyPr>
+          <a:lstStyle/>
+          <a:p>
+            <a:pPr algn="ctr"/>
+            <a:r>
+              <a:rPr kumimoji="1" lang="ja-JP" altLang="en-US" dirty="0">
+                <a:latin typeface="ＭＳ Ｐゴシック" panose="020B0600070205080204" pitchFamily="50" charset="-128"/>
+                <a:ea typeface="ＭＳ Ｐゴシック" panose="020B0600070205080204" pitchFamily="50" charset="-128"/>
+              </a:rPr>
+              <a:t>・作りたい初期画面</a:t>
+            </a:r>
+            <a:endParaRPr kumimoji="1" lang="en-US" altLang="ja-JP" dirty="0">
+              <a:latin typeface="ＭＳ Ｐゴシック" panose="020B0600070205080204" pitchFamily="50" charset="-128"/>
+              <a:ea typeface="ＭＳ Ｐゴシック" panose="020B0600070205080204" pitchFamily="50" charset="-128"/>
+            </a:endParaRPr>
+          </a:p>
+        </p:txBody>
+      </p:sp>
+      <p:pic>
+        <p:nvPicPr>
+          <p:cNvPr id="7" name="図 6" descr="座る, 水, 写真, キーボード が含まれている画像&#10;&#10;自動的に生成された説明">
+            <a:extLst>
+              <a:ext uri="{FF2B5EF4-FFF2-40B4-BE49-F238E27FC236}">
+                <a16:creationId xmlns:a16="http://schemas.microsoft.com/office/drawing/2014/main" id="{599487DC-FA22-A6BB-4305-393254A48E86}"/>
+              </a:ext>
+            </a:extLst>
+          </p:cNvPr>
+          <p:cNvPicPr>
+            <a:picLocks noChangeAspect="1"/>
+          </p:cNvPicPr>
+          <p:nvPr/>
+        </p:nvPicPr>
+        <p:blipFill>
+          <a:blip r:embed="rId3">
+            <a:extLst>
+              <a:ext uri="{28A0092B-C50C-407E-A947-70E740481C1C}">
+                <a14:useLocalDpi xmlns:a14="http://schemas.microsoft.com/office/drawing/2010/main" val="0"/>
+              </a:ext>
+            </a:extLst>
+          </a:blip>
+          <a:stretch>
+            <a:fillRect/>
+          </a:stretch>
+        </p:blipFill>
+        <p:spPr>
+          <a:xfrm>
+            <a:off x="919676" y="2617189"/>
+            <a:ext cx="2155105" cy="2785533"/>
+          </a:xfrm>
+          <a:prstGeom prst="rect">
+            <a:avLst/>
+          </a:prstGeom>
+        </p:spPr>
+      </p:pic>
+      <p:sp>
+        <p:nvSpPr>
+          <p:cNvPr id="8" name="テキスト ボックス 7">
+            <a:extLst>
+              <a:ext uri="{FF2B5EF4-FFF2-40B4-BE49-F238E27FC236}">
+                <a16:creationId xmlns:a16="http://schemas.microsoft.com/office/drawing/2014/main" id="{A7180934-F669-A77D-B907-7A58F9D02717}"/>
+              </a:ext>
+            </a:extLst>
+          </p:cNvPr>
+          <p:cNvSpPr txBox="1"/>
+          <p:nvPr/>
+        </p:nvSpPr>
+        <p:spPr>
+          <a:xfrm>
+            <a:off x="441456" y="2183090"/>
+            <a:ext cx="3111543" cy="369332"/>
+          </a:xfrm>
+          <a:prstGeom prst="rect">
+            <a:avLst/>
+          </a:prstGeom>
+          <a:noFill/>
+        </p:spPr>
+        <p:txBody>
+          <a:bodyPr wrap="square" rtlCol="0">
+            <a:spAutoFit/>
+          </a:bodyPr>
+          <a:lstStyle/>
+          <a:p>
+            <a:pPr algn="ctr"/>
+            <a:r>
+              <a:rPr kumimoji="1" lang="ja-JP" altLang="en-US" dirty="0">
+                <a:latin typeface="ＭＳ Ｐゴシック" panose="020B0600070205080204" pitchFamily="50" charset="-128"/>
+                <a:ea typeface="ＭＳ Ｐゴシック" panose="020B0600070205080204" pitchFamily="50" charset="-128"/>
+              </a:rPr>
+              <a:t>・現段階の初期画面</a:t>
+            </a:r>
+            <a:r>
+              <a:rPr kumimoji="1" lang="en-US" altLang="ja-JP" dirty="0">
+                <a:latin typeface="ＭＳ Ｐゴシック" panose="020B0600070205080204" pitchFamily="50" charset="-128"/>
+                <a:ea typeface="ＭＳ Ｐゴシック" panose="020B0600070205080204" pitchFamily="50" charset="-128"/>
+              </a:rPr>
+              <a:t>(</a:t>
+            </a:r>
+            <a:r>
+              <a:rPr kumimoji="1" lang="ja-JP" altLang="en-US" dirty="0">
+                <a:latin typeface="ＭＳ Ｐゴシック" panose="020B0600070205080204" pitchFamily="50" charset="-128"/>
+                <a:ea typeface="ＭＳ Ｐゴシック" panose="020B0600070205080204" pitchFamily="50" charset="-128"/>
+              </a:rPr>
+              <a:t>エラー</a:t>
+            </a:r>
+            <a:r>
+              <a:rPr kumimoji="1" lang="en-US" altLang="ja-JP" dirty="0">
+                <a:latin typeface="ＭＳ Ｐゴシック" panose="020B0600070205080204" pitchFamily="50" charset="-128"/>
+                <a:ea typeface="ＭＳ Ｐゴシック" panose="020B0600070205080204" pitchFamily="50" charset="-128"/>
+              </a:rPr>
+              <a:t>)</a:t>
+            </a:r>
+          </a:p>
+        </p:txBody>
+      </p:sp>
+    </p:spTree>
+    <p:extLst>
+      <p:ext uri="{BB962C8B-B14F-4D97-AF65-F5344CB8AC3E}">
+        <p14:creationId xmlns:p14="http://schemas.microsoft.com/office/powerpoint/2010/main" val="2221123701"/>
+      </p:ext>
+    </p:extLst>
+  </p:cSld>
+  <p:clrMapOvr>
+    <a:masterClrMapping/>
+  </p:clrMapOvr>
+</p:sld>
+</file>
+
+<file path=ppt/slides/slide28.xml><?xml version="1.0" encoding="utf-8"?>
+<p:sld xmlns:a="http://schemas.openxmlformats.org/drawingml/2006/main" xmlns:r="http://schemas.openxmlformats.org/officeDocument/2006/relationships" xmlns:p="http://schemas.openxmlformats.org/presentationml/2006/main">
+  <p:cSld>
+    <p:spTree>
+      <p:nvGrpSpPr>
+        <p:cNvPr id="1" name=""/>
+        <p:cNvGrpSpPr/>
+        <p:nvPr/>
+      </p:nvGrpSpPr>
+      <p:grpSpPr>
+        <a:xfrm>
+          <a:off x="0" y="0"/>
+          <a:ext cx="0" cy="0"/>
+          <a:chOff x="0" y="0"/>
+          <a:chExt cx="0" cy="0"/>
+        </a:xfrm>
+      </p:grpSpPr>
+      <p:sp>
+        <p:nvSpPr>
+          <p:cNvPr id="12" name="正方形/長方形 11">
+            <a:extLst>
+              <a:ext uri="{FF2B5EF4-FFF2-40B4-BE49-F238E27FC236}">
+                <a16:creationId xmlns:a16="http://schemas.microsoft.com/office/drawing/2014/main" id="{8D927366-A2BA-562F-C5A8-9F56A5989CF9}"/>
+              </a:ext>
+            </a:extLst>
+          </p:cNvPr>
+          <p:cNvSpPr/>
+          <p:nvPr/>
+        </p:nvSpPr>
+        <p:spPr>
+          <a:xfrm>
+            <a:off x="0" y="0"/>
+            <a:ext cx="12192000" cy="1261534"/>
+          </a:xfrm>
+          <a:prstGeom prst="rect">
+            <a:avLst/>
+          </a:prstGeom>
+        </p:spPr>
+        <p:style>
+          <a:lnRef idx="2">
+            <a:schemeClr val="accent1">
+              <a:shade val="15000"/>
+            </a:schemeClr>
+          </a:lnRef>
+          <a:fillRef idx="1">
+            <a:schemeClr val="accent1"/>
+          </a:fillRef>
+          <a:effectRef idx="0">
+            <a:schemeClr val="accent1"/>
+          </a:effectRef>
+          <a:fontRef idx="minor">
+            <a:schemeClr val="lt1"/>
+          </a:fontRef>
+        </p:style>
+        <p:txBody>
+          <a:bodyPr rtlCol="0" anchor="ctr"/>
+          <a:lstStyle/>
+          <a:p>
+            <a:pPr indent="355600"/>
+            <a:r>
+              <a:rPr kumimoji="1" lang="en-US" altLang="ja-JP" sz="5400" dirty="0">
+                <a:solidFill>
+                  <a:schemeClr val="tx1"/>
+                </a:solidFill>
+                <a:latin typeface="ＭＳ Ｐゴシック" panose="020B0600070205080204" pitchFamily="50" charset="-128"/>
+                <a:ea typeface="ＭＳ Ｐゴシック" panose="020B0600070205080204" pitchFamily="50" charset="-128"/>
+              </a:rPr>
+              <a:t>- </a:t>
+            </a:r>
+            <a:r>
+              <a:rPr kumimoji="1" lang="ja-JP" altLang="en-US" sz="5400" dirty="0">
+                <a:solidFill>
+                  <a:schemeClr val="tx1"/>
+                </a:solidFill>
+                <a:latin typeface="ＭＳ Ｐゴシック" panose="020B0600070205080204" pitchFamily="50" charset="-128"/>
+                <a:ea typeface="ＭＳ Ｐゴシック" panose="020B0600070205080204" pitchFamily="50" charset="-128"/>
+              </a:rPr>
+              <a:t>基本構造の実装</a:t>
+            </a:r>
+          </a:p>
+        </p:txBody>
+      </p:sp>
+      <p:sp>
+        <p:nvSpPr>
+          <p:cNvPr id="18" name="正方形/長方形 17">
+            <a:extLst>
+              <a:ext uri="{FF2B5EF4-FFF2-40B4-BE49-F238E27FC236}">
+                <a16:creationId xmlns:a16="http://schemas.microsoft.com/office/drawing/2014/main" id="{61A47339-2C22-8635-668D-B42E11A604D9}"/>
+              </a:ext>
+            </a:extLst>
+          </p:cNvPr>
+          <p:cNvSpPr/>
+          <p:nvPr/>
+        </p:nvSpPr>
+        <p:spPr>
+          <a:xfrm>
+            <a:off x="0" y="6112933"/>
+            <a:ext cx="12192000" cy="745067"/>
+          </a:xfrm>
+          <a:prstGeom prst="rect">
+            <a:avLst/>
+          </a:prstGeom>
+        </p:spPr>
+        <p:style>
+          <a:lnRef idx="2">
+            <a:schemeClr val="accent1">
+              <a:shade val="15000"/>
+            </a:schemeClr>
+          </a:lnRef>
+          <a:fillRef idx="1">
+            <a:schemeClr val="accent1"/>
+          </a:fillRef>
+          <a:effectRef idx="0">
+            <a:schemeClr val="accent1"/>
+          </a:effectRef>
+          <a:fontRef idx="minor">
+            <a:schemeClr val="lt1"/>
+          </a:fontRef>
+        </p:style>
+        <p:txBody>
+          <a:bodyPr rtlCol="0" anchor="ctr"/>
+          <a:lstStyle/>
+          <a:p>
+            <a:pPr algn="ctr"/>
+            <a:endParaRPr kumimoji="1" lang="ja-JP" altLang="en-US"/>
+          </a:p>
+        </p:txBody>
+      </p:sp>
+      <mc:AlternateContent xmlns:mc="http://schemas.openxmlformats.org/markup-compatibility/2006">
+        <mc:Choice xmlns:we="http://schemas.microsoft.com/office/webextensions/webextension/2010/11" xmlns:pca="http://schemas.microsoft.com/office/powerpoint/2013/contentapp" Requires="we pca">
+          <p:graphicFrame>
+            <p:nvGraphicFramePr>
+              <p:cNvPr id="2" name="アドイン 1">
+                <a:extLst>
+                  <a:ext uri="{FF2B5EF4-FFF2-40B4-BE49-F238E27FC236}">
+                    <a16:creationId xmlns:a16="http://schemas.microsoft.com/office/drawing/2014/main" id="{FC09E584-2260-1562-2711-B1B8557E17CA}"/>
+                  </a:ext>
+                </a:extLst>
+              </p:cNvPr>
+              <p:cNvGraphicFramePr>
+                <a:graphicFrameLocks noGrp="1"/>
+              </p:cNvGraphicFramePr>
+              <p:nvPr/>
+            </p:nvGraphicFramePr>
+            <p:xfrm>
+              <a:off x="753534" y="1949311"/>
+              <a:ext cx="9144000" cy="4121289"/>
+            </p:xfrm>
+            <a:graphic>
+              <a:graphicData uri="http://schemas.microsoft.com/office/webextensions/webextension/2010/11">
+                <we:webextensionref xmlns:we="http://schemas.microsoft.com/office/webextensions/webextension/2010/11" xmlns:r="http://schemas.openxmlformats.org/officeDocument/2006/relationships" r:id="rId2"/>
+              </a:graphicData>
+            </a:graphic>
+          </p:graphicFrame>
+        </mc:Choice>
+        <mc:Fallback>
+          <p:pic>
+            <p:nvPicPr>
+              <p:cNvPr id="2" name="アドイン 1">
+                <a:extLst>
+                  <a:ext uri="{FF2B5EF4-FFF2-40B4-BE49-F238E27FC236}">
+                    <a16:creationId xmlns:a16="http://schemas.microsoft.com/office/drawing/2014/main" id="{FC09E584-2260-1562-2711-B1B8557E17CA}"/>
+                  </a:ext>
+                </a:extLst>
+              </p:cNvPr>
+              <p:cNvPicPr>
+                <a:picLocks noGrp="1" noRot="1" noChangeAspect="1" noMove="1" noResize="1" noEditPoints="1" noAdjustHandles="1" noChangeArrowheads="1" noChangeShapeType="1"/>
+              </p:cNvPicPr>
+              <p:nvPr/>
+            </p:nvPicPr>
+            <p:blipFill>
+              <a:blip r:embed="rId3"/>
+              <a:stretch>
+                <a:fillRect/>
+              </a:stretch>
+            </p:blipFill>
+            <p:spPr>
+              <a:xfrm>
+                <a:off x="753534" y="1949311"/>
+                <a:ext cx="9144000" cy="4121289"/>
+              </a:xfrm>
+              <a:prstGeom prst="rect">
+                <a:avLst/>
+              </a:prstGeom>
+            </p:spPr>
+          </p:pic>
+        </mc:Fallback>
+      </mc:AlternateContent>
+      <p:sp>
+        <p:nvSpPr>
+          <p:cNvPr id="3" name="テキスト ボックス 2">
+            <a:extLst>
+              <a:ext uri="{FF2B5EF4-FFF2-40B4-BE49-F238E27FC236}">
+                <a16:creationId xmlns:a16="http://schemas.microsoft.com/office/drawing/2014/main" id="{0D86314C-6A21-3246-E730-F8887C9ECA40}"/>
+              </a:ext>
+            </a:extLst>
+          </p:cNvPr>
+          <p:cNvSpPr txBox="1"/>
+          <p:nvPr/>
+        </p:nvSpPr>
+        <p:spPr>
+          <a:xfrm>
+            <a:off x="372535" y="1537646"/>
+            <a:ext cx="9905998" cy="369332"/>
+          </a:xfrm>
+          <a:prstGeom prst="rect">
+            <a:avLst/>
+          </a:prstGeom>
+          <a:noFill/>
+        </p:spPr>
+        <p:txBody>
+          <a:bodyPr wrap="square" rtlCol="0">
+            <a:spAutoFit/>
+          </a:bodyPr>
+          <a:lstStyle/>
+          <a:p>
+            <a:pPr marL="285750" indent="-285750">
+              <a:buFont typeface="Wingdings" panose="05000000000000000000" pitchFamily="2" charset="2"/>
+              <a:buChar char="ü"/>
+            </a:pPr>
+            <a:r>
+              <a:rPr kumimoji="1" lang="ja-JP" altLang="en-US" dirty="0">
+                <a:latin typeface="ＭＳ Ｐゴシック" panose="020B0600070205080204" pitchFamily="50" charset="-128"/>
+                <a:ea typeface="ＭＳ Ｐゴシック" panose="020B0600070205080204" pitchFamily="50" charset="-128"/>
+              </a:rPr>
+              <a:t>エラー②の対処</a:t>
+            </a:r>
+            <a:endParaRPr kumimoji="1" lang="en-US" altLang="ja-JP" dirty="0">
+              <a:latin typeface="ＭＳ Ｐゴシック" panose="020B0600070205080204" pitchFamily="50" charset="-128"/>
+              <a:ea typeface="ＭＳ Ｐゴシック" panose="020B0600070205080204" pitchFamily="50" charset="-128"/>
+            </a:endParaRPr>
+          </a:p>
+        </p:txBody>
+      </p:sp>
+    </p:spTree>
+    <p:extLst>
+      <p:ext uri="{BB962C8B-B14F-4D97-AF65-F5344CB8AC3E}">
+        <p14:creationId xmlns:p14="http://schemas.microsoft.com/office/powerpoint/2010/main" val="4043271307"/>
+      </p:ext>
+    </p:extLst>
+  </p:cSld>
+  <p:clrMapOvr>
+    <a:masterClrMapping/>
+  </p:clrMapOvr>
+</p:sld>
+</file>
+
+<file path=ppt/slides/slide29.xml><?xml version="1.0" encoding="utf-8"?>
+<p:sld xmlns:a="http://schemas.openxmlformats.org/drawingml/2006/main" xmlns:r="http://schemas.openxmlformats.org/officeDocument/2006/relationships" xmlns:p="http://schemas.openxmlformats.org/presentationml/2006/main">
+  <p:cSld>
+    <p:spTree>
+      <p:nvGrpSpPr>
+        <p:cNvPr id="1" name=""/>
+        <p:cNvGrpSpPr/>
+        <p:nvPr/>
+      </p:nvGrpSpPr>
+      <p:grpSpPr>
+        <a:xfrm>
+          <a:off x="0" y="0"/>
+          <a:ext cx="0" cy="0"/>
+          <a:chOff x="0" y="0"/>
+          <a:chExt cx="0" cy="0"/>
+        </a:xfrm>
+      </p:grpSpPr>
+      <p:sp>
+        <p:nvSpPr>
+          <p:cNvPr id="12" name="正方形/長方形 11">
+            <a:extLst>
+              <a:ext uri="{FF2B5EF4-FFF2-40B4-BE49-F238E27FC236}">
+                <a16:creationId xmlns:a16="http://schemas.microsoft.com/office/drawing/2014/main" id="{8D927366-A2BA-562F-C5A8-9F56A5989CF9}"/>
+              </a:ext>
+            </a:extLst>
+          </p:cNvPr>
+          <p:cNvSpPr/>
+          <p:nvPr/>
+        </p:nvSpPr>
+        <p:spPr>
+          <a:xfrm>
+            <a:off x="0" y="0"/>
+            <a:ext cx="12192000" cy="1261534"/>
+          </a:xfrm>
+          <a:prstGeom prst="rect">
+            <a:avLst/>
+          </a:prstGeom>
+        </p:spPr>
+        <p:style>
+          <a:lnRef idx="2">
+            <a:schemeClr val="accent1">
+              <a:shade val="15000"/>
+            </a:schemeClr>
+          </a:lnRef>
+          <a:fillRef idx="1">
+            <a:schemeClr val="accent1"/>
+          </a:fillRef>
+          <a:effectRef idx="0">
+            <a:schemeClr val="accent1"/>
+          </a:effectRef>
+          <a:fontRef idx="minor">
+            <a:schemeClr val="lt1"/>
+          </a:fontRef>
+        </p:style>
+        <p:txBody>
+          <a:bodyPr rtlCol="0" anchor="ctr"/>
+          <a:lstStyle/>
+          <a:p>
+            <a:pPr indent="355600"/>
+            <a:r>
+              <a:rPr kumimoji="1" lang="en-US" altLang="ja-JP" sz="5400" dirty="0">
+                <a:solidFill>
+                  <a:schemeClr val="tx1"/>
+                </a:solidFill>
+                <a:latin typeface="ＭＳ Ｐゴシック" panose="020B0600070205080204" pitchFamily="50" charset="-128"/>
+                <a:ea typeface="ＭＳ Ｐゴシック" panose="020B0600070205080204" pitchFamily="50" charset="-128"/>
+              </a:rPr>
+              <a:t>- </a:t>
+            </a:r>
+            <a:r>
+              <a:rPr kumimoji="1" lang="ja-JP" altLang="en-US" sz="5400" dirty="0">
+                <a:solidFill>
+                  <a:schemeClr val="tx1"/>
+                </a:solidFill>
+                <a:latin typeface="ＭＳ Ｐゴシック" panose="020B0600070205080204" pitchFamily="50" charset="-128"/>
+                <a:ea typeface="ＭＳ Ｐゴシック" panose="020B0600070205080204" pitchFamily="50" charset="-128"/>
+              </a:rPr>
+              <a:t>基本構造の実装</a:t>
+            </a:r>
+          </a:p>
+        </p:txBody>
+      </p:sp>
+      <p:sp>
+        <p:nvSpPr>
+          <p:cNvPr id="18" name="正方形/長方形 17">
+            <a:extLst>
+              <a:ext uri="{FF2B5EF4-FFF2-40B4-BE49-F238E27FC236}">
+                <a16:creationId xmlns:a16="http://schemas.microsoft.com/office/drawing/2014/main" id="{61A47339-2C22-8635-668D-B42E11A604D9}"/>
+              </a:ext>
+            </a:extLst>
+          </p:cNvPr>
+          <p:cNvSpPr/>
+          <p:nvPr/>
+        </p:nvSpPr>
+        <p:spPr>
+          <a:xfrm>
+            <a:off x="0" y="6112933"/>
+            <a:ext cx="12192000" cy="745067"/>
+          </a:xfrm>
+          <a:prstGeom prst="rect">
+            <a:avLst/>
+          </a:prstGeom>
+        </p:spPr>
+        <p:style>
+          <a:lnRef idx="2">
+            <a:schemeClr val="accent1">
+              <a:shade val="15000"/>
+            </a:schemeClr>
+          </a:lnRef>
+          <a:fillRef idx="1">
+            <a:schemeClr val="accent1"/>
+          </a:fillRef>
+          <a:effectRef idx="0">
+            <a:schemeClr val="accent1"/>
+          </a:effectRef>
+          <a:fontRef idx="minor">
+            <a:schemeClr val="lt1"/>
+          </a:fontRef>
+        </p:style>
+        <p:txBody>
+          <a:bodyPr rtlCol="0" anchor="ctr"/>
+          <a:lstStyle/>
+          <a:p>
+            <a:pPr algn="ctr"/>
+            <a:endParaRPr kumimoji="1" lang="ja-JP" altLang="en-US"/>
+          </a:p>
+        </p:txBody>
+      </p:sp>
+      <p:sp>
+        <p:nvSpPr>
+          <p:cNvPr id="3" name="テキスト ボックス 2">
+            <a:extLst>
+              <a:ext uri="{FF2B5EF4-FFF2-40B4-BE49-F238E27FC236}">
+                <a16:creationId xmlns:a16="http://schemas.microsoft.com/office/drawing/2014/main" id="{0D86314C-6A21-3246-E730-F8887C9ECA40}"/>
+              </a:ext>
+            </a:extLst>
+          </p:cNvPr>
+          <p:cNvSpPr txBox="1"/>
+          <p:nvPr/>
+        </p:nvSpPr>
+        <p:spPr>
+          <a:xfrm>
+            <a:off x="372535" y="1537646"/>
+            <a:ext cx="9905998" cy="1754326"/>
+          </a:xfrm>
+          <a:prstGeom prst="rect">
+            <a:avLst/>
+          </a:prstGeom>
+          <a:noFill/>
+        </p:spPr>
+        <p:txBody>
+          <a:bodyPr wrap="square" rtlCol="0">
+            <a:spAutoFit/>
+          </a:bodyPr>
+          <a:lstStyle/>
+          <a:p>
+            <a:pPr marL="285750" indent="-285750">
+              <a:buFont typeface="Wingdings" panose="05000000000000000000" pitchFamily="2" charset="2"/>
+              <a:buChar char="ü"/>
+            </a:pPr>
+            <a:r>
+              <a:rPr kumimoji="1" lang="ja-JP" altLang="en-US" dirty="0">
+                <a:latin typeface="ＭＳ Ｐゴシック" panose="020B0600070205080204" pitchFamily="50" charset="-128"/>
+                <a:ea typeface="ＭＳ Ｐゴシック" panose="020B0600070205080204" pitchFamily="50" charset="-128"/>
+              </a:rPr>
+              <a:t>デバッグをこまめに </a:t>
+            </a:r>
+            <a:r>
+              <a:rPr kumimoji="1" lang="en-US" altLang="ja-JP" dirty="0">
+                <a:latin typeface="ＭＳ Ｐゴシック" panose="020B0600070205080204" pitchFamily="50" charset="-128"/>
+                <a:ea typeface="ＭＳ Ｐゴシック" panose="020B0600070205080204" pitchFamily="50" charset="-128"/>
+              </a:rPr>
+              <a:t>(</a:t>
+            </a:r>
+            <a:r>
+              <a:rPr kumimoji="1" lang="ja-JP" altLang="en-US" dirty="0">
+                <a:latin typeface="ＭＳ Ｐゴシック" panose="020B0600070205080204" pitchFamily="50" charset="-128"/>
+                <a:ea typeface="ＭＳ Ｐゴシック" panose="020B0600070205080204" pitchFamily="50" charset="-128"/>
+              </a:rPr>
+              <a:t>数字タイルの実装をした時、</a:t>
+            </a:r>
+            <a:r>
+              <a:rPr kumimoji="1" lang="en-US" altLang="ja-JP" dirty="0">
+                <a:latin typeface="ＭＳ Ｐゴシック" panose="020B0600070205080204" pitchFamily="50" charset="-128"/>
+                <a:ea typeface="ＭＳ Ｐゴシック" panose="020B0600070205080204" pitchFamily="50" charset="-128"/>
+              </a:rPr>
+              <a:t>retry</a:t>
+            </a:r>
+            <a:r>
+              <a:rPr kumimoji="1" lang="ja-JP" altLang="en-US" dirty="0">
+                <a:latin typeface="ＭＳ Ｐゴシック" panose="020B0600070205080204" pitchFamily="50" charset="-128"/>
+                <a:ea typeface="ＭＳ Ｐゴシック" panose="020B0600070205080204" pitchFamily="50" charset="-128"/>
+              </a:rPr>
+              <a:t>ボタンを実際におしてみる</a:t>
+            </a:r>
+            <a:r>
+              <a:rPr kumimoji="1" lang="en-US" altLang="ja-JP" dirty="0">
+                <a:latin typeface="ＭＳ Ｐゴシック" panose="020B0600070205080204" pitchFamily="50" charset="-128"/>
+                <a:ea typeface="ＭＳ Ｐゴシック" panose="020B0600070205080204" pitchFamily="50" charset="-128"/>
+              </a:rPr>
+              <a:t>)</a:t>
+            </a:r>
+            <a:br>
+              <a:rPr kumimoji="1" lang="en-US" altLang="ja-JP" dirty="0">
+                <a:latin typeface="ＭＳ Ｐゴシック" panose="020B0600070205080204" pitchFamily="50" charset="-128"/>
+                <a:ea typeface="ＭＳ Ｐゴシック" panose="020B0600070205080204" pitchFamily="50" charset="-128"/>
+              </a:rPr>
+            </a:br>
+            <a:endParaRPr kumimoji="1" lang="en-US" altLang="ja-JP" dirty="0">
+              <a:latin typeface="ＭＳ Ｐゴシック" panose="020B0600070205080204" pitchFamily="50" charset="-128"/>
+              <a:ea typeface="ＭＳ Ｐゴシック" panose="020B0600070205080204" pitchFamily="50" charset="-128"/>
+            </a:endParaRPr>
+          </a:p>
+          <a:p>
+            <a:pPr marL="285750" indent="-285750">
+              <a:buFont typeface="Wingdings" panose="05000000000000000000" pitchFamily="2" charset="2"/>
+              <a:buChar char="ü"/>
+            </a:pPr>
+            <a:r>
+              <a:rPr kumimoji="1" lang="ja-JP" altLang="en-US" dirty="0">
+                <a:latin typeface="ＭＳ Ｐゴシック" panose="020B0600070205080204" pitchFamily="50" charset="-128"/>
+                <a:ea typeface="ＭＳ Ｐゴシック" panose="020B0600070205080204" pitchFamily="50" charset="-128"/>
+              </a:rPr>
+              <a:t>実際のゲーム開発でのデバッグ方法・注意点は？</a:t>
+            </a:r>
+            <a:br>
+              <a:rPr kumimoji="1" lang="en-US" altLang="ja-JP" dirty="0">
+                <a:latin typeface="ＭＳ Ｐゴシック" panose="020B0600070205080204" pitchFamily="50" charset="-128"/>
+                <a:ea typeface="ＭＳ Ｐゴシック" panose="020B0600070205080204" pitchFamily="50" charset="-128"/>
+              </a:rPr>
+            </a:br>
+            <a:br>
+              <a:rPr kumimoji="1" lang="en-US" altLang="ja-JP" dirty="0">
+                <a:latin typeface="ＭＳ Ｐゴシック" panose="020B0600070205080204" pitchFamily="50" charset="-128"/>
+                <a:ea typeface="ＭＳ Ｐゴシック" panose="020B0600070205080204" pitchFamily="50" charset="-128"/>
+              </a:rPr>
+            </a:br>
+            <a:endParaRPr kumimoji="1" lang="en-US" altLang="ja-JP" dirty="0">
+              <a:latin typeface="ＭＳ Ｐゴシック" panose="020B0600070205080204" pitchFamily="50" charset="-128"/>
+              <a:ea typeface="ＭＳ Ｐゴシック" panose="020B0600070205080204" pitchFamily="50" charset="-128"/>
+            </a:endParaRPr>
+          </a:p>
+          <a:p>
+            <a:pPr marL="285750" indent="-285750">
+              <a:buFont typeface="Wingdings" panose="05000000000000000000" pitchFamily="2" charset="2"/>
+              <a:buChar char="ü"/>
+            </a:pPr>
+            <a:endParaRPr kumimoji="1" lang="en-US" altLang="ja-JP" dirty="0">
+              <a:latin typeface="ＭＳ Ｐゴシック" panose="020B0600070205080204" pitchFamily="50" charset="-128"/>
+              <a:ea typeface="ＭＳ Ｐゴシック" panose="020B0600070205080204" pitchFamily="50" charset="-128"/>
+            </a:endParaRPr>
+          </a:p>
+        </p:txBody>
+      </p:sp>
+    </p:spTree>
+    <p:extLst>
+      <p:ext uri="{BB962C8B-B14F-4D97-AF65-F5344CB8AC3E}">
+        <p14:creationId xmlns:p14="http://schemas.microsoft.com/office/powerpoint/2010/main" val="2354517501"/>
       </p:ext>
     </p:extLst>
   </p:cSld>
@@ -25063,8 +28665,8 @@
           <a:chExt cx="0" cy="0"/>
         </a:xfrm>
       </p:grpSpPr>
-      <mc:AlternateContent xmlns:mc="http://schemas.openxmlformats.org/markup-compatibility/2006" xmlns:we="http://schemas.microsoft.com/office/webextensions/webextension/2010/11" xmlns:pca="http://schemas.microsoft.com/office/powerpoint/2013/contentapp">
-        <mc:Choice Requires="we pca">
+      <mc:AlternateContent xmlns:mc="http://schemas.openxmlformats.org/markup-compatibility/2006">
+        <mc:Choice xmlns:we="http://schemas.microsoft.com/office/webextensions/webextension/2010/11" xmlns:pca="http://schemas.microsoft.com/office/powerpoint/2013/contentapp" Requires="we pca">
           <p:graphicFrame>
             <p:nvGraphicFramePr>
               <p:cNvPr id="2" name="アドイン 1" title="Web ビューアー">
@@ -25096,7 +28698,7 @@
             </a:graphic>
           </p:graphicFrame>
         </mc:Choice>
-        <mc:Fallback xmlns="">
+        <mc:Fallback>
           <p:pic>
             <p:nvPicPr>
               <p:cNvPr id="2" name="アドイン 1" title="Web ビューアー">
@@ -26180,6 +29782,76 @@
 </we:webextension>
 </file>
 
+<file path=ppt/webextensions/webextension10.xml><?xml version="1.0" encoding="utf-8"?>
+<we:webextension xmlns:we="http://schemas.microsoft.com/office/webextensions/webextension/2010/11" id="{FF5B0B5A-BFE2-431B-A52F-23BEBE614861}">
+  <we:reference id="wa104295828" version="1.9.0.0" store="en-001" storeType="OMEX"/>
+  <we:alternateReferences>
+    <we:reference id="WA104295828" version="1.9.0.0" store="" storeType="OMEX"/>
+  </we:alternateReferences>
+  <we:properties>
+    <we:property name="__labs__" value="{&quot;configuration&quot;:{&quot;appVersion&quot;:{&quot;major&quot;:1,&quot;minor&quot;:0},&quot;components&quot;:[{&quot;type&quot;:&quot;Labs.Components.ActivityComponent&quot;,&quot;name&quot;:&quot;rintaroootobita.github.io/chatGPT_picture_scroll/scroll_10.html&quot;,&quot;values&quot;:{},&quot;data&quot;:{&quot;uri&quot;:&quot;rintaroootobita.github.io/chatGPT_picture_scroll/scroll_10.html&quot;},&quot;secure&quot;:false}],&quot;name&quot;:&quot;rintaroootobita.github.io/chatGPT_picture_scroll/scroll_10.html&quot;,&quot;timeline&quot;:null,&quot;analytics&quot;:null},&quot;hostVersion&quot;:{&quot;major&quot;:0,&quot;minor&quot;:1}}"/>
+  </we:properties>
+  <we:bindings/>
+  <we:snapshot xmlns:r="http://schemas.openxmlformats.org/officeDocument/2006/relationships" r:embed="rId1"/>
+</we:webextension>
+</file>
+
+<file path=ppt/webextensions/webextension11.xml><?xml version="1.0" encoding="utf-8"?>
+<we:webextension xmlns:we="http://schemas.microsoft.com/office/webextensions/webextension/2010/11" id="{8A16236E-4BC4-4819-9699-A9841D194710}">
+  <we:reference id="wa104295828" version="1.9.0.0" store="en-001" storeType="OMEX"/>
+  <we:alternateReferences>
+    <we:reference id="WA104295828" version="1.9.0.0" store="" storeType="OMEX"/>
+  </we:alternateReferences>
+  <we:properties>
+    <we:property name="__labs__" value="{&quot;configuration&quot;:{&quot;appVersion&quot;:{&quot;major&quot;:1,&quot;minor&quot;:0},&quot;components&quot;:[{&quot;type&quot;:&quot;Labs.Components.ActivityComponent&quot;,&quot;name&quot;:&quot;rintaroootobita.github.io/chatGPT_picture_scroll/scroll_11.html&quot;,&quot;values&quot;:{},&quot;data&quot;:{&quot;uri&quot;:&quot;rintaroootobita.github.io/chatGPT_picture_scroll/scroll_11.html&quot;},&quot;secure&quot;:false}],&quot;name&quot;:&quot;rintaroootobita.github.io/chatGPT_picture_scroll/scroll_11.html&quot;,&quot;timeline&quot;:null,&quot;analytics&quot;:null},&quot;hostVersion&quot;:{&quot;major&quot;:0,&quot;minor&quot;:1}}"/>
+  </we:properties>
+  <we:bindings/>
+  <we:snapshot xmlns:r="http://schemas.openxmlformats.org/officeDocument/2006/relationships" r:embed="rId1"/>
+</we:webextension>
+</file>
+
+<file path=ppt/webextensions/webextension12.xml><?xml version="1.0" encoding="utf-8"?>
+<we:webextension xmlns:we="http://schemas.microsoft.com/office/webextensions/webextension/2010/11" id="{8A16236E-4BC4-4819-9699-A9841D194710}">
+  <we:reference id="wa104295828" version="1.9.0.0" store="en-001" storeType="OMEX"/>
+  <we:alternateReferences>
+    <we:reference id="WA104295828" version="1.9.0.0" store="" storeType="OMEX"/>
+  </we:alternateReferences>
+  <we:properties>
+    <we:property name="__labs__" value="{&quot;configuration&quot;:{&quot;appVersion&quot;:{&quot;major&quot;:1,&quot;minor&quot;:0},&quot;components&quot;:[{&quot;type&quot;:&quot;Labs.Components.ActivityComponent&quot;,&quot;name&quot;:&quot;rintaroootobita.github.io/chatGPT_picture_scroll/scroll_12.html&quot;,&quot;values&quot;:{},&quot;data&quot;:{&quot;uri&quot;:&quot;rintaroootobita.github.io/chatGPT_picture_scroll/scroll_12.html&quot;},&quot;secure&quot;:false}],&quot;name&quot;:&quot;rintaroootobita.github.io/chatGPT_picture_scroll/scroll_12.html&quot;,&quot;timeline&quot;:null,&quot;analytics&quot;:null},&quot;hostVersion&quot;:{&quot;major&quot;:0,&quot;minor&quot;:1}}"/>
+  </we:properties>
+  <we:bindings/>
+  <we:snapshot xmlns:r="http://schemas.openxmlformats.org/officeDocument/2006/relationships" r:embed="rId1"/>
+</we:webextension>
+</file>
+
+<file path=ppt/webextensions/webextension13.xml><?xml version="1.0" encoding="utf-8"?>
+<we:webextension xmlns:we="http://schemas.microsoft.com/office/webextensions/webextension/2010/11" id="{8A16236E-4BC4-4819-9699-A9841D194710}">
+  <we:reference id="wa104295828" version="1.9.0.0" store="en-001" storeType="OMEX"/>
+  <we:alternateReferences>
+    <we:reference id="WA104295828" version="1.9.0.0" store="" storeType="OMEX"/>
+  </we:alternateReferences>
+  <we:properties>
+    <we:property name="__labs__" value="{&quot;configuration&quot;:{&quot;appVersion&quot;:{&quot;major&quot;:1,&quot;minor&quot;:0},&quot;components&quot;:[{&quot;type&quot;:&quot;Labs.Components.ActivityComponent&quot;,&quot;name&quot;:&quot;rintaroootobita.github.io/chatGPT_picture_scroll/scroll_13.html&quot;,&quot;values&quot;:{},&quot;data&quot;:{&quot;uri&quot;:&quot;rintaroootobita.github.io/chatGPT_picture_scroll/scroll_13.html&quot;},&quot;secure&quot;:false}],&quot;name&quot;:&quot;rintaroootobita.github.io/chatGPT_picture_scroll/scroll_13.html&quot;,&quot;timeline&quot;:null,&quot;analytics&quot;:null},&quot;hostVersion&quot;:{&quot;major&quot;:0,&quot;minor&quot;:1}}"/>
+  </we:properties>
+  <we:bindings/>
+  <we:snapshot xmlns:r="http://schemas.openxmlformats.org/officeDocument/2006/relationships" r:embed="rId1"/>
+</we:webextension>
+</file>
+
+<file path=ppt/webextensions/webextension14.xml><?xml version="1.0" encoding="utf-8"?>
+<we:webextension xmlns:we="http://schemas.microsoft.com/office/webextensions/webextension/2010/11" id="{8A16236E-4BC4-4819-9699-A9841D194710}">
+  <we:reference id="wa104295828" version="1.9.0.0" store="en-001" storeType="OMEX"/>
+  <we:alternateReferences>
+    <we:reference id="WA104295828" version="1.9.0.0" store="" storeType="OMEX"/>
+  </we:alternateReferences>
+  <we:properties>
+    <we:property name="__labs__" value="{&quot;configuration&quot;:{&quot;appVersion&quot;:{&quot;major&quot;:1,&quot;minor&quot;:0},&quot;components&quot;:[{&quot;type&quot;:&quot;Labs.Components.ActivityComponent&quot;,&quot;name&quot;:&quot;rintaroootobita.github.io/chatGPT_picture_scroll/scroll_14.html&quot;,&quot;values&quot;:{},&quot;data&quot;:{&quot;uri&quot;:&quot;rintaroootobita.github.io/chatGPT_picture_scroll/scroll_14.html&quot;},&quot;secure&quot;:false}],&quot;name&quot;:&quot;rintaroootobita.github.io/chatGPT_picture_scroll/scroll_14.html&quot;,&quot;timeline&quot;:null,&quot;analytics&quot;:null},&quot;hostVersion&quot;:{&quot;major&quot;:0,&quot;minor&quot;:1}}"/>
+  </we:properties>
+  <we:bindings/>
+  <we:snapshot xmlns:r="http://schemas.openxmlformats.org/officeDocument/2006/relationships" r:embed="rId1"/>
+</we:webextension>
+</file>
+
 <file path=ppt/webextensions/webextension2.xml><?xml version="1.0" encoding="utf-8"?>
 <we:webextension xmlns:we="http://schemas.microsoft.com/office/webextensions/webextension/2010/11" id="{1C8C1807-966B-46BD-B477-45B13700059B}">
   <we:reference id="wa104295828" version="1.9.0.0" store="en-001" storeType="OMEX"/>
@@ -26251,13 +29923,41 @@
 </file>
 
 <file path=ppt/webextensions/webextension7.xml><?xml version="1.0" encoding="utf-8"?>
-<we:webextension xmlns:we="http://schemas.microsoft.com/office/webextensions/webextension/2010/11" id="{E1427C9B-B9BC-4102-AC50-B6327624DF8B}">
+<we:webextension xmlns:we="http://schemas.microsoft.com/office/webextensions/webextension/2010/11" id="{C752B5BA-A9ED-4388-8095-47ACF01D77AD}">
   <we:reference id="wa104295828" version="1.9.0.0" store="en-001" storeType="OMEX"/>
   <we:alternateReferences>
-    <we:reference id="wa104295828" version="1.9.0.0" store="wa104295828" storeType="OMEX"/>
+    <we:reference id="WA104295828" version="1.9.0.0" store="" storeType="OMEX"/>
   </we:alternateReferences>
   <we:properties>
-    <we:property name="__labs__" value="{&quot;configuration&quot;:{&quot;appVersion&quot;:{&quot;major&quot;:1,&quot;minor&quot;:0},&quot;components&quot;:[{&quot;type&quot;:&quot;Labs.Components.ActivityComponent&quot;,&quot;name&quot;:&quot;rintaroootobita.github.io/chatGPT_picture_scroll/scroll_6.html?rand=4&quot;,&quot;values&quot;:{},&quot;data&quot;:{&quot;uri&quot;:&quot;rintaroootobita.github.io/chatGPT_picture_scroll/scroll_6.html?rand=4&quot;},&quot;secure&quot;:false}],&quot;name&quot;:&quot;rintaroootobita.github.io/chatGPT_picture_scroll/scroll_6.html?rand=4&quot;,&quot;timeline&quot;:null,&quot;analytics&quot;:null},&quot;hostVersion&quot;:{&quot;major&quot;:0,&quot;minor&quot;:1}}"/>
+    <we:property name="__labs__" value="{&quot;configuration&quot;:{&quot;appVersion&quot;:{&quot;major&quot;:1,&quot;minor&quot;:0},&quot;components&quot;:[{&quot;type&quot;:&quot;Labs.Components.ActivityComponent&quot;,&quot;name&quot;:&quot;rintaroootobita.github.io/chatGPT_picture_scroll/scroll_8.html&quot;,&quot;values&quot;:{},&quot;data&quot;:{&quot;uri&quot;:&quot;rintaroootobita.github.io/chatGPT_picture_scroll/scroll_8.html&quot;},&quot;secure&quot;:false}],&quot;name&quot;:&quot;rintaroootobita.github.io/chatGPT_picture_scroll/scroll_8.html&quot;,&quot;timeline&quot;:null,&quot;analytics&quot;:null},&quot;hostVersion&quot;:{&quot;major&quot;:0,&quot;minor&quot;:1}}"/>
+  </we:properties>
+  <we:bindings/>
+  <we:snapshot xmlns:r="http://schemas.openxmlformats.org/officeDocument/2006/relationships" r:embed="rId1"/>
+</we:webextension>
+</file>
+
+<file path=ppt/webextensions/webextension8.xml><?xml version="1.0" encoding="utf-8"?>
+<we:webextension xmlns:we="http://schemas.microsoft.com/office/webextensions/webextension/2010/11" id="{5A7F1A20-B4DB-4199-ADCF-178A144357BE}">
+  <we:reference id="wa104295828" version="1.9.0.0" store="en-001" storeType="OMEX"/>
+  <we:alternateReferences>
+    <we:reference id="WA104295828" version="1.9.0.0" store="" storeType="OMEX"/>
+  </we:alternateReferences>
+  <we:properties>
+    <we:property name="__labs__" value="{&quot;configuration&quot;:{&quot;appVersion&quot;:{&quot;major&quot;:1,&quot;minor&quot;:0},&quot;components&quot;:[{&quot;type&quot;:&quot;Labs.Components.ActivityComponent&quot;,&quot;name&quot;:&quot;rintaroootobita.github.io/chatGPT_picture_scroll/scroll_7.html&quot;,&quot;values&quot;:{},&quot;data&quot;:{&quot;uri&quot;:&quot;rintaroootobita.github.io/chatGPT_picture_scroll/scroll_7.html&quot;},&quot;secure&quot;:false}],&quot;name&quot;:&quot;rintaroootobita.github.io/chatGPT_picture_scroll/scroll_7.html&quot;,&quot;timeline&quot;:null,&quot;analytics&quot;:null},&quot;hostVersion&quot;:{&quot;major&quot;:0,&quot;minor&quot;:1}}"/>
+  </we:properties>
+  <we:bindings/>
+  <we:snapshot xmlns:r="http://schemas.openxmlformats.org/officeDocument/2006/relationships" r:embed="rId1"/>
+</we:webextension>
+</file>
+
+<file path=ppt/webextensions/webextension9.xml><?xml version="1.0" encoding="utf-8"?>
+<we:webextension xmlns:we="http://schemas.microsoft.com/office/webextensions/webextension/2010/11" id="{5A7F1A20-B4DB-4199-ADCF-178A144357BE}">
+  <we:reference id="wa104295828" version="1.9.0.0" store="en-001" storeType="OMEX"/>
+  <we:alternateReferences>
+    <we:reference id="WA104295828" version="1.9.0.0" store="" storeType="OMEX"/>
+  </we:alternateReferences>
+  <we:properties>
+    <we:property name="__labs__" value="{&quot;configuration&quot;:{&quot;appVersion&quot;:{&quot;major&quot;:1,&quot;minor&quot;:0},&quot;components&quot;:[{&quot;type&quot;:&quot;Labs.Components.ActivityComponent&quot;,&quot;name&quot;:&quot;rintaroootobita.github.io/chatGPT_picture_scroll/scroll_9.html&quot;,&quot;values&quot;:{},&quot;data&quot;:{&quot;uri&quot;:&quot;rintaroootobita.github.io/chatGPT_picture_scroll/scroll_9.html&quot;},&quot;secure&quot;:false}],&quot;name&quot;:&quot;rintaroootobita.github.io/chatGPT_picture_scroll/scroll_9.html&quot;,&quot;timeline&quot;:null,&quot;analytics&quot;:null},&quot;hostVersion&quot;:{&quot;major&quot;:0,&quot;minor&quot;:1}}"/>
   </we:properties>
   <we:bindings/>
   <we:snapshot xmlns:r="http://schemas.openxmlformats.org/officeDocument/2006/relationships" r:embed="rId1"/>
